--- a/docs/Lectures/Week03/Week03_SpatialData.pptx
+++ b/docs/Lectures/Week03/Week03_SpatialData.pptx
@@ -1777,14 +1777,35 @@
         </dgm:presLayoutVars>
       </dgm:prSet>
       <dgm:spPr/>
+      <dgm:t>
+        <a:bodyPr/>
+        <a:lstStyle/>
+        <a:p>
+          <a:endParaRPr lang="en-US"/>
+        </a:p>
+      </dgm:t>
     </dgm:pt>
     <dgm:pt modelId="{974FCE6F-4B4F-4C01-AC23-F00C77CDE196}" type="pres">
       <dgm:prSet presAssocID="{D909DF9B-ADDD-4CB3-8700-77F1CB542975}" presName="sibTrans" presStyleLbl="sibTrans2D1" presStyleIdx="0" presStyleCnt="2"/>
       <dgm:spPr/>
+      <dgm:t>
+        <a:bodyPr/>
+        <a:lstStyle/>
+        <a:p>
+          <a:endParaRPr lang="en-US"/>
+        </a:p>
+      </dgm:t>
     </dgm:pt>
     <dgm:pt modelId="{3D92D739-F98B-4C2F-A4C9-74EF02E06AA4}" type="pres">
       <dgm:prSet presAssocID="{D909DF9B-ADDD-4CB3-8700-77F1CB542975}" presName="connectorText" presStyleLbl="sibTrans2D1" presStyleIdx="0" presStyleCnt="2"/>
       <dgm:spPr/>
+      <dgm:t>
+        <a:bodyPr/>
+        <a:lstStyle/>
+        <a:p>
+          <a:endParaRPr lang="en-US"/>
+        </a:p>
+      </dgm:t>
     </dgm:pt>
     <dgm:pt modelId="{8C58276C-35B3-4A87-87D4-040AA4233289}" type="pres">
       <dgm:prSet presAssocID="{BBF2A635-4652-4667-A7DC-6CD206DE7A1D}" presName="node" presStyleLbl="node1" presStyleIdx="1" presStyleCnt="3">
@@ -1793,14 +1814,35 @@
         </dgm:presLayoutVars>
       </dgm:prSet>
       <dgm:spPr/>
+      <dgm:t>
+        <a:bodyPr/>
+        <a:lstStyle/>
+        <a:p>
+          <a:endParaRPr lang="en-US"/>
+        </a:p>
+      </dgm:t>
     </dgm:pt>
     <dgm:pt modelId="{F2DBA6D9-8EBB-491D-B1A6-6D125FD42238}" type="pres">
       <dgm:prSet presAssocID="{40AA2517-EDB6-4792-B00B-33DCE5E0CA0D}" presName="sibTrans" presStyleLbl="sibTrans2D1" presStyleIdx="1" presStyleCnt="2"/>
       <dgm:spPr/>
+      <dgm:t>
+        <a:bodyPr/>
+        <a:lstStyle/>
+        <a:p>
+          <a:endParaRPr lang="en-US"/>
+        </a:p>
+      </dgm:t>
     </dgm:pt>
     <dgm:pt modelId="{E555909E-441F-4DD4-AE23-680C205218C3}" type="pres">
       <dgm:prSet presAssocID="{40AA2517-EDB6-4792-B00B-33DCE5E0CA0D}" presName="connectorText" presStyleLbl="sibTrans2D1" presStyleIdx="1" presStyleCnt="2"/>
       <dgm:spPr/>
+      <dgm:t>
+        <a:bodyPr/>
+        <a:lstStyle/>
+        <a:p>
+          <a:endParaRPr lang="en-US"/>
+        </a:p>
+      </dgm:t>
     </dgm:pt>
     <dgm:pt modelId="{70D8D755-577E-41EE-B0AA-4BC818B5C635}" type="pres">
       <dgm:prSet presAssocID="{F050A52A-9891-4774-8884-1CC8F315DC2D}" presName="node" presStyleLbl="node1" presStyleIdx="2" presStyleCnt="3">
@@ -1809,20 +1851,27 @@
         </dgm:presLayoutVars>
       </dgm:prSet>
       <dgm:spPr/>
+      <dgm:t>
+        <a:bodyPr/>
+        <a:lstStyle/>
+        <a:p>
+          <a:endParaRPr lang="en-US"/>
+        </a:p>
+      </dgm:t>
     </dgm:pt>
   </dgm:ptLst>
   <dgm:cxnLst>
+    <dgm:cxn modelId="{DA110FF7-76FA-4A07-9530-E6CD585573B0}" type="presOf" srcId="{D909DF9B-ADDD-4CB3-8700-77F1CB542975}" destId="{974FCE6F-4B4F-4C01-AC23-F00C77CDE196}" srcOrd="0" destOrd="0" presId="urn:microsoft.com/office/officeart/2005/8/layout/process1"/>
+    <dgm:cxn modelId="{CD7AED81-E9B6-47FD-9D04-1747A91FF1A1}" type="presOf" srcId="{8AA0BC73-7DAA-49DB-A852-6A5D0D67072C}" destId="{25E16CE2-020D-4EA9-8F45-21CED841A099}" srcOrd="0" destOrd="0" presId="urn:microsoft.com/office/officeart/2005/8/layout/process1"/>
     <dgm:cxn modelId="{5F93CF29-BF7D-4902-A422-5E9C479CF05F}" type="presOf" srcId="{04D6229C-EE77-44C1-9754-F3EA92DC1503}" destId="{2A81163F-2073-41D2-B629-2AE0A27E6164}" srcOrd="0" destOrd="0" presId="urn:microsoft.com/office/officeart/2005/8/layout/process1"/>
+    <dgm:cxn modelId="{0EA2878A-3EFC-4B01-A043-EFC7D81597DD}" srcId="{04D6229C-EE77-44C1-9754-F3EA92DC1503}" destId="{BBF2A635-4652-4667-A7DC-6CD206DE7A1D}" srcOrd="1" destOrd="0" parTransId="{07836F1B-850F-4AF4-9DCE-3C3F0BC04398}" sibTransId="{40AA2517-EDB6-4792-B00B-33DCE5E0CA0D}"/>
+    <dgm:cxn modelId="{2612F9BF-F737-4DA9-8DAF-9ECD5EB0A2B3}" type="presOf" srcId="{D909DF9B-ADDD-4CB3-8700-77F1CB542975}" destId="{3D92D739-F98B-4C2F-A4C9-74EF02E06AA4}" srcOrd="1" destOrd="0" presId="urn:microsoft.com/office/officeart/2005/8/layout/process1"/>
+    <dgm:cxn modelId="{D952A2FD-D750-4E49-85A9-64CF13965DA9}" type="presOf" srcId="{40AA2517-EDB6-4792-B00B-33DCE5E0CA0D}" destId="{F2DBA6D9-8EBB-491D-B1A6-6D125FD42238}" srcOrd="0" destOrd="0" presId="urn:microsoft.com/office/officeart/2005/8/layout/process1"/>
+    <dgm:cxn modelId="{0C5DC3BC-297E-48E4-B501-8B9E8A4D28AB}" srcId="{04D6229C-EE77-44C1-9754-F3EA92DC1503}" destId="{F050A52A-9891-4774-8884-1CC8F315DC2D}" srcOrd="2" destOrd="0" parTransId="{3B8C6AB8-3F19-4ED1-8E12-AC68A6A3A705}" sibTransId="{E3BB30D0-8773-42C7-A469-445E94844470}"/>
+    <dgm:cxn modelId="{CACCFAAD-B4B3-48DD-90ED-67113DEA7792}" type="presOf" srcId="{40AA2517-EDB6-4792-B00B-33DCE5E0CA0D}" destId="{E555909E-441F-4DD4-AE23-680C205218C3}" srcOrd="1" destOrd="0" presId="urn:microsoft.com/office/officeart/2005/8/layout/process1"/>
     <dgm:cxn modelId="{49492A47-BDBD-4288-872D-C1869D7ABD13}" srcId="{04D6229C-EE77-44C1-9754-F3EA92DC1503}" destId="{8AA0BC73-7DAA-49DB-A852-6A5D0D67072C}" srcOrd="0" destOrd="0" parTransId="{227AE41B-713C-4F85-8364-1B1910515332}" sibTransId="{D909DF9B-ADDD-4CB3-8700-77F1CB542975}"/>
+    <dgm:cxn modelId="{586D7AA6-4F83-4BAE-BB65-8289B46F28D1}" type="presOf" srcId="{F050A52A-9891-4774-8884-1CC8F315DC2D}" destId="{70D8D755-577E-41EE-B0AA-4BC818B5C635}" srcOrd="0" destOrd="0" presId="urn:microsoft.com/office/officeart/2005/8/layout/process1"/>
     <dgm:cxn modelId="{8533F76A-D46A-4857-AC03-1B083C5104F9}" type="presOf" srcId="{BBF2A635-4652-4667-A7DC-6CD206DE7A1D}" destId="{8C58276C-35B3-4A87-87D4-040AA4233289}" srcOrd="0" destOrd="0" presId="urn:microsoft.com/office/officeart/2005/8/layout/process1"/>
-    <dgm:cxn modelId="{CD7AED81-E9B6-47FD-9D04-1747A91FF1A1}" type="presOf" srcId="{8AA0BC73-7DAA-49DB-A852-6A5D0D67072C}" destId="{25E16CE2-020D-4EA9-8F45-21CED841A099}" srcOrd="0" destOrd="0" presId="urn:microsoft.com/office/officeart/2005/8/layout/process1"/>
-    <dgm:cxn modelId="{0EA2878A-3EFC-4B01-A043-EFC7D81597DD}" srcId="{04D6229C-EE77-44C1-9754-F3EA92DC1503}" destId="{BBF2A635-4652-4667-A7DC-6CD206DE7A1D}" srcOrd="1" destOrd="0" parTransId="{07836F1B-850F-4AF4-9DCE-3C3F0BC04398}" sibTransId="{40AA2517-EDB6-4792-B00B-33DCE5E0CA0D}"/>
-    <dgm:cxn modelId="{586D7AA6-4F83-4BAE-BB65-8289B46F28D1}" type="presOf" srcId="{F050A52A-9891-4774-8884-1CC8F315DC2D}" destId="{70D8D755-577E-41EE-B0AA-4BC818B5C635}" srcOrd="0" destOrd="0" presId="urn:microsoft.com/office/officeart/2005/8/layout/process1"/>
-    <dgm:cxn modelId="{CACCFAAD-B4B3-48DD-90ED-67113DEA7792}" type="presOf" srcId="{40AA2517-EDB6-4792-B00B-33DCE5E0CA0D}" destId="{E555909E-441F-4DD4-AE23-680C205218C3}" srcOrd="1" destOrd="0" presId="urn:microsoft.com/office/officeart/2005/8/layout/process1"/>
-    <dgm:cxn modelId="{0C5DC3BC-297E-48E4-B501-8B9E8A4D28AB}" srcId="{04D6229C-EE77-44C1-9754-F3EA92DC1503}" destId="{F050A52A-9891-4774-8884-1CC8F315DC2D}" srcOrd="2" destOrd="0" parTransId="{3B8C6AB8-3F19-4ED1-8E12-AC68A6A3A705}" sibTransId="{E3BB30D0-8773-42C7-A469-445E94844470}"/>
-    <dgm:cxn modelId="{2612F9BF-F737-4DA9-8DAF-9ECD5EB0A2B3}" type="presOf" srcId="{D909DF9B-ADDD-4CB3-8700-77F1CB542975}" destId="{3D92D739-F98B-4C2F-A4C9-74EF02E06AA4}" srcOrd="1" destOrd="0" presId="urn:microsoft.com/office/officeart/2005/8/layout/process1"/>
-    <dgm:cxn modelId="{DA110FF7-76FA-4A07-9530-E6CD585573B0}" type="presOf" srcId="{D909DF9B-ADDD-4CB3-8700-77F1CB542975}" destId="{974FCE6F-4B4F-4C01-AC23-F00C77CDE196}" srcOrd="0" destOrd="0" presId="urn:microsoft.com/office/officeart/2005/8/layout/process1"/>
-    <dgm:cxn modelId="{D952A2FD-D750-4E49-85A9-64CF13965DA9}" type="presOf" srcId="{40AA2517-EDB6-4792-B00B-33DCE5E0CA0D}" destId="{F2DBA6D9-8EBB-491D-B1A6-6D125FD42238}" srcOrd="0" destOrd="0" presId="urn:microsoft.com/office/officeart/2005/8/layout/process1"/>
     <dgm:cxn modelId="{13C3B533-807A-4153-8E22-0A6EA0945482}" type="presParOf" srcId="{2A81163F-2073-41D2-B629-2AE0A27E6164}" destId="{25E16CE2-020D-4EA9-8F45-21CED841A099}" srcOrd="0" destOrd="0" presId="urn:microsoft.com/office/officeart/2005/8/layout/process1"/>
     <dgm:cxn modelId="{13232FD5-E1F8-4B99-9EA0-D3ECC91C999D}" type="presParOf" srcId="{2A81163F-2073-41D2-B629-2AE0A27E6164}" destId="{974FCE6F-4B4F-4C01-AC23-F00C77CDE196}" srcOrd="1" destOrd="0" presId="urn:microsoft.com/office/officeart/2005/8/layout/process1"/>
     <dgm:cxn modelId="{ACC0308E-5312-4B6E-853E-758F01ECCD91}" type="presParOf" srcId="{974FCE6F-4B4F-4C01-AC23-F00C77CDE196}" destId="{3D92D739-F98B-4C2F-A4C9-74EF02E06AA4}" srcOrd="0" destOrd="0" presId="urn:microsoft.com/office/officeart/2005/8/layout/process1"/>
@@ -1936,14 +1985,35 @@
         </dgm:presLayoutVars>
       </dgm:prSet>
       <dgm:spPr/>
+      <dgm:t>
+        <a:bodyPr/>
+        <a:lstStyle/>
+        <a:p>
+          <a:endParaRPr lang="en-US"/>
+        </a:p>
+      </dgm:t>
     </dgm:pt>
     <dgm:pt modelId="{F2DBA6D9-8EBB-491D-B1A6-6D125FD42238}" type="pres">
       <dgm:prSet presAssocID="{40AA2517-EDB6-4792-B00B-33DCE5E0CA0D}" presName="sibTrans" presStyleLbl="sibTrans2D1" presStyleIdx="0" presStyleCnt="1"/>
       <dgm:spPr/>
+      <dgm:t>
+        <a:bodyPr/>
+        <a:lstStyle/>
+        <a:p>
+          <a:endParaRPr lang="en-US"/>
+        </a:p>
+      </dgm:t>
     </dgm:pt>
     <dgm:pt modelId="{E555909E-441F-4DD4-AE23-680C205218C3}" type="pres">
       <dgm:prSet presAssocID="{40AA2517-EDB6-4792-B00B-33DCE5E0CA0D}" presName="connectorText" presStyleLbl="sibTrans2D1" presStyleIdx="0" presStyleCnt="1"/>
       <dgm:spPr/>
+      <dgm:t>
+        <a:bodyPr/>
+        <a:lstStyle/>
+        <a:p>
+          <a:endParaRPr lang="en-US"/>
+        </a:p>
+      </dgm:t>
     </dgm:pt>
     <dgm:pt modelId="{70D8D755-577E-41EE-B0AA-4BC818B5C635}" type="pres">
       <dgm:prSet presAssocID="{F050A52A-9891-4774-8884-1CC8F315DC2D}" presName="node" presStyleLbl="node1" presStyleIdx="1" presStyleCnt="2">
@@ -1952,16 +2022,23 @@
         </dgm:presLayoutVars>
       </dgm:prSet>
       <dgm:spPr/>
+      <dgm:t>
+        <a:bodyPr/>
+        <a:lstStyle/>
+        <a:p>
+          <a:endParaRPr lang="en-US"/>
+        </a:p>
+      </dgm:t>
     </dgm:pt>
   </dgm:ptLst>
   <dgm:cxnLst>
-    <dgm:cxn modelId="{5F93CF29-BF7D-4902-A422-5E9C479CF05F}" type="presOf" srcId="{04D6229C-EE77-44C1-9754-F3EA92DC1503}" destId="{2A81163F-2073-41D2-B629-2AE0A27E6164}" srcOrd="0" destOrd="0" presId="urn:microsoft.com/office/officeart/2005/8/layout/process1"/>
+    <dgm:cxn modelId="{CACCFAAD-B4B3-48DD-90ED-67113DEA7792}" type="presOf" srcId="{40AA2517-EDB6-4792-B00B-33DCE5E0CA0D}" destId="{E555909E-441F-4DD4-AE23-680C205218C3}" srcOrd="1" destOrd="0" presId="urn:microsoft.com/office/officeart/2005/8/layout/process1"/>
+    <dgm:cxn modelId="{D952A2FD-D750-4E49-85A9-64CF13965DA9}" type="presOf" srcId="{40AA2517-EDB6-4792-B00B-33DCE5E0CA0D}" destId="{F2DBA6D9-8EBB-491D-B1A6-6D125FD42238}" srcOrd="0" destOrd="0" presId="urn:microsoft.com/office/officeart/2005/8/layout/process1"/>
+    <dgm:cxn modelId="{0C5DC3BC-297E-48E4-B501-8B9E8A4D28AB}" srcId="{04D6229C-EE77-44C1-9754-F3EA92DC1503}" destId="{F050A52A-9891-4774-8884-1CC8F315DC2D}" srcOrd="1" destOrd="0" parTransId="{3B8C6AB8-3F19-4ED1-8E12-AC68A6A3A705}" sibTransId="{E3BB30D0-8773-42C7-A469-445E94844470}"/>
+    <dgm:cxn modelId="{586D7AA6-4F83-4BAE-BB65-8289B46F28D1}" type="presOf" srcId="{F050A52A-9891-4774-8884-1CC8F315DC2D}" destId="{70D8D755-577E-41EE-B0AA-4BC818B5C635}" srcOrd="0" destOrd="0" presId="urn:microsoft.com/office/officeart/2005/8/layout/process1"/>
     <dgm:cxn modelId="{8533F76A-D46A-4857-AC03-1B083C5104F9}" type="presOf" srcId="{BBF2A635-4652-4667-A7DC-6CD206DE7A1D}" destId="{8C58276C-35B3-4A87-87D4-040AA4233289}" srcOrd="0" destOrd="0" presId="urn:microsoft.com/office/officeart/2005/8/layout/process1"/>
     <dgm:cxn modelId="{0EA2878A-3EFC-4B01-A043-EFC7D81597DD}" srcId="{04D6229C-EE77-44C1-9754-F3EA92DC1503}" destId="{BBF2A635-4652-4667-A7DC-6CD206DE7A1D}" srcOrd="0" destOrd="0" parTransId="{07836F1B-850F-4AF4-9DCE-3C3F0BC04398}" sibTransId="{40AA2517-EDB6-4792-B00B-33DCE5E0CA0D}"/>
-    <dgm:cxn modelId="{586D7AA6-4F83-4BAE-BB65-8289B46F28D1}" type="presOf" srcId="{F050A52A-9891-4774-8884-1CC8F315DC2D}" destId="{70D8D755-577E-41EE-B0AA-4BC818B5C635}" srcOrd="0" destOrd="0" presId="urn:microsoft.com/office/officeart/2005/8/layout/process1"/>
-    <dgm:cxn modelId="{CACCFAAD-B4B3-48DD-90ED-67113DEA7792}" type="presOf" srcId="{40AA2517-EDB6-4792-B00B-33DCE5E0CA0D}" destId="{E555909E-441F-4DD4-AE23-680C205218C3}" srcOrd="1" destOrd="0" presId="urn:microsoft.com/office/officeart/2005/8/layout/process1"/>
-    <dgm:cxn modelId="{0C5DC3BC-297E-48E4-B501-8B9E8A4D28AB}" srcId="{04D6229C-EE77-44C1-9754-F3EA92DC1503}" destId="{F050A52A-9891-4774-8884-1CC8F315DC2D}" srcOrd="1" destOrd="0" parTransId="{3B8C6AB8-3F19-4ED1-8E12-AC68A6A3A705}" sibTransId="{E3BB30D0-8773-42C7-A469-445E94844470}"/>
-    <dgm:cxn modelId="{D952A2FD-D750-4E49-85A9-64CF13965DA9}" type="presOf" srcId="{40AA2517-EDB6-4792-B00B-33DCE5E0CA0D}" destId="{F2DBA6D9-8EBB-491D-B1A6-6D125FD42238}" srcOrd="0" destOrd="0" presId="urn:microsoft.com/office/officeart/2005/8/layout/process1"/>
+    <dgm:cxn modelId="{5F93CF29-BF7D-4902-A422-5E9C479CF05F}" type="presOf" srcId="{04D6229C-EE77-44C1-9754-F3EA92DC1503}" destId="{2A81163F-2073-41D2-B629-2AE0A27E6164}" srcOrd="0" destOrd="0" presId="urn:microsoft.com/office/officeart/2005/8/layout/process1"/>
     <dgm:cxn modelId="{1164BA7D-2C7C-4A97-ADA1-6B8E158EDA87}" type="presParOf" srcId="{2A81163F-2073-41D2-B629-2AE0A27E6164}" destId="{8C58276C-35B3-4A87-87D4-040AA4233289}" srcOrd="0" destOrd="0" presId="urn:microsoft.com/office/officeart/2005/8/layout/process1"/>
     <dgm:cxn modelId="{1A96BDBE-8034-4465-B89D-8802AE6CE1A0}" type="presParOf" srcId="{2A81163F-2073-41D2-B629-2AE0A27E6164}" destId="{F2DBA6D9-8EBB-491D-B1A6-6D125FD42238}" srcOrd="1" destOrd="0" presId="urn:microsoft.com/office/officeart/2005/8/layout/process1"/>
     <dgm:cxn modelId="{C9035114-6F50-44A3-8266-5CECB3F9A196}" type="presParOf" srcId="{F2DBA6D9-8EBB-491D-B1A6-6D125FD42238}" destId="{E555909E-441F-4DD4-AE23-680C205218C3}" srcOrd="0" destOrd="0" presId="urn:microsoft.com/office/officeart/2005/8/layout/process1"/>
@@ -2041,7 +2118,7 @@
         </a:bodyPr>
         <a:lstStyle/>
         <a:p>
-          <a:pPr marL="0" lvl="0" indent="0" algn="ctr" defTabSz="1466850">
+          <a:pPr lvl="0" algn="ctr" defTabSz="1466850">
             <a:lnSpc>
               <a:spcPct val="90000"/>
             </a:lnSpc>
@@ -2051,7 +2128,6 @@
             <a:spcAft>
               <a:spcPct val="35000"/>
             </a:spcAft>
-            <a:buNone/>
           </a:pPr>
           <a:r>
             <a:rPr lang="en-US" sz="3300" kern="1200" dirty="0"/>
@@ -2114,7 +2190,7 @@
         </a:bodyPr>
         <a:lstStyle/>
         <a:p>
-          <a:pPr marL="0" lvl="0" indent="0" algn="ctr" defTabSz="1155700">
+          <a:pPr lvl="0" algn="ctr" defTabSz="1155700">
             <a:lnSpc>
               <a:spcPct val="90000"/>
             </a:lnSpc>
@@ -2124,7 +2200,6 @@
             <a:spcAft>
               <a:spcPct val="35000"/>
             </a:spcAft>
-            <a:buNone/>
           </a:pPr>
           <a:endParaRPr lang="en-US" sz="2600" kern="1200"/>
         </a:p>
@@ -2190,7 +2265,7 @@
         </a:bodyPr>
         <a:lstStyle/>
         <a:p>
-          <a:pPr marL="0" lvl="0" indent="0" algn="ctr" defTabSz="1466850">
+          <a:pPr lvl="0" algn="ctr" defTabSz="1466850">
             <a:lnSpc>
               <a:spcPct val="90000"/>
             </a:lnSpc>
@@ -2200,7 +2275,6 @@
             <a:spcAft>
               <a:spcPct val="35000"/>
             </a:spcAft>
-            <a:buNone/>
           </a:pPr>
           <a:r>
             <a:rPr lang="en-US" sz="3300" kern="1200" dirty="0"/>
@@ -2263,7 +2337,7 @@
         </a:bodyPr>
         <a:lstStyle/>
         <a:p>
-          <a:pPr marL="0" lvl="0" indent="0" algn="ctr" defTabSz="1155700">
+          <a:pPr lvl="0" algn="ctr" defTabSz="1155700">
             <a:lnSpc>
               <a:spcPct val="90000"/>
             </a:lnSpc>
@@ -2273,7 +2347,6 @@
             <a:spcAft>
               <a:spcPct val="35000"/>
             </a:spcAft>
-            <a:buNone/>
           </a:pPr>
           <a:endParaRPr lang="en-US" sz="2600" kern="1200"/>
         </a:p>
@@ -2339,7 +2412,7 @@
         </a:bodyPr>
         <a:lstStyle/>
         <a:p>
-          <a:pPr marL="0" lvl="0" indent="0" algn="ctr" defTabSz="1466850">
+          <a:pPr lvl="0" algn="ctr" defTabSz="1466850">
             <a:lnSpc>
               <a:spcPct val="90000"/>
             </a:lnSpc>
@@ -2349,7 +2422,6 @@
             <a:spcAft>
               <a:spcPct val="35000"/>
             </a:spcAft>
-            <a:buNone/>
           </a:pPr>
           <a:r>
             <a:rPr lang="en-US" sz="3300" kern="1200" dirty="0"/>
@@ -2430,7 +2502,7 @@
         </a:bodyPr>
         <a:lstStyle/>
         <a:p>
-          <a:pPr marL="0" lvl="0" indent="0" algn="ctr" defTabSz="1600200">
+          <a:pPr lvl="0" algn="ctr" defTabSz="1600200">
             <a:lnSpc>
               <a:spcPct val="90000"/>
             </a:lnSpc>
@@ -2440,7 +2512,6 @@
             <a:spcAft>
               <a:spcPct val="35000"/>
             </a:spcAft>
-            <a:buNone/>
           </a:pPr>
           <a:r>
             <a:rPr lang="en-US" sz="3600" kern="1200" dirty="0"/>
@@ -2503,7 +2574,7 @@
         </a:bodyPr>
         <a:lstStyle/>
         <a:p>
-          <a:pPr marL="0" lvl="0" indent="0" algn="ctr" defTabSz="1289050">
+          <a:pPr lvl="0" algn="ctr" defTabSz="1289050">
             <a:lnSpc>
               <a:spcPct val="90000"/>
             </a:lnSpc>
@@ -2513,7 +2584,6 @@
             <a:spcAft>
               <a:spcPct val="35000"/>
             </a:spcAft>
-            <a:buNone/>
           </a:pPr>
           <a:endParaRPr lang="en-US" sz="2900" kern="1200"/>
         </a:p>
@@ -2579,7 +2649,7 @@
         </a:bodyPr>
         <a:lstStyle/>
         <a:p>
-          <a:pPr marL="0" lvl="0" indent="0" algn="ctr" defTabSz="1600200">
+          <a:pPr lvl="0" algn="ctr" defTabSz="1600200">
             <a:lnSpc>
               <a:spcPct val="90000"/>
             </a:lnSpc>
@@ -2589,7 +2659,6 @@
             <a:spcAft>
               <a:spcPct val="35000"/>
             </a:spcAft>
-            <a:buNone/>
           </a:pPr>
           <a:r>
             <a:rPr lang="en-US" sz="3600" kern="1200" dirty="0"/>
@@ -5060,7 +5129,7 @@
           <a:p>
             <a:fld id="{3AF106B3-F2DA-48D3-8BC9-D8AF4A5AEC52}" type="datetimeFigureOut">
               <a:rPr lang="en-US" smtClean="0"/>
-              <a:t>1/9/2025</a:t>
+              <a:t>1/13/2025</a:t>
             </a:fld>
             <a:endParaRPr lang="en-US"/>
           </a:p>
@@ -5238,7 +5307,7 @@
           <a:p>
             <a:fld id="{F12EB5DA-1790-4C4A-B092-095C6475A200}" type="datetimeFigureOut">
               <a:rPr lang="en-US" smtClean="0"/>
-              <a:t>1/9/2025</a:t>
+              <a:t>1/13/2025</a:t>
             </a:fld>
             <a:endParaRPr lang="en-US"/>
           </a:p>
@@ -5743,7 +5812,7 @@
           <a:p>
             <a:fld id="{ED291B17-9318-49DB-B28B-6E5994AE9581}" type="datetime1">
               <a:rPr lang="en-US" smtClean="0"/>
-              <a:t>1/9/2025</a:t>
+              <a:t>1/13/2025</a:t>
             </a:fld>
             <a:endParaRPr lang="en-US" dirty="0"/>
           </a:p>
@@ -5946,7 +6015,7 @@
           <a:p>
             <a:fld id="{2CED4963-E985-44C4-B8C4-FDD613B7C2F8}" type="datetime1">
               <a:rPr lang="en-US" smtClean="0"/>
-              <a:t>1/9/2025</a:t>
+              <a:t>1/13/2025</a:t>
             </a:fld>
             <a:endParaRPr lang="en-US" dirty="0"/>
           </a:p>
@@ -6307,7 +6376,7 @@
           <a:p>
             <a:fld id="{ED291B17-9318-49DB-B28B-6E5994AE9581}" type="datetime1">
               <a:rPr lang="en-US" smtClean="0"/>
-              <a:t>1/9/2025</a:t>
+              <a:t>1/13/2025</a:t>
             </a:fld>
             <a:endParaRPr lang="en-US" dirty="0"/>
           </a:p>
@@ -6503,7 +6572,7 @@
           <a:p>
             <a:fld id="{78DD82B9-B8EE-4375-B6FF-88FA6ABB15D9}" type="datetime1">
               <a:rPr lang="en-US" smtClean="0"/>
-              <a:t>1/9/2025</a:t>
+              <a:t>1/13/2025</a:t>
             </a:fld>
             <a:endParaRPr lang="en-US" dirty="0"/>
           </a:p>
@@ -6814,7 +6883,7 @@
           <a:p>
             <a:fld id="{B2497495-0637-405E-AE64-5CC7506D51F5}" type="datetime1">
               <a:rPr lang="en-US" smtClean="0"/>
-              <a:t>1/9/2025</a:t>
+              <a:t>1/13/2025</a:t>
             </a:fld>
             <a:endParaRPr lang="en-US" dirty="0"/>
           </a:p>
@@ -7064,7 +7133,7 @@
           <a:p>
             <a:fld id="{7BFFD690-9426-415D-8B65-26881E07B2D4}" type="datetime1">
               <a:rPr lang="en-US" smtClean="0"/>
-              <a:t>1/9/2025</a:t>
+              <a:t>1/13/2025</a:t>
             </a:fld>
             <a:endParaRPr lang="en-US" dirty="0"/>
           </a:p>
@@ -7483,7 +7552,7 @@
           <a:p>
             <a:fld id="{04C4989A-474C-40DE-95B9-011C28B71673}" type="datetime1">
               <a:rPr lang="en-US" smtClean="0"/>
-              <a:t>1/9/2025</a:t>
+              <a:t>1/13/2025</a:t>
             </a:fld>
             <a:endParaRPr lang="en-US" dirty="0"/>
           </a:p>
@@ -7605,7 +7674,7 @@
           <a:p>
             <a:fld id="{5DB4ED54-5B5E-4A04-93D3-5772E3CE3818}" type="datetime1">
               <a:rPr lang="en-US" smtClean="0"/>
-              <a:t>1/9/2025</a:t>
+              <a:t>1/13/2025</a:t>
             </a:fld>
             <a:endParaRPr lang="en-US" dirty="0"/>
           </a:p>
@@ -7700,7 +7769,7 @@
           <a:p>
             <a:fld id="{4EDE50D6-574B-40AF-946F-D52A04ADE379}" type="datetime1">
               <a:rPr lang="en-US" smtClean="0"/>
-              <a:t>1/9/2025</a:t>
+              <a:t>1/13/2025</a:t>
             </a:fld>
             <a:endParaRPr lang="en-US" dirty="0"/>
           </a:p>
@@ -8075,7 +8144,7 @@
           <a:p>
             <a:fld id="{D82884F1-FFEA-405F-9602-3DCA865EDA4E}" type="datetime1">
               <a:rPr lang="en-US" smtClean="0"/>
-              <a:t>1/9/2025</a:t>
+              <a:t>1/13/2025</a:t>
             </a:fld>
             <a:endParaRPr lang="en-US" dirty="0"/>
           </a:p>
@@ -8366,7 +8435,7 @@
           <a:p>
             <a:fld id="{7E18DB4A-8810-4A10-AD5C-D5E2C667F5B3}" type="datetime1">
               <a:rPr lang="en-US" smtClean="0"/>
-              <a:t>1/9/2025</a:t>
+              <a:t>1/13/2025</a:t>
             </a:fld>
             <a:endParaRPr lang="en-US" dirty="0"/>
           </a:p>
@@ -8579,7 +8648,7 @@
           <a:p>
             <a:fld id="{ED291B17-9318-49DB-B28B-6E5994AE9581}" type="datetime1">
               <a:rPr lang="en-US" smtClean="0"/>
-              <a:t>1/9/2025</a:t>
+              <a:t>1/13/2025</a:t>
             </a:fld>
             <a:endParaRPr lang="en-US" dirty="0"/>
           </a:p>
@@ -9239,7 +9308,7 @@
                 <a16:creationId xmlns:a16="http://schemas.microsoft.com/office/drawing/2014/main" id="{875485B9-8EE1-447A-9C08-F7D6B532A8CF}"/>
               </a:ext>
               <a:ext uri="{C183D7F6-B498-43B3-948B-1728B52AA6E4}">
-                <adec:decorative xmlns:adec="http://schemas.microsoft.com/office/drawing/2017/decorative" val="1"/>
+                <adec:decorative xmlns:adec="http://schemas.microsoft.com/office/drawing/2017/decorative" xmlns="" val="1"/>
               </a:ext>
             </a:extLst>
           </p:cNvPr>
@@ -9328,7 +9397,7 @@
                 <a16:creationId xmlns:a16="http://schemas.microsoft.com/office/drawing/2014/main" id="{B963707F-B98C-4143-AFCF-D6B56C975C5A}"/>
               </a:ext>
               <a:ext uri="{C183D7F6-B498-43B3-948B-1728B52AA6E4}">
-                <adec:decorative xmlns:adec="http://schemas.microsoft.com/office/drawing/2017/decorative" val="1"/>
+                <adec:decorative xmlns:adec="http://schemas.microsoft.com/office/drawing/2017/decorative" xmlns="" val="1"/>
               </a:ext>
             </a:extLst>
           </p:cNvPr>
@@ -9389,7 +9458,7 @@
                 <a16:creationId xmlns:a16="http://schemas.microsoft.com/office/drawing/2014/main" id="{88D2DFBB-460D-4ECB-BD76-509C99DAD65A}"/>
               </a:ext>
               <a:ext uri="{C183D7F6-B498-43B3-948B-1728B52AA6E4}">
-                <adec:decorative xmlns:adec="http://schemas.microsoft.com/office/drawing/2017/decorative" val="1"/>
+                <adec:decorative xmlns:adec="http://schemas.microsoft.com/office/drawing/2017/decorative" xmlns="" val="1"/>
               </a:ext>
             </a:extLst>
           </p:cNvPr>
@@ -12556,6 +12625,14 @@
                 </a:solidFill>
               </a:rPr>
             </a:br>
+            <a:r>
+              <a:rPr lang="en-US" sz="4000" dirty="0">
+                <a:solidFill>
+                  <a:srgbClr val="FFFFFF"/>
+                </a:solidFill>
+              </a:rPr>
+              <a:t/>
+            </a:r>
             <a:br>
               <a:rPr lang="en-US" sz="4000" dirty="0">
                 <a:solidFill>
@@ -12735,7 +12812,7 @@
                 <a16:creationId xmlns:a16="http://schemas.microsoft.com/office/drawing/2014/main" id="{B6B833B7-B3EA-7046-F47B-EA56E4B84304}"/>
               </a:ext>
               <a:ext uri="{C183D7F6-B498-43B3-948B-1728B52AA6E4}">
-                <adec:decorative xmlns:adec="http://schemas.microsoft.com/office/drawing/2017/decorative" val="1"/>
+                <adec:decorative xmlns:adec="http://schemas.microsoft.com/office/drawing/2017/decorative" xmlns="" val="1"/>
               </a:ext>
             </a:extLst>
           </p:cNvPr>
@@ -12826,7 +12903,7 @@
                 <a16:creationId xmlns:a16="http://schemas.microsoft.com/office/drawing/2014/main" id="{74915CDF-C5A2-A8A6-D3E7-7F00C5658FCD}"/>
               </a:ext>
               <a:ext uri="{C183D7F6-B498-43B3-948B-1728B52AA6E4}">
-                <adec:decorative xmlns:adec="http://schemas.microsoft.com/office/drawing/2017/decorative" val="1"/>
+                <adec:decorative xmlns:adec="http://schemas.microsoft.com/office/drawing/2017/decorative" xmlns="" val="1"/>
               </a:ext>
             </a:extLst>
           </p:cNvPr>
@@ -12917,7 +12994,7 @@
                 <a16:creationId xmlns:a16="http://schemas.microsoft.com/office/drawing/2014/main" id="{BB2BD2D1-865F-BF2F-3F19-51C379EA80ED}"/>
               </a:ext>
               <a:ext uri="{C183D7F6-B498-43B3-948B-1728B52AA6E4}">
-                <adec:decorative xmlns:adec="http://schemas.microsoft.com/office/drawing/2017/decorative" val="1"/>
+                <adec:decorative xmlns:adec="http://schemas.microsoft.com/office/drawing/2017/decorative" xmlns="" val="1"/>
               </a:ext>
             </a:extLst>
           </p:cNvPr>
@@ -13008,7 +13085,7 @@
                 <a16:creationId xmlns:a16="http://schemas.microsoft.com/office/drawing/2014/main" id="{F62CE877-8EDE-102F-8EEC-9546D445321E}"/>
               </a:ext>
               <a:ext uri="{C183D7F6-B498-43B3-948B-1728B52AA6E4}">
-                <adec:decorative xmlns:adec="http://schemas.microsoft.com/office/drawing/2017/decorative" val="1"/>
+                <adec:decorative xmlns:adec="http://schemas.microsoft.com/office/drawing/2017/decorative" xmlns="" val="1"/>
               </a:ext>
             </a:extLst>
           </p:cNvPr>
@@ -13099,7 +13176,7 @@
                 <a16:creationId xmlns:a16="http://schemas.microsoft.com/office/drawing/2014/main" id="{F8E39800-35B7-C5F0-5B28-6ED5FB4BB641}"/>
               </a:ext>
               <a:ext uri="{C183D7F6-B498-43B3-948B-1728B52AA6E4}">
-                <adec:decorative xmlns:adec="http://schemas.microsoft.com/office/drawing/2017/decorative" val="1"/>
+                <adec:decorative xmlns:adec="http://schemas.microsoft.com/office/drawing/2017/decorative" xmlns="" val="1"/>
               </a:ext>
             </a:extLst>
           </p:cNvPr>
@@ -13188,7 +13265,7 @@
                 <a16:creationId xmlns:a16="http://schemas.microsoft.com/office/drawing/2014/main" id="{666F8E66-932F-646C-82F8-4C26ABD6D659}"/>
               </a:ext>
               <a:ext uri="{C183D7F6-B498-43B3-948B-1728B52AA6E4}">
-                <adec:decorative xmlns:adec="http://schemas.microsoft.com/office/drawing/2017/decorative" val="1"/>
+                <adec:decorative xmlns:adec="http://schemas.microsoft.com/office/drawing/2017/decorative" xmlns="" val="1"/>
               </a:ext>
             </a:extLst>
           </p:cNvPr>
@@ -13279,7 +13356,7 @@
                 <a16:creationId xmlns:a16="http://schemas.microsoft.com/office/drawing/2014/main" id="{6B469577-A78D-8617-5ECA-B1A6D7387C1E}"/>
               </a:ext>
               <a:ext uri="{C183D7F6-B498-43B3-948B-1728B52AA6E4}">
-                <adec:decorative xmlns:adec="http://schemas.microsoft.com/office/drawing/2017/decorative" val="1"/>
+                <adec:decorative xmlns:adec="http://schemas.microsoft.com/office/drawing/2017/decorative" xmlns="" val="1"/>
               </a:ext>
             </a:extLst>
           </p:cNvPr>
@@ -13412,7 +13489,7 @@
                 <a16:creationId xmlns:a16="http://schemas.microsoft.com/office/drawing/2014/main" id="{6002C366-4DD2-C22C-8F49-CB348DC7F9BA}"/>
               </a:ext>
               <a:ext uri="{C183D7F6-B498-43B3-948B-1728B52AA6E4}">
-                <adec:decorative xmlns:adec="http://schemas.microsoft.com/office/drawing/2017/decorative" val="1"/>
+                <adec:decorative xmlns:adec="http://schemas.microsoft.com/office/drawing/2017/decorative" xmlns="" val="1"/>
               </a:ext>
             </a:extLst>
           </p:cNvPr>
@@ -14143,7 +14220,7 @@
                 <a16:creationId xmlns:a16="http://schemas.microsoft.com/office/drawing/2014/main" id="{F517D4F9-38C0-D3C7-2B05-1A68DCA7263B}"/>
               </a:ext>
               <a:ext uri="{C183D7F6-B498-43B3-948B-1728B52AA6E4}">
-                <adec:decorative xmlns:adec="http://schemas.microsoft.com/office/drawing/2017/decorative" val="1"/>
+                <adec:decorative xmlns:adec="http://schemas.microsoft.com/office/drawing/2017/decorative" xmlns="" val="1"/>
               </a:ext>
             </a:extLst>
           </p:cNvPr>
@@ -14234,7 +14311,7 @@
                 <a16:creationId xmlns:a16="http://schemas.microsoft.com/office/drawing/2014/main" id="{90E2E811-7294-0B66-5557-8DC77BA37040}"/>
               </a:ext>
               <a:ext uri="{C183D7F6-B498-43B3-948B-1728B52AA6E4}">
-                <adec:decorative xmlns:adec="http://schemas.microsoft.com/office/drawing/2017/decorative" val="1"/>
+                <adec:decorative xmlns:adec="http://schemas.microsoft.com/office/drawing/2017/decorative" xmlns="" val="1"/>
               </a:ext>
             </a:extLst>
           </p:cNvPr>
@@ -14325,7 +14402,7 @@
                 <a16:creationId xmlns:a16="http://schemas.microsoft.com/office/drawing/2014/main" id="{17882591-7738-CC74-9B04-9CA92CD6E2CE}"/>
               </a:ext>
               <a:ext uri="{C183D7F6-B498-43B3-948B-1728B52AA6E4}">
-                <adec:decorative xmlns:adec="http://schemas.microsoft.com/office/drawing/2017/decorative" val="1"/>
+                <adec:decorative xmlns:adec="http://schemas.microsoft.com/office/drawing/2017/decorative" xmlns="" val="1"/>
               </a:ext>
             </a:extLst>
           </p:cNvPr>
@@ -14416,7 +14493,7 @@
                 <a16:creationId xmlns:a16="http://schemas.microsoft.com/office/drawing/2014/main" id="{D8FD073B-8242-E5D6-6EA9-92C760D11E66}"/>
               </a:ext>
               <a:ext uri="{C183D7F6-B498-43B3-948B-1728B52AA6E4}">
-                <adec:decorative xmlns:adec="http://schemas.microsoft.com/office/drawing/2017/decorative" val="1"/>
+                <adec:decorative xmlns:adec="http://schemas.microsoft.com/office/drawing/2017/decorative" xmlns="" val="1"/>
               </a:ext>
             </a:extLst>
           </p:cNvPr>
@@ -14507,7 +14584,7 @@
                 <a16:creationId xmlns:a16="http://schemas.microsoft.com/office/drawing/2014/main" id="{D4231A59-742D-BF78-74E6-F2524E0F2D50}"/>
               </a:ext>
               <a:ext uri="{C183D7F6-B498-43B3-948B-1728B52AA6E4}">
-                <adec:decorative xmlns:adec="http://schemas.microsoft.com/office/drawing/2017/decorative" val="1"/>
+                <adec:decorative xmlns:adec="http://schemas.microsoft.com/office/drawing/2017/decorative" xmlns="" val="1"/>
               </a:ext>
             </a:extLst>
           </p:cNvPr>
@@ -14596,7 +14673,7 @@
                 <a16:creationId xmlns:a16="http://schemas.microsoft.com/office/drawing/2014/main" id="{7312409B-5573-B04F-E67C-49EEC869BDD4}"/>
               </a:ext>
               <a:ext uri="{C183D7F6-B498-43B3-948B-1728B52AA6E4}">
-                <adec:decorative xmlns:adec="http://schemas.microsoft.com/office/drawing/2017/decorative" val="1"/>
+                <adec:decorative xmlns:adec="http://schemas.microsoft.com/office/drawing/2017/decorative" xmlns="" val="1"/>
               </a:ext>
             </a:extLst>
           </p:cNvPr>
@@ -14687,7 +14764,7 @@
                 <a16:creationId xmlns:a16="http://schemas.microsoft.com/office/drawing/2014/main" id="{7ABEA68C-E15E-39B1-9912-69FD22114D2F}"/>
               </a:ext>
               <a:ext uri="{C183D7F6-B498-43B3-948B-1728B52AA6E4}">
-                <adec:decorative xmlns:adec="http://schemas.microsoft.com/office/drawing/2017/decorative" val="1"/>
+                <adec:decorative xmlns:adec="http://schemas.microsoft.com/office/drawing/2017/decorative" xmlns="" val="1"/>
               </a:ext>
             </a:extLst>
           </p:cNvPr>
@@ -14820,7 +14897,7 @@
                 <a16:creationId xmlns:a16="http://schemas.microsoft.com/office/drawing/2014/main" id="{F88DFAAC-34CD-0A81-5D67-E0C4FF876737}"/>
               </a:ext>
               <a:ext uri="{C183D7F6-B498-43B3-948B-1728B52AA6E4}">
-                <adec:decorative xmlns:adec="http://schemas.microsoft.com/office/drawing/2017/decorative" val="1"/>
+                <adec:decorative xmlns:adec="http://schemas.microsoft.com/office/drawing/2017/decorative" xmlns="" val="1"/>
               </a:ext>
             </a:extLst>
           </p:cNvPr>
@@ -15436,7 +15513,7 @@
         </p:nvSpPr>
         <p:spPr>
           <a:xfrm>
-            <a:off x="581191" y="1266437"/>
+            <a:off x="581191" y="1125667"/>
             <a:ext cx="11029615" cy="565965"/>
           </a:xfrm>
         </p:spPr>
@@ -15579,7 +15656,7 @@
                 <a16:creationId xmlns:a16="http://schemas.microsoft.com/office/drawing/2014/main" id="{DCF4EB5C-ED25-4675-8255-2F5B12CFFCF0}"/>
               </a:ext>
               <a:ext uri="{C183D7F6-B498-43B3-948B-1728B52AA6E4}">
-                <adec:decorative xmlns:adec="http://schemas.microsoft.com/office/drawing/2017/decorative" val="1"/>
+                <adec:decorative xmlns:adec="http://schemas.microsoft.com/office/drawing/2017/decorative" xmlns="" val="1"/>
               </a:ext>
             </a:extLst>
           </p:cNvPr>
@@ -15640,7 +15717,7 @@
                 <a16:creationId xmlns:a16="http://schemas.microsoft.com/office/drawing/2014/main" id="{9514EC6E-A557-42A2-BCDC-3ABFFC5E564D}"/>
               </a:ext>
               <a:ext uri="{C183D7F6-B498-43B3-948B-1728B52AA6E4}">
-                <adec:decorative xmlns:adec="http://schemas.microsoft.com/office/drawing/2017/decorative" val="1"/>
+                <adec:decorative xmlns:adec="http://schemas.microsoft.com/office/drawing/2017/decorative" xmlns="" val="1"/>
               </a:ext>
             </a:extLst>
           </p:cNvPr>
@@ -15701,7 +15778,7 @@
                 <a16:creationId xmlns:a16="http://schemas.microsoft.com/office/drawing/2014/main" id="{905482C9-EB42-4BFE-95BF-7FD661F07657}"/>
               </a:ext>
               <a:ext uri="{C183D7F6-B498-43B3-948B-1728B52AA6E4}">
-                <adec:decorative xmlns:adec="http://schemas.microsoft.com/office/drawing/2017/decorative" val="1"/>
+                <adec:decorative xmlns:adec="http://schemas.microsoft.com/office/drawing/2017/decorative" xmlns="" val="1"/>
               </a:ext>
             </a:extLst>
           </p:cNvPr>
@@ -15762,7 +15839,7 @@
                 <a16:creationId xmlns:a16="http://schemas.microsoft.com/office/drawing/2014/main" id="{7539E646-A625-4A26-86ED-BD90EDD329F7}"/>
               </a:ext>
               <a:ext uri="{C183D7F6-B498-43B3-948B-1728B52AA6E4}">
-                <adec:decorative xmlns:adec="http://schemas.microsoft.com/office/drawing/2017/decorative" val="1"/>
+                <adec:decorative xmlns:adec="http://schemas.microsoft.com/office/drawing/2017/decorative" xmlns="" val="1"/>
               </a:ext>
             </a:extLst>
           </p:cNvPr>
@@ -15823,7 +15900,7 @@
                 <a16:creationId xmlns:a16="http://schemas.microsoft.com/office/drawing/2014/main" id="{39171204-6A50-40E1-B631-84CEDFC9396A}"/>
               </a:ext>
               <a:ext uri="{C183D7F6-B498-43B3-948B-1728B52AA6E4}">
-                <adec:decorative xmlns:adec="http://schemas.microsoft.com/office/drawing/2017/decorative" val="1"/>
+                <adec:decorative xmlns:adec="http://schemas.microsoft.com/office/drawing/2017/decorative" xmlns="" val="1"/>
               </a:ext>
             </a:extLst>
           </p:cNvPr>
@@ -15883,7 +15960,7 @@
                 <a16:creationId xmlns:a16="http://schemas.microsoft.com/office/drawing/2014/main" id="{06C973F6-5187-412F-AACC-6E3FF8A6A12C}"/>
               </a:ext>
               <a:ext uri="{C183D7F6-B498-43B3-948B-1728B52AA6E4}">
-                <adec:decorative xmlns:adec="http://schemas.microsoft.com/office/drawing/2017/decorative" val="1"/>
+                <adec:decorative xmlns:adec="http://schemas.microsoft.com/office/drawing/2017/decorative" xmlns="" val="1"/>
               </a:ext>
             </a:extLst>
           </p:cNvPr>
@@ -15944,7 +16021,7 @@
                 <a16:creationId xmlns:a16="http://schemas.microsoft.com/office/drawing/2014/main" id="{D11AE14F-1B7E-41E6-B579-2F71D135036C}"/>
               </a:ext>
               <a:ext uri="{C183D7F6-B498-43B3-948B-1728B52AA6E4}">
-                <adec:decorative xmlns:adec="http://schemas.microsoft.com/office/drawing/2017/decorative" val="1"/>
+                <adec:decorative xmlns:adec="http://schemas.microsoft.com/office/drawing/2017/decorative" xmlns="" val="1"/>
               </a:ext>
             </a:extLst>
           </p:cNvPr>
@@ -16047,7 +16124,7 @@
                 <a16:creationId xmlns:a16="http://schemas.microsoft.com/office/drawing/2014/main" id="{752BB805-F7B7-4B80-A1C5-385D4DAF74D0}"/>
               </a:ext>
               <a:ext uri="{C183D7F6-B498-43B3-948B-1728B52AA6E4}">
-                <adec:decorative xmlns:adec="http://schemas.microsoft.com/office/drawing/2017/decorative" val="1"/>
+                <adec:decorative xmlns:adec="http://schemas.microsoft.com/office/drawing/2017/decorative" xmlns="" val="1"/>
               </a:ext>
             </a:extLst>
           </p:cNvPr>
@@ -16532,7 +16609,7 @@
                 <a16:creationId xmlns:a16="http://schemas.microsoft.com/office/drawing/2014/main" id="{DCF4EB5C-ED25-4675-8255-2F5B12CFFCF0}"/>
               </a:ext>
               <a:ext uri="{C183D7F6-B498-43B3-948B-1728B52AA6E4}">
-                <adec:decorative xmlns:adec="http://schemas.microsoft.com/office/drawing/2017/decorative" val="1"/>
+                <adec:decorative xmlns:adec="http://schemas.microsoft.com/office/drawing/2017/decorative" xmlns="" val="1"/>
               </a:ext>
             </a:extLst>
           </p:cNvPr>
@@ -16593,7 +16670,7 @@
                 <a16:creationId xmlns:a16="http://schemas.microsoft.com/office/drawing/2014/main" id="{9514EC6E-A557-42A2-BCDC-3ABFFC5E564D}"/>
               </a:ext>
               <a:ext uri="{C183D7F6-B498-43B3-948B-1728B52AA6E4}">
-                <adec:decorative xmlns:adec="http://schemas.microsoft.com/office/drawing/2017/decorative" val="1"/>
+                <adec:decorative xmlns:adec="http://schemas.microsoft.com/office/drawing/2017/decorative" xmlns="" val="1"/>
               </a:ext>
             </a:extLst>
           </p:cNvPr>
@@ -16654,7 +16731,7 @@
                 <a16:creationId xmlns:a16="http://schemas.microsoft.com/office/drawing/2014/main" id="{905482C9-EB42-4BFE-95BF-7FD661F07657}"/>
               </a:ext>
               <a:ext uri="{C183D7F6-B498-43B3-948B-1728B52AA6E4}">
-                <adec:decorative xmlns:adec="http://schemas.microsoft.com/office/drawing/2017/decorative" val="1"/>
+                <adec:decorative xmlns:adec="http://schemas.microsoft.com/office/drawing/2017/decorative" xmlns="" val="1"/>
               </a:ext>
             </a:extLst>
           </p:cNvPr>
@@ -16715,7 +16792,7 @@
                 <a16:creationId xmlns:a16="http://schemas.microsoft.com/office/drawing/2014/main" id="{7539E646-A625-4A26-86ED-BD90EDD329F7}"/>
               </a:ext>
               <a:ext uri="{C183D7F6-B498-43B3-948B-1728B52AA6E4}">
-                <adec:decorative xmlns:adec="http://schemas.microsoft.com/office/drawing/2017/decorative" val="1"/>
+                <adec:decorative xmlns:adec="http://schemas.microsoft.com/office/drawing/2017/decorative" xmlns="" val="1"/>
               </a:ext>
             </a:extLst>
           </p:cNvPr>
@@ -16776,7 +16853,7 @@
                 <a16:creationId xmlns:a16="http://schemas.microsoft.com/office/drawing/2014/main" id="{39171204-6A50-40E1-B631-84CEDFC9396A}"/>
               </a:ext>
               <a:ext uri="{C183D7F6-B498-43B3-948B-1728B52AA6E4}">
-                <adec:decorative xmlns:adec="http://schemas.microsoft.com/office/drawing/2017/decorative" val="1"/>
+                <adec:decorative xmlns:adec="http://schemas.microsoft.com/office/drawing/2017/decorative" xmlns="" val="1"/>
               </a:ext>
             </a:extLst>
           </p:cNvPr>
@@ -16836,7 +16913,7 @@
                 <a16:creationId xmlns:a16="http://schemas.microsoft.com/office/drawing/2014/main" id="{06C973F6-5187-412F-AACC-6E3FF8A6A12C}"/>
               </a:ext>
               <a:ext uri="{C183D7F6-B498-43B3-948B-1728B52AA6E4}">
-                <adec:decorative xmlns:adec="http://schemas.microsoft.com/office/drawing/2017/decorative" val="1"/>
+                <adec:decorative xmlns:adec="http://schemas.microsoft.com/office/drawing/2017/decorative" xmlns="" val="1"/>
               </a:ext>
             </a:extLst>
           </p:cNvPr>
@@ -16897,7 +16974,7 @@
                 <a16:creationId xmlns:a16="http://schemas.microsoft.com/office/drawing/2014/main" id="{D11AE14F-1B7E-41E6-B579-2F71D135036C}"/>
               </a:ext>
               <a:ext uri="{C183D7F6-B498-43B3-948B-1728B52AA6E4}">
-                <adec:decorative xmlns:adec="http://schemas.microsoft.com/office/drawing/2017/decorative" val="1"/>
+                <adec:decorative xmlns:adec="http://schemas.microsoft.com/office/drawing/2017/decorative" xmlns="" val="1"/>
               </a:ext>
             </a:extLst>
           </p:cNvPr>
@@ -17021,7 +17098,7 @@
                 <a16:creationId xmlns:a16="http://schemas.microsoft.com/office/drawing/2014/main" id="{752BB805-F7B7-4B80-A1C5-385D4DAF74D0}"/>
               </a:ext>
               <a:ext uri="{C183D7F6-B498-43B3-948B-1728B52AA6E4}">
-                <adec:decorative xmlns:adec="http://schemas.microsoft.com/office/drawing/2017/decorative" val="1"/>
+                <adec:decorative xmlns:adec="http://schemas.microsoft.com/office/drawing/2017/decorative" xmlns="" val="1"/>
               </a:ext>
             </a:extLst>
           </p:cNvPr>
@@ -17214,12 +17291,21 @@
             <p:ph type="title"/>
           </p:nvPr>
         </p:nvSpPr>
-        <p:spPr/>
+        <p:spPr>
+          <a:xfrm>
+            <a:off x="581192" y="702156"/>
+            <a:ext cx="11029616" cy="555144"/>
+          </a:xfrm>
+        </p:spPr>
         <p:txBody>
           <a:bodyPr/>
           <a:lstStyle/>
           <a:p>
-            <a:endParaRPr lang="en-US"/>
+            <a:r>
+              <a:rPr lang="en-US" dirty="0" smtClean="0"/>
+              <a:t>Create points</a:t>
+            </a:r>
+            <a:endParaRPr lang="en-US" dirty="0"/>
           </a:p>
         </p:txBody>
       </p:sp>
@@ -17403,7 +17489,7 @@
                 <a16:creationId xmlns:a16="http://schemas.microsoft.com/office/drawing/2014/main" id="{DCF4EB5C-ED25-4675-8255-2F5B12CFFCF0}"/>
               </a:ext>
               <a:ext uri="{C183D7F6-B498-43B3-948B-1728B52AA6E4}">
-                <adec:decorative xmlns:adec="http://schemas.microsoft.com/office/drawing/2017/decorative" val="1"/>
+                <adec:decorative xmlns:adec="http://schemas.microsoft.com/office/drawing/2017/decorative" xmlns="" val="1"/>
               </a:ext>
             </a:extLst>
           </p:cNvPr>
@@ -17464,7 +17550,7 @@
                 <a16:creationId xmlns:a16="http://schemas.microsoft.com/office/drawing/2014/main" id="{9514EC6E-A557-42A2-BCDC-3ABFFC5E564D}"/>
               </a:ext>
               <a:ext uri="{C183D7F6-B498-43B3-948B-1728B52AA6E4}">
-                <adec:decorative xmlns:adec="http://schemas.microsoft.com/office/drawing/2017/decorative" val="1"/>
+                <adec:decorative xmlns:adec="http://schemas.microsoft.com/office/drawing/2017/decorative" xmlns="" val="1"/>
               </a:ext>
             </a:extLst>
           </p:cNvPr>
@@ -17525,7 +17611,7 @@
                 <a16:creationId xmlns:a16="http://schemas.microsoft.com/office/drawing/2014/main" id="{905482C9-EB42-4BFE-95BF-7FD661F07657}"/>
               </a:ext>
               <a:ext uri="{C183D7F6-B498-43B3-948B-1728B52AA6E4}">
-                <adec:decorative xmlns:adec="http://schemas.microsoft.com/office/drawing/2017/decorative" val="1"/>
+                <adec:decorative xmlns:adec="http://schemas.microsoft.com/office/drawing/2017/decorative" xmlns="" val="1"/>
               </a:ext>
             </a:extLst>
           </p:cNvPr>
@@ -17586,7 +17672,7 @@
                 <a16:creationId xmlns:a16="http://schemas.microsoft.com/office/drawing/2014/main" id="{7539E646-A625-4A26-86ED-BD90EDD329F7}"/>
               </a:ext>
               <a:ext uri="{C183D7F6-B498-43B3-948B-1728B52AA6E4}">
-                <adec:decorative xmlns:adec="http://schemas.microsoft.com/office/drawing/2017/decorative" val="1"/>
+                <adec:decorative xmlns:adec="http://schemas.microsoft.com/office/drawing/2017/decorative" xmlns="" val="1"/>
               </a:ext>
             </a:extLst>
           </p:cNvPr>
@@ -17647,7 +17733,7 @@
                 <a16:creationId xmlns:a16="http://schemas.microsoft.com/office/drawing/2014/main" id="{39171204-6A50-40E1-B631-84CEDFC9396A}"/>
               </a:ext>
               <a:ext uri="{C183D7F6-B498-43B3-948B-1728B52AA6E4}">
-                <adec:decorative xmlns:adec="http://schemas.microsoft.com/office/drawing/2017/decorative" val="1"/>
+                <adec:decorative xmlns:adec="http://schemas.microsoft.com/office/drawing/2017/decorative" xmlns="" val="1"/>
               </a:ext>
             </a:extLst>
           </p:cNvPr>
@@ -17707,7 +17793,7 @@
                 <a16:creationId xmlns:a16="http://schemas.microsoft.com/office/drawing/2014/main" id="{06C973F6-5187-412F-AACC-6E3FF8A6A12C}"/>
               </a:ext>
               <a:ext uri="{C183D7F6-B498-43B3-948B-1728B52AA6E4}">
-                <adec:decorative xmlns:adec="http://schemas.microsoft.com/office/drawing/2017/decorative" val="1"/>
+                <adec:decorative xmlns:adec="http://schemas.microsoft.com/office/drawing/2017/decorative" xmlns="" val="1"/>
               </a:ext>
             </a:extLst>
           </p:cNvPr>
@@ -17768,7 +17854,7 @@
                 <a16:creationId xmlns:a16="http://schemas.microsoft.com/office/drawing/2014/main" id="{D11AE14F-1B7E-41E6-B579-2F71D135036C}"/>
               </a:ext>
               <a:ext uri="{C183D7F6-B498-43B3-948B-1728B52AA6E4}">
-                <adec:decorative xmlns:adec="http://schemas.microsoft.com/office/drawing/2017/decorative" val="1"/>
+                <adec:decorative xmlns:adec="http://schemas.microsoft.com/office/drawing/2017/decorative" xmlns="" val="1"/>
               </a:ext>
             </a:extLst>
           </p:cNvPr>
@@ -17890,7 +17976,7 @@
                 <a16:creationId xmlns:a16="http://schemas.microsoft.com/office/drawing/2014/main" id="{752BB805-F7B7-4B80-A1C5-385D4DAF74D0}"/>
               </a:ext>
               <a:ext uri="{C183D7F6-B498-43B3-948B-1728B52AA6E4}">
-                <adec:decorative xmlns:adec="http://schemas.microsoft.com/office/drawing/2017/decorative" val="1"/>
+                <adec:decorative xmlns:adec="http://schemas.microsoft.com/office/drawing/2017/decorative" xmlns="" val="1"/>
               </a:ext>
             </a:extLst>
           </p:cNvPr>
@@ -18329,6 +18415,14 @@
                 </a:solidFill>
               </a:rPr>
             </a:br>
+            <a:r>
+              <a:rPr lang="en-US" sz="4000" dirty="0">
+                <a:solidFill>
+                  <a:srgbClr val="FFFFFF"/>
+                </a:solidFill>
+              </a:rPr>
+              <a:t/>
+            </a:r>
             <a:br>
               <a:rPr lang="en-US" sz="4000" dirty="0">
                 <a:solidFill>
@@ -18521,7 +18615,7 @@
                 <a16:creationId xmlns:a16="http://schemas.microsoft.com/office/drawing/2014/main" id="{DCF4EB5C-ED25-4675-8255-2F5B12CFFCF0}"/>
               </a:ext>
               <a:ext uri="{C183D7F6-B498-43B3-948B-1728B52AA6E4}">
-                <adec:decorative xmlns:adec="http://schemas.microsoft.com/office/drawing/2017/decorative" val="1"/>
+                <adec:decorative xmlns:adec="http://schemas.microsoft.com/office/drawing/2017/decorative" xmlns="" val="1"/>
               </a:ext>
             </a:extLst>
           </p:cNvPr>
@@ -18582,7 +18676,7 @@
                 <a16:creationId xmlns:a16="http://schemas.microsoft.com/office/drawing/2014/main" id="{9514EC6E-A557-42A2-BCDC-3ABFFC5E564D}"/>
               </a:ext>
               <a:ext uri="{C183D7F6-B498-43B3-948B-1728B52AA6E4}">
-                <adec:decorative xmlns:adec="http://schemas.microsoft.com/office/drawing/2017/decorative" val="1"/>
+                <adec:decorative xmlns:adec="http://schemas.microsoft.com/office/drawing/2017/decorative" xmlns="" val="1"/>
               </a:ext>
             </a:extLst>
           </p:cNvPr>
@@ -18643,7 +18737,7 @@
                 <a16:creationId xmlns:a16="http://schemas.microsoft.com/office/drawing/2014/main" id="{905482C9-EB42-4BFE-95BF-7FD661F07657}"/>
               </a:ext>
               <a:ext uri="{C183D7F6-B498-43B3-948B-1728B52AA6E4}">
-                <adec:decorative xmlns:adec="http://schemas.microsoft.com/office/drawing/2017/decorative" val="1"/>
+                <adec:decorative xmlns:adec="http://schemas.microsoft.com/office/drawing/2017/decorative" xmlns="" val="1"/>
               </a:ext>
             </a:extLst>
           </p:cNvPr>
@@ -18704,7 +18798,7 @@
                 <a16:creationId xmlns:a16="http://schemas.microsoft.com/office/drawing/2014/main" id="{7539E646-A625-4A26-86ED-BD90EDD329F7}"/>
               </a:ext>
               <a:ext uri="{C183D7F6-B498-43B3-948B-1728B52AA6E4}">
-                <adec:decorative xmlns:adec="http://schemas.microsoft.com/office/drawing/2017/decorative" val="1"/>
+                <adec:decorative xmlns:adec="http://schemas.microsoft.com/office/drawing/2017/decorative" xmlns="" val="1"/>
               </a:ext>
             </a:extLst>
           </p:cNvPr>
@@ -18765,7 +18859,7 @@
                 <a16:creationId xmlns:a16="http://schemas.microsoft.com/office/drawing/2014/main" id="{9FE6175D-CE1B-4C8E-8FF8-7309F21F31C5}"/>
               </a:ext>
               <a:ext uri="{C183D7F6-B498-43B3-948B-1728B52AA6E4}">
-                <adec:decorative xmlns:adec="http://schemas.microsoft.com/office/drawing/2017/decorative" val="1"/>
+                <adec:decorative xmlns:adec="http://schemas.microsoft.com/office/drawing/2017/decorative" xmlns="" val="1"/>
               </a:ext>
             </a:extLst>
           </p:cNvPr>
@@ -18870,7 +18964,7 @@
                 <a16:creationId xmlns:a16="http://schemas.microsoft.com/office/drawing/2014/main" id="{0DF8C05A-3103-44B5-AFBC-A8FC5AF00AFD}"/>
               </a:ext>
               <a:ext uri="{C183D7F6-B498-43B3-948B-1728B52AA6E4}">
-                <adec:decorative xmlns:adec="http://schemas.microsoft.com/office/drawing/2017/decorative" val="1"/>
+                <adec:decorative xmlns:adec="http://schemas.microsoft.com/office/drawing/2017/decorative" xmlns="" val="1"/>
               </a:ext>
             </a:extLst>
           </p:cNvPr>
@@ -18931,7 +19025,7 @@
                 <a16:creationId xmlns:a16="http://schemas.microsoft.com/office/drawing/2014/main" id="{0794EE00-AFAB-44F8-902F-E94445806663}"/>
               </a:ext>
               <a:ext uri="{C183D7F6-B498-43B3-948B-1728B52AA6E4}">
-                <adec:decorative xmlns:adec="http://schemas.microsoft.com/office/drawing/2017/decorative" val="1"/>
+                <adec:decorative xmlns:adec="http://schemas.microsoft.com/office/drawing/2017/decorative" xmlns="" val="1"/>
               </a:ext>
             </a:extLst>
           </p:cNvPr>
@@ -18992,7 +19086,7 @@
                 <a16:creationId xmlns:a16="http://schemas.microsoft.com/office/drawing/2014/main" id="{95F12ABC-29DF-4D0F-9FE7-873B7F8E32DC}"/>
               </a:ext>
               <a:ext uri="{C183D7F6-B498-43B3-948B-1728B52AA6E4}">
-                <adec:decorative xmlns:adec="http://schemas.microsoft.com/office/drawing/2017/decorative" val="1"/>
+                <adec:decorative xmlns:adec="http://schemas.microsoft.com/office/drawing/2017/decorative" xmlns="" val="1"/>
               </a:ext>
             </a:extLst>
           </p:cNvPr>
@@ -19097,7 +19191,7 @@
                 <a16:creationId xmlns:a16="http://schemas.microsoft.com/office/drawing/2014/main" id="{D2D0CE03-09DB-4385-F5A8-F9A29A21DA2D}"/>
               </a:ext>
               <a:ext uri="{C183D7F6-B498-43B3-948B-1728B52AA6E4}">
-                <adec:decorative xmlns:adec="http://schemas.microsoft.com/office/drawing/2017/decorative" val="1"/>
+                <adec:decorative xmlns:adec="http://schemas.microsoft.com/office/drawing/2017/decorative" xmlns="" val="1"/>
               </a:ext>
             </a:extLst>
           </p:cNvPr>
@@ -19188,7 +19282,7 @@
                 <a16:creationId xmlns:a16="http://schemas.microsoft.com/office/drawing/2014/main" id="{54B96B01-0A7A-14B2-1061-9A34620759B8}"/>
               </a:ext>
               <a:ext uri="{C183D7F6-B498-43B3-948B-1728B52AA6E4}">
-                <adec:decorative xmlns:adec="http://schemas.microsoft.com/office/drawing/2017/decorative" val="1"/>
+                <adec:decorative xmlns:adec="http://schemas.microsoft.com/office/drawing/2017/decorative" xmlns="" val="1"/>
               </a:ext>
             </a:extLst>
           </p:cNvPr>
@@ -19279,7 +19373,7 @@
                 <a16:creationId xmlns:a16="http://schemas.microsoft.com/office/drawing/2014/main" id="{CA441C65-A3BB-0E92-AF7C-D51D5B0EA4B5}"/>
               </a:ext>
               <a:ext uri="{C183D7F6-B498-43B3-948B-1728B52AA6E4}">
-                <adec:decorative xmlns:adec="http://schemas.microsoft.com/office/drawing/2017/decorative" val="1"/>
+                <adec:decorative xmlns:adec="http://schemas.microsoft.com/office/drawing/2017/decorative" xmlns="" val="1"/>
               </a:ext>
             </a:extLst>
           </p:cNvPr>
@@ -19370,7 +19464,7 @@
                 <a16:creationId xmlns:a16="http://schemas.microsoft.com/office/drawing/2014/main" id="{2DF35BF1-D58D-FC82-76DE-EE12B85C17A0}"/>
               </a:ext>
               <a:ext uri="{C183D7F6-B498-43B3-948B-1728B52AA6E4}">
-                <adec:decorative xmlns:adec="http://schemas.microsoft.com/office/drawing/2017/decorative" val="1"/>
+                <adec:decorative xmlns:adec="http://schemas.microsoft.com/office/drawing/2017/decorative" xmlns="" val="1"/>
               </a:ext>
             </a:extLst>
           </p:cNvPr>
@@ -19461,7 +19555,7 @@
                 <a16:creationId xmlns:a16="http://schemas.microsoft.com/office/drawing/2014/main" id="{9E675290-A558-B6FD-B8AA-188C7AD69DBB}"/>
               </a:ext>
               <a:ext uri="{C183D7F6-B498-43B3-948B-1728B52AA6E4}">
-                <adec:decorative xmlns:adec="http://schemas.microsoft.com/office/drawing/2017/decorative" val="1"/>
+                <adec:decorative xmlns:adec="http://schemas.microsoft.com/office/drawing/2017/decorative" xmlns="" val="1"/>
               </a:ext>
             </a:extLst>
           </p:cNvPr>
@@ -19620,7 +19714,7 @@
                 <a16:creationId xmlns:a16="http://schemas.microsoft.com/office/drawing/2014/main" id="{1FE684BA-3249-8913-6F00-8D6A21D55EE9}"/>
               </a:ext>
               <a:ext uri="{C183D7F6-B498-43B3-948B-1728B52AA6E4}">
-                <adec:decorative xmlns:adec="http://schemas.microsoft.com/office/drawing/2017/decorative" val="1"/>
+                <adec:decorative xmlns:adec="http://schemas.microsoft.com/office/drawing/2017/decorative" xmlns="" val="1"/>
               </a:ext>
             </a:extLst>
           </p:cNvPr>
@@ -19711,7 +19805,7 @@
                 <a16:creationId xmlns:a16="http://schemas.microsoft.com/office/drawing/2014/main" id="{CB6FA3CE-43A8-C6CC-EE40-A88C33FA1ECF}"/>
               </a:ext>
               <a:ext uri="{C183D7F6-B498-43B3-948B-1728B52AA6E4}">
-                <adec:decorative xmlns:adec="http://schemas.microsoft.com/office/drawing/2017/decorative" val="1"/>
+                <adec:decorative xmlns:adec="http://schemas.microsoft.com/office/drawing/2017/decorative" xmlns="" val="1"/>
               </a:ext>
             </a:extLst>
           </p:cNvPr>
@@ -19802,7 +19896,7 @@
                 <a16:creationId xmlns:a16="http://schemas.microsoft.com/office/drawing/2014/main" id="{C4C94DA1-4732-5847-D328-183D870A0364}"/>
               </a:ext>
               <a:ext uri="{C183D7F6-B498-43B3-948B-1728B52AA6E4}">
-                <adec:decorative xmlns:adec="http://schemas.microsoft.com/office/drawing/2017/decorative" val="1"/>
+                <adec:decorative xmlns:adec="http://schemas.microsoft.com/office/drawing/2017/decorative" xmlns="" val="1"/>
               </a:ext>
             </a:extLst>
           </p:cNvPr>

--- a/docs/Lectures/Week03/Week03_SpatialData.pptx
+++ b/docs/Lectures/Week03/Week03_SpatialData.pptx
@@ -5,47 +5,51 @@
     <p:sldMasterId id="2147483685" r:id="rId1"/>
   </p:sldMasterIdLst>
   <p:notesMasterIdLst>
-    <p:notesMasterId r:id="rId37"/>
+    <p:notesMasterId r:id="rId41"/>
   </p:notesMasterIdLst>
   <p:handoutMasterIdLst>
-    <p:handoutMasterId r:id="rId38"/>
+    <p:handoutMasterId r:id="rId42"/>
   </p:handoutMasterIdLst>
   <p:sldIdLst>
     <p:sldId id="256" r:id="rId2"/>
     <p:sldId id="286" r:id="rId3"/>
     <p:sldId id="323" r:id="rId4"/>
     <p:sldId id="331" r:id="rId5"/>
-    <p:sldId id="348" r:id="rId6"/>
-    <p:sldId id="330" r:id="rId7"/>
-    <p:sldId id="351" r:id="rId8"/>
-    <p:sldId id="347" r:id="rId9"/>
-    <p:sldId id="353" r:id="rId10"/>
-    <p:sldId id="333" r:id="rId11"/>
-    <p:sldId id="342" r:id="rId12"/>
-    <p:sldId id="352" r:id="rId13"/>
-    <p:sldId id="344" r:id="rId14"/>
-    <p:sldId id="332" r:id="rId15"/>
-    <p:sldId id="335" r:id="rId16"/>
-    <p:sldId id="343" r:id="rId17"/>
-    <p:sldId id="337" r:id="rId18"/>
-    <p:sldId id="338" r:id="rId19"/>
-    <p:sldId id="339" r:id="rId20"/>
-    <p:sldId id="340" r:id="rId21"/>
-    <p:sldId id="345" r:id="rId22"/>
-    <p:sldId id="346" r:id="rId23"/>
-    <p:sldId id="355" r:id="rId24"/>
-    <p:sldId id="357" r:id="rId25"/>
-    <p:sldId id="358" r:id="rId26"/>
-    <p:sldId id="354" r:id="rId27"/>
-    <p:sldId id="325" r:id="rId28"/>
-    <p:sldId id="341" r:id="rId29"/>
-    <p:sldId id="349" r:id="rId30"/>
-    <p:sldId id="350" r:id="rId31"/>
-    <p:sldId id="326" r:id="rId32"/>
-    <p:sldId id="356" r:id="rId33"/>
-    <p:sldId id="265" r:id="rId34"/>
-    <p:sldId id="328" r:id="rId35"/>
-    <p:sldId id="336" r:id="rId36"/>
+    <p:sldId id="361" r:id="rId6"/>
+    <p:sldId id="362" r:id="rId7"/>
+    <p:sldId id="348" r:id="rId8"/>
+    <p:sldId id="330" r:id="rId9"/>
+    <p:sldId id="351" r:id="rId10"/>
+    <p:sldId id="347" r:id="rId11"/>
+    <p:sldId id="353" r:id="rId12"/>
+    <p:sldId id="333" r:id="rId13"/>
+    <p:sldId id="342" r:id="rId14"/>
+    <p:sldId id="352" r:id="rId15"/>
+    <p:sldId id="344" r:id="rId16"/>
+    <p:sldId id="332" r:id="rId17"/>
+    <p:sldId id="335" r:id="rId18"/>
+    <p:sldId id="343" r:id="rId19"/>
+    <p:sldId id="337" r:id="rId20"/>
+    <p:sldId id="338" r:id="rId21"/>
+    <p:sldId id="339" r:id="rId22"/>
+    <p:sldId id="340" r:id="rId23"/>
+    <p:sldId id="345" r:id="rId24"/>
+    <p:sldId id="346" r:id="rId25"/>
+    <p:sldId id="355" r:id="rId26"/>
+    <p:sldId id="357" r:id="rId27"/>
+    <p:sldId id="358" r:id="rId28"/>
+    <p:sldId id="359" r:id="rId29"/>
+    <p:sldId id="360" r:id="rId30"/>
+    <p:sldId id="354" r:id="rId31"/>
+    <p:sldId id="325" r:id="rId32"/>
+    <p:sldId id="341" r:id="rId33"/>
+    <p:sldId id="349" r:id="rId34"/>
+    <p:sldId id="350" r:id="rId35"/>
+    <p:sldId id="326" r:id="rId36"/>
+    <p:sldId id="356" r:id="rId37"/>
+    <p:sldId id="265" r:id="rId38"/>
+    <p:sldId id="328" r:id="rId39"/>
+    <p:sldId id="336" r:id="rId40"/>
   </p:sldIdLst>
   <p:sldSz cx="12192000" cy="6858000"/>
   <p:notesSz cx="6858000" cy="9144000"/>
@@ -9308,7 +9312,7 @@
                 <a16:creationId xmlns:a16="http://schemas.microsoft.com/office/drawing/2014/main" id="{875485B9-8EE1-447A-9C08-F7D6B532A8CF}"/>
               </a:ext>
               <a:ext uri="{C183D7F6-B498-43B3-948B-1728B52AA6E4}">
-                <adec:decorative xmlns:adec="http://schemas.microsoft.com/office/drawing/2017/decorative" xmlns="" val="1"/>
+                <adec:decorative xmlns="" xmlns:adec="http://schemas.microsoft.com/office/drawing/2017/decorative" val="1"/>
               </a:ext>
             </a:extLst>
           </p:cNvPr>
@@ -9397,7 +9401,7 @@
                 <a16:creationId xmlns:a16="http://schemas.microsoft.com/office/drawing/2014/main" id="{B963707F-B98C-4143-AFCF-D6B56C975C5A}"/>
               </a:ext>
               <a:ext uri="{C183D7F6-B498-43B3-948B-1728B52AA6E4}">
-                <adec:decorative xmlns:adec="http://schemas.microsoft.com/office/drawing/2017/decorative" xmlns="" val="1"/>
+                <adec:decorative xmlns="" xmlns:adec="http://schemas.microsoft.com/office/drawing/2017/decorative" val="1"/>
               </a:ext>
             </a:extLst>
           </p:cNvPr>
@@ -9458,7 +9462,7 @@
                 <a16:creationId xmlns:a16="http://schemas.microsoft.com/office/drawing/2014/main" id="{88D2DFBB-460D-4ECB-BD76-509C99DAD65A}"/>
               </a:ext>
               <a:ext uri="{C183D7F6-B498-43B3-948B-1728B52AA6E4}">
-                <adec:decorative xmlns:adec="http://schemas.microsoft.com/office/drawing/2017/decorative" xmlns="" val="1"/>
+                <adec:decorative xmlns="" xmlns:adec="http://schemas.microsoft.com/office/drawing/2017/decorative" val="1"/>
               </a:ext>
             </a:extLst>
           </p:cNvPr>
@@ -9691,6 +9695,905 @@
       </p:grpSpPr>
       <p:sp>
         <p:nvSpPr>
+          <p:cNvPr id="2" name="Title 1">
+            <a:extLst>
+              <a:ext uri="{FF2B5EF4-FFF2-40B4-BE49-F238E27FC236}">
+                <a16:creationId xmlns:a16="http://schemas.microsoft.com/office/drawing/2014/main" id="{3B0FEEC1-9079-9971-522A-A85275309FCA}"/>
+              </a:ext>
+            </a:extLst>
+          </p:cNvPr>
+          <p:cNvSpPr>
+            <a:spLocks noGrp="1"/>
+          </p:cNvSpPr>
+          <p:nvPr>
+            <p:ph type="title"/>
+          </p:nvPr>
+        </p:nvSpPr>
+        <p:spPr>
+          <a:xfrm>
+            <a:off x="581191" y="798174"/>
+            <a:ext cx="11029616" cy="651156"/>
+          </a:xfrm>
+        </p:spPr>
+        <p:txBody>
+          <a:bodyPr/>
+          <a:lstStyle/>
+          <a:p>
+            <a:r>
+              <a:rPr lang="en-US" dirty="0"/>
+              <a:t>Create schema</a:t>
+            </a:r>
+          </a:p>
+        </p:txBody>
+      </p:sp>
+      <p:sp>
+        <p:nvSpPr>
+          <p:cNvPr id="5" name="TextBox 4">
+            <a:extLst>
+              <a:ext uri="{FF2B5EF4-FFF2-40B4-BE49-F238E27FC236}">
+                <a16:creationId xmlns:a16="http://schemas.microsoft.com/office/drawing/2014/main" id="{D9C46CEC-5355-A908-61FF-0CD3806B2E9A}"/>
+              </a:ext>
+            </a:extLst>
+          </p:cNvPr>
+          <p:cNvSpPr txBox="1"/>
+          <p:nvPr/>
+        </p:nvSpPr>
+        <p:spPr>
+          <a:xfrm>
+            <a:off x="581191" y="1895097"/>
+            <a:ext cx="3813048" cy="369332"/>
+          </a:xfrm>
+          <a:prstGeom prst="rect">
+            <a:avLst/>
+          </a:prstGeom>
+          <a:noFill/>
+        </p:spPr>
+        <p:txBody>
+          <a:bodyPr wrap="square" rtlCol="0">
+            <a:spAutoFit/>
+          </a:bodyPr>
+          <a:lstStyle/>
+          <a:p>
+            <a:r>
+              <a:rPr lang="en-US" sz="1800" b="0" i="0" u="none" strike="noStrike" baseline="0" dirty="0">
+                <a:solidFill>
+                  <a:srgbClr val="0070C0"/>
+                </a:solidFill>
+                <a:latin typeface="Courier"/>
+              </a:rPr>
+              <a:t>CREATE SCHEMA ch02;</a:t>
+            </a:r>
+          </a:p>
+        </p:txBody>
+      </p:sp>
+      <p:sp>
+        <p:nvSpPr>
+          <p:cNvPr id="9" name="Content Placeholder 8">
+            <a:extLst>
+              <a:ext uri="{FF2B5EF4-FFF2-40B4-BE49-F238E27FC236}">
+                <a16:creationId xmlns:a16="http://schemas.microsoft.com/office/drawing/2014/main" id="{B4A02FDD-F72D-25BE-892F-63FC5E002791}"/>
+              </a:ext>
+            </a:extLst>
+          </p:cNvPr>
+          <p:cNvSpPr>
+            <a:spLocks noGrp="1"/>
+          </p:cNvSpPr>
+          <p:nvPr>
+            <p:ph idx="1"/>
+          </p:nvPr>
+        </p:nvSpPr>
+        <p:spPr>
+          <a:xfrm>
+            <a:off x="581192" y="2710196"/>
+            <a:ext cx="11029615" cy="2295144"/>
+          </a:xfrm>
+        </p:spPr>
+        <p:txBody>
+          <a:bodyPr/>
+          <a:lstStyle/>
+          <a:p>
+            <a:r>
+              <a:rPr lang="en-US" dirty="0"/>
+              <a:t>A </a:t>
+            </a:r>
+            <a:r>
+              <a:rPr lang="en-US" b="1" dirty="0"/>
+              <a:t>schema</a:t>
+            </a:r>
+            <a:r>
+              <a:rPr lang="en-US" dirty="0"/>
+              <a:t> in </a:t>
+            </a:r>
+            <a:r>
+              <a:rPr lang="en-US" dirty="0" err="1"/>
+              <a:t>PostGIS</a:t>
+            </a:r>
+            <a:r>
+              <a:rPr lang="en-US" dirty="0"/>
+              <a:t> (and PostgreSQL) is a </a:t>
+            </a:r>
+            <a:r>
+              <a:rPr lang="en-US" b="1" dirty="0"/>
+              <a:t>logical container</a:t>
+            </a:r>
+            <a:r>
+              <a:rPr lang="en-US" dirty="0"/>
+              <a:t> used to organize and manage </a:t>
+            </a:r>
+            <a:r>
+              <a:rPr lang="en-US" b="1" dirty="0"/>
+              <a:t>database objects</a:t>
+            </a:r>
+            <a:r>
+              <a:rPr lang="en-US" dirty="0"/>
+              <a:t>, such as </a:t>
+            </a:r>
+            <a:r>
+              <a:rPr lang="en-US" b="1" dirty="0"/>
+              <a:t>tables, views, functions, and spatial data</a:t>
+            </a:r>
+            <a:r>
+              <a:rPr lang="en-US" dirty="0"/>
+              <a:t>. </a:t>
+            </a:r>
+          </a:p>
+          <a:p>
+            <a:r>
+              <a:rPr lang="en-US" dirty="0"/>
+              <a:t>Schema provides a </a:t>
+            </a:r>
+            <a:r>
+              <a:rPr lang="en-US" b="1" dirty="0"/>
+              <a:t>namespace</a:t>
+            </a:r>
+            <a:r>
+              <a:rPr lang="en-US" dirty="0"/>
+              <a:t> to avoid naming conflicts between objects and helps manage </a:t>
+            </a:r>
+            <a:r>
+              <a:rPr lang="en-US" b="1" dirty="0"/>
+              <a:t>database permissions</a:t>
+            </a:r>
+            <a:r>
+              <a:rPr lang="en-US" dirty="0"/>
+              <a:t> more effectively.</a:t>
+            </a:r>
+          </a:p>
+          <a:p>
+            <a:r>
+              <a:rPr lang="en-US" dirty="0"/>
+              <a:t>Think of a schema as a </a:t>
+            </a:r>
+            <a:r>
+              <a:rPr lang="en-US" b="1" dirty="0"/>
+              <a:t>folder</a:t>
+            </a:r>
+            <a:r>
+              <a:rPr lang="en-US" dirty="0"/>
+              <a:t> inside a database, where you can group related objects together to keep things organized.</a:t>
+            </a:r>
+          </a:p>
+        </p:txBody>
+      </p:sp>
+    </p:spTree>
+    <p:extLst>
+      <p:ext uri="{BB962C8B-B14F-4D97-AF65-F5344CB8AC3E}">
+        <p14:creationId xmlns:p14="http://schemas.microsoft.com/office/powerpoint/2010/main" val="2014584106"/>
+      </p:ext>
+    </p:extLst>
+  </p:cSld>
+  <p:clrMapOvr>
+    <a:masterClrMapping/>
+  </p:clrMapOvr>
+</p:sld>
+</file>
+
+<file path=ppt/slides/slide11.xml><?xml version="1.0" encoding="utf-8"?>
+<p:sld xmlns:a="http://schemas.openxmlformats.org/drawingml/2006/main" xmlns:r="http://schemas.openxmlformats.org/officeDocument/2006/relationships" xmlns:p="http://schemas.openxmlformats.org/presentationml/2006/main">
+  <p:cSld>
+    <p:spTree>
+      <p:nvGrpSpPr>
+        <p:cNvPr id="1" name=""/>
+        <p:cNvGrpSpPr/>
+        <p:nvPr/>
+      </p:nvGrpSpPr>
+      <p:grpSpPr>
+        <a:xfrm>
+          <a:off x="0" y="0"/>
+          <a:ext cx="0" cy="0"/>
+          <a:chOff x="0" y="0"/>
+          <a:chExt cx="0" cy="0"/>
+        </a:xfrm>
+      </p:grpSpPr>
+      <p:sp>
+        <p:nvSpPr>
+          <p:cNvPr id="4" name="Content Placeholder 2">
+            <a:extLst>
+              <a:ext uri="{FF2B5EF4-FFF2-40B4-BE49-F238E27FC236}">
+                <a16:creationId xmlns:a16="http://schemas.microsoft.com/office/drawing/2014/main" id="{20036F97-C5AC-5158-CBD7-B78873CC029D}"/>
+              </a:ext>
+            </a:extLst>
+          </p:cNvPr>
+          <p:cNvSpPr txBox="1">
+            <a:spLocks/>
+          </p:cNvSpPr>
+          <p:nvPr/>
+        </p:nvSpPr>
+        <p:spPr>
+          <a:xfrm>
+            <a:off x="370879" y="1316760"/>
+            <a:ext cx="5088087" cy="3287014"/>
+          </a:xfrm>
+          <a:prstGeom prst="rect">
+            <a:avLst/>
+          </a:prstGeom>
+        </p:spPr>
+        <p:txBody>
+          <a:bodyPr vert="horz" lIns="91440" tIns="45720" rIns="91440" bIns="45720" rtlCol="0" anchor="ctr">
+            <a:normAutofit/>
+          </a:bodyPr>
+          <a:lstStyle>
+            <a:lvl1pPr marL="306000" indent="-306000" algn="l" defTabSz="457200" rtl="0" eaLnBrk="1" latinLnBrk="0" hangingPunct="1">
+              <a:lnSpc>
+                <a:spcPct val="100000"/>
+              </a:lnSpc>
+              <a:spcBef>
+                <a:spcPct val="20000"/>
+              </a:spcBef>
+              <a:spcAft>
+                <a:spcPts val="600"/>
+              </a:spcAft>
+              <a:buClr>
+                <a:schemeClr val="accent1"/>
+              </a:buClr>
+              <a:buSzPct val="92000"/>
+              <a:buFont typeface="Wingdings 2" panose="05020102010507070707" pitchFamily="18" charset="2"/>
+              <a:buChar char=""/>
+              <a:defRPr sz="1800" kern="1200">
+                <a:solidFill>
+                  <a:schemeClr val="tx1">
+                    <a:lumMod val="75000"/>
+                    <a:lumOff val="25000"/>
+                  </a:schemeClr>
+                </a:solidFill>
+                <a:latin typeface="+mn-lt"/>
+                <a:ea typeface="+mn-ea"/>
+                <a:cs typeface="+mn-cs"/>
+              </a:defRPr>
+            </a:lvl1pPr>
+            <a:lvl2pPr marL="630000" indent="-306000" algn="l" defTabSz="457200" rtl="0" eaLnBrk="1" latinLnBrk="0" hangingPunct="1">
+              <a:lnSpc>
+                <a:spcPct val="100000"/>
+              </a:lnSpc>
+              <a:spcBef>
+                <a:spcPct val="20000"/>
+              </a:spcBef>
+              <a:spcAft>
+                <a:spcPts val="600"/>
+              </a:spcAft>
+              <a:buClr>
+                <a:schemeClr val="accent1"/>
+              </a:buClr>
+              <a:buSzPct val="92000"/>
+              <a:buFont typeface="Wingdings 2" panose="05020102010507070707" pitchFamily="18" charset="2"/>
+              <a:buChar char=""/>
+              <a:defRPr sz="1600" kern="1200">
+                <a:solidFill>
+                  <a:schemeClr val="tx1">
+                    <a:lumMod val="75000"/>
+                    <a:lumOff val="25000"/>
+                  </a:schemeClr>
+                </a:solidFill>
+                <a:latin typeface="+mn-lt"/>
+                <a:ea typeface="+mn-ea"/>
+                <a:cs typeface="+mn-cs"/>
+              </a:defRPr>
+            </a:lvl2pPr>
+            <a:lvl3pPr marL="900000" indent="-270000" algn="l" defTabSz="457200" rtl="0" eaLnBrk="1" latinLnBrk="0" hangingPunct="1">
+              <a:lnSpc>
+                <a:spcPct val="100000"/>
+              </a:lnSpc>
+              <a:spcBef>
+                <a:spcPct val="20000"/>
+              </a:spcBef>
+              <a:spcAft>
+                <a:spcPts val="600"/>
+              </a:spcAft>
+              <a:buClr>
+                <a:schemeClr val="accent1"/>
+              </a:buClr>
+              <a:buSzPct val="92000"/>
+              <a:buFont typeface="Wingdings 2" panose="05020102010507070707" pitchFamily="18" charset="2"/>
+              <a:buChar char=""/>
+              <a:defRPr sz="1400" kern="1200">
+                <a:solidFill>
+                  <a:schemeClr val="tx1">
+                    <a:lumMod val="75000"/>
+                    <a:lumOff val="25000"/>
+                  </a:schemeClr>
+                </a:solidFill>
+                <a:latin typeface="+mn-lt"/>
+                <a:ea typeface="+mn-ea"/>
+                <a:cs typeface="+mn-cs"/>
+              </a:defRPr>
+            </a:lvl3pPr>
+            <a:lvl4pPr marL="1242000" indent="-234000" algn="l" defTabSz="457200" rtl="0" eaLnBrk="1" latinLnBrk="0" hangingPunct="1">
+              <a:lnSpc>
+                <a:spcPct val="100000"/>
+              </a:lnSpc>
+              <a:spcBef>
+                <a:spcPct val="20000"/>
+              </a:spcBef>
+              <a:spcAft>
+                <a:spcPts val="600"/>
+              </a:spcAft>
+              <a:buClr>
+                <a:schemeClr val="accent1"/>
+              </a:buClr>
+              <a:buSzPct val="92000"/>
+              <a:buFont typeface="Wingdings 2" panose="05020102010507070707" pitchFamily="18" charset="2"/>
+              <a:buChar char=""/>
+              <a:defRPr sz="1200" kern="1200">
+                <a:solidFill>
+                  <a:schemeClr val="tx1">
+                    <a:lumMod val="75000"/>
+                    <a:lumOff val="25000"/>
+                  </a:schemeClr>
+                </a:solidFill>
+                <a:latin typeface="+mn-lt"/>
+                <a:ea typeface="+mn-ea"/>
+                <a:cs typeface="+mn-cs"/>
+              </a:defRPr>
+            </a:lvl4pPr>
+            <a:lvl5pPr marL="1602000" indent="-234000" algn="l" defTabSz="457200" rtl="0" eaLnBrk="1" latinLnBrk="0" hangingPunct="1">
+              <a:lnSpc>
+                <a:spcPct val="100000"/>
+              </a:lnSpc>
+              <a:spcBef>
+                <a:spcPct val="20000"/>
+              </a:spcBef>
+              <a:spcAft>
+                <a:spcPts val="600"/>
+              </a:spcAft>
+              <a:buClr>
+                <a:schemeClr val="accent1"/>
+              </a:buClr>
+              <a:buSzPct val="92000"/>
+              <a:buFont typeface="Wingdings 2" panose="05020102010507070707" pitchFamily="18" charset="2"/>
+              <a:buChar char=""/>
+              <a:defRPr sz="1200" kern="1200">
+                <a:solidFill>
+                  <a:schemeClr val="tx1">
+                    <a:lumMod val="75000"/>
+                    <a:lumOff val="25000"/>
+                  </a:schemeClr>
+                </a:solidFill>
+                <a:latin typeface="+mn-lt"/>
+                <a:ea typeface="+mn-ea"/>
+                <a:cs typeface="+mn-cs"/>
+              </a:defRPr>
+            </a:lvl5pPr>
+            <a:lvl6pPr marL="1900000" indent="-228600" algn="l" defTabSz="457200" rtl="0" eaLnBrk="1" latinLnBrk="0" hangingPunct="1">
+              <a:spcBef>
+                <a:spcPct val="20000"/>
+              </a:spcBef>
+              <a:spcAft>
+                <a:spcPts val="600"/>
+              </a:spcAft>
+              <a:buClr>
+                <a:schemeClr val="accent2"/>
+              </a:buClr>
+              <a:buSzPct val="92000"/>
+              <a:buFont typeface="Wingdings 2" panose="05020102010507070707" pitchFamily="18" charset="2"/>
+              <a:buChar char=""/>
+              <a:defRPr sz="1200" kern="1200">
+                <a:solidFill>
+                  <a:schemeClr val="tx2"/>
+                </a:solidFill>
+                <a:latin typeface="+mn-lt"/>
+                <a:ea typeface="+mn-ea"/>
+                <a:cs typeface="+mn-cs"/>
+              </a:defRPr>
+            </a:lvl6pPr>
+            <a:lvl7pPr marL="2200000" indent="-228600" algn="l" defTabSz="457200" rtl="0" eaLnBrk="1" latinLnBrk="0" hangingPunct="1">
+              <a:spcBef>
+                <a:spcPct val="20000"/>
+              </a:spcBef>
+              <a:spcAft>
+                <a:spcPts val="600"/>
+              </a:spcAft>
+              <a:buClr>
+                <a:schemeClr val="accent2"/>
+              </a:buClr>
+              <a:buSzPct val="92000"/>
+              <a:buFont typeface="Wingdings 2" panose="05020102010507070707" pitchFamily="18" charset="2"/>
+              <a:buChar char=""/>
+              <a:defRPr sz="1200" kern="1200">
+                <a:solidFill>
+                  <a:schemeClr val="tx2"/>
+                </a:solidFill>
+                <a:latin typeface="+mn-lt"/>
+                <a:ea typeface="+mn-ea"/>
+                <a:cs typeface="+mn-cs"/>
+              </a:defRPr>
+            </a:lvl7pPr>
+            <a:lvl8pPr marL="2500000" indent="-228600" algn="l" defTabSz="457200" rtl="0" eaLnBrk="1" latinLnBrk="0" hangingPunct="1">
+              <a:spcBef>
+                <a:spcPct val="20000"/>
+              </a:spcBef>
+              <a:spcAft>
+                <a:spcPts val="600"/>
+              </a:spcAft>
+              <a:buClr>
+                <a:schemeClr val="accent2"/>
+              </a:buClr>
+              <a:buSzPct val="92000"/>
+              <a:buFont typeface="Wingdings 2" panose="05020102010507070707" pitchFamily="18" charset="2"/>
+              <a:buChar char=""/>
+              <a:defRPr sz="1200" kern="1200">
+                <a:solidFill>
+                  <a:schemeClr val="tx2"/>
+                </a:solidFill>
+                <a:latin typeface="+mn-lt"/>
+                <a:ea typeface="+mn-ea"/>
+                <a:cs typeface="+mn-cs"/>
+              </a:defRPr>
+            </a:lvl8pPr>
+            <a:lvl9pPr marL="2800000" indent="-228600" algn="l" defTabSz="457200" rtl="0" eaLnBrk="1" latinLnBrk="0" hangingPunct="1">
+              <a:spcBef>
+                <a:spcPct val="20000"/>
+              </a:spcBef>
+              <a:spcAft>
+                <a:spcPts val="600"/>
+              </a:spcAft>
+              <a:buClr>
+                <a:schemeClr val="accent2"/>
+              </a:buClr>
+              <a:buSzPct val="92000"/>
+              <a:buFont typeface="Wingdings 2" panose="05020102010507070707" pitchFamily="18" charset="2"/>
+              <a:buChar char=""/>
+              <a:defRPr sz="1200" kern="1200">
+                <a:solidFill>
+                  <a:schemeClr val="tx2"/>
+                </a:solidFill>
+                <a:latin typeface="+mn-lt"/>
+                <a:ea typeface="+mn-ea"/>
+                <a:cs typeface="+mn-cs"/>
+              </a:defRPr>
+            </a:lvl9pPr>
+          </a:lstStyle>
+          <a:p>
+            <a:pPr marL="0" indent="0">
+              <a:buFont typeface="Wingdings 2" panose="05020102010507070707" pitchFamily="18" charset="2"/>
+              <a:buNone/>
+            </a:pPr>
+            <a:r>
+              <a:rPr lang="en-US" dirty="0">
+                <a:solidFill>
+                  <a:srgbClr val="0070C0"/>
+                </a:solidFill>
+                <a:latin typeface="Courier"/>
+              </a:rPr>
+              <a:t>CREATE TABLE ch02.clarku (</a:t>
+            </a:r>
+          </a:p>
+          <a:p>
+            <a:pPr marL="0" indent="0">
+              <a:buFont typeface="Wingdings 2" panose="05020102010507070707" pitchFamily="18" charset="2"/>
+              <a:buNone/>
+            </a:pPr>
+            <a:r>
+              <a:rPr lang="en-US" dirty="0">
+                <a:solidFill>
+                  <a:srgbClr val="0070C0"/>
+                </a:solidFill>
+                <a:latin typeface="Courier"/>
+              </a:rPr>
+              <a:t>id serial PRIMARY KEY,</a:t>
+            </a:r>
+          </a:p>
+          <a:p>
+            <a:pPr marL="0" indent="0">
+              <a:buFont typeface="Wingdings 2" panose="05020102010507070707" pitchFamily="18" charset="2"/>
+              <a:buNone/>
+            </a:pPr>
+            <a:r>
+              <a:rPr lang="en-US" dirty="0">
+                <a:solidFill>
+                  <a:srgbClr val="0070C0"/>
+                </a:solidFill>
+                <a:latin typeface="Courier"/>
+              </a:rPr>
+              <a:t>p geometry(POINT),</a:t>
+            </a:r>
+          </a:p>
+          <a:p>
+            <a:pPr marL="0" indent="0">
+              <a:buFont typeface="Wingdings 2" panose="05020102010507070707" pitchFamily="18" charset="2"/>
+              <a:buNone/>
+            </a:pPr>
+            <a:r>
+              <a:rPr lang="en-US" dirty="0" err="1">
+                <a:solidFill>
+                  <a:srgbClr val="0070C0"/>
+                </a:solidFill>
+                <a:latin typeface="Courier"/>
+              </a:rPr>
+              <a:t>pz</a:t>
+            </a:r>
+            <a:r>
+              <a:rPr lang="en-US" dirty="0">
+                <a:solidFill>
+                  <a:srgbClr val="0070C0"/>
+                </a:solidFill>
+                <a:latin typeface="Courier"/>
+              </a:rPr>
+              <a:t> geometry(POINTZ),</a:t>
+            </a:r>
+          </a:p>
+          <a:p>
+            <a:pPr marL="0" indent="0">
+              <a:buFont typeface="Wingdings 2" panose="05020102010507070707" pitchFamily="18" charset="2"/>
+              <a:buNone/>
+            </a:pPr>
+            <a:r>
+              <a:rPr lang="en-US" dirty="0">
+                <a:solidFill>
+                  <a:srgbClr val="0070C0"/>
+                </a:solidFill>
+                <a:latin typeface="Courier"/>
+              </a:rPr>
+              <a:t>pm geometry(POINTM),</a:t>
+            </a:r>
+          </a:p>
+          <a:p>
+            <a:pPr marL="0" indent="0">
+              <a:buFont typeface="Wingdings 2" panose="05020102010507070707" pitchFamily="18" charset="2"/>
+              <a:buNone/>
+            </a:pPr>
+            <a:r>
+              <a:rPr lang="en-US" dirty="0" err="1">
+                <a:solidFill>
+                  <a:srgbClr val="0070C0"/>
+                </a:solidFill>
+                <a:latin typeface="Courier"/>
+              </a:rPr>
+              <a:t>pzm</a:t>
+            </a:r>
+            <a:r>
+              <a:rPr lang="en-US" dirty="0">
+                <a:solidFill>
+                  <a:srgbClr val="0070C0"/>
+                </a:solidFill>
+                <a:latin typeface="Courier"/>
+              </a:rPr>
+              <a:t> geometry(POINTZM),</a:t>
+            </a:r>
+          </a:p>
+          <a:p>
+            <a:pPr marL="0" indent="0">
+              <a:buFont typeface="Wingdings 2" panose="05020102010507070707" pitchFamily="18" charset="2"/>
+              <a:buNone/>
+            </a:pPr>
+            <a:r>
+              <a:rPr lang="en-US" dirty="0" err="1">
+                <a:solidFill>
+                  <a:srgbClr val="0070C0"/>
+                </a:solidFill>
+                <a:latin typeface="Courier"/>
+              </a:rPr>
+              <a:t>p_srid</a:t>
+            </a:r>
+            <a:r>
+              <a:rPr lang="en-US" dirty="0">
+                <a:solidFill>
+                  <a:srgbClr val="0070C0"/>
+                </a:solidFill>
+                <a:latin typeface="Courier"/>
+              </a:rPr>
+              <a:t> geometry(POINT,4326));</a:t>
+            </a:r>
+          </a:p>
+        </p:txBody>
+      </p:sp>
+      <p:sp>
+        <p:nvSpPr>
+          <p:cNvPr id="5" name="Title 1">
+            <a:extLst>
+              <a:ext uri="{FF2B5EF4-FFF2-40B4-BE49-F238E27FC236}">
+                <a16:creationId xmlns:a16="http://schemas.microsoft.com/office/drawing/2014/main" id="{34002D05-0071-3FB0-C1E5-B24561E032BB}"/>
+              </a:ext>
+            </a:extLst>
+          </p:cNvPr>
+          <p:cNvSpPr txBox="1">
+            <a:spLocks/>
+          </p:cNvSpPr>
+          <p:nvPr/>
+        </p:nvSpPr>
+        <p:spPr>
+          <a:xfrm>
+            <a:off x="370879" y="601584"/>
+            <a:ext cx="11029616" cy="651156"/>
+          </a:xfrm>
+          <a:prstGeom prst="rect">
+            <a:avLst/>
+          </a:prstGeom>
+        </p:spPr>
+        <p:txBody>
+          <a:bodyPr vert="horz" lIns="91440" tIns="45720" rIns="91440" bIns="45720" rtlCol="0" anchor="b">
+            <a:normAutofit/>
+          </a:bodyPr>
+          <a:lstStyle>
+            <a:lvl1pPr algn="l" defTabSz="457200" rtl="0" eaLnBrk="1" latinLnBrk="0" hangingPunct="1">
+              <a:lnSpc>
+                <a:spcPct val="100000"/>
+              </a:lnSpc>
+              <a:spcBef>
+                <a:spcPct val="0"/>
+              </a:spcBef>
+              <a:buNone/>
+              <a:defRPr sz="2800" b="0" kern="1200" cap="all">
+                <a:solidFill>
+                  <a:schemeClr val="tx1">
+                    <a:lumMod val="75000"/>
+                    <a:lumOff val="25000"/>
+                  </a:schemeClr>
+                </a:solidFill>
+                <a:latin typeface="+mj-lt"/>
+                <a:ea typeface="+mj-ea"/>
+                <a:cs typeface="+mj-cs"/>
+              </a:defRPr>
+            </a:lvl1pPr>
+            <a:lvl2pPr eaLnBrk="1" hangingPunct="1">
+              <a:defRPr>
+                <a:solidFill>
+                  <a:schemeClr val="tx2"/>
+                </a:solidFill>
+              </a:defRPr>
+            </a:lvl2pPr>
+            <a:lvl3pPr eaLnBrk="1" hangingPunct="1">
+              <a:defRPr>
+                <a:solidFill>
+                  <a:schemeClr val="tx2"/>
+                </a:solidFill>
+              </a:defRPr>
+            </a:lvl3pPr>
+            <a:lvl4pPr eaLnBrk="1" hangingPunct="1">
+              <a:defRPr>
+                <a:solidFill>
+                  <a:schemeClr val="tx2"/>
+                </a:solidFill>
+              </a:defRPr>
+            </a:lvl4pPr>
+            <a:lvl5pPr eaLnBrk="1" hangingPunct="1">
+              <a:defRPr>
+                <a:solidFill>
+                  <a:schemeClr val="tx2"/>
+                </a:solidFill>
+              </a:defRPr>
+            </a:lvl5pPr>
+            <a:lvl6pPr eaLnBrk="1" hangingPunct="1">
+              <a:defRPr>
+                <a:solidFill>
+                  <a:schemeClr val="tx2"/>
+                </a:solidFill>
+              </a:defRPr>
+            </a:lvl6pPr>
+            <a:lvl7pPr eaLnBrk="1" hangingPunct="1">
+              <a:defRPr>
+                <a:solidFill>
+                  <a:schemeClr val="tx2"/>
+                </a:solidFill>
+              </a:defRPr>
+            </a:lvl7pPr>
+            <a:lvl8pPr eaLnBrk="1" hangingPunct="1">
+              <a:defRPr>
+                <a:solidFill>
+                  <a:schemeClr val="tx2"/>
+                </a:solidFill>
+              </a:defRPr>
+            </a:lvl8pPr>
+            <a:lvl9pPr eaLnBrk="1" hangingPunct="1">
+              <a:defRPr>
+                <a:solidFill>
+                  <a:schemeClr val="tx2"/>
+                </a:solidFill>
+              </a:defRPr>
+            </a:lvl9pPr>
+          </a:lstStyle>
+          <a:p>
+            <a:r>
+              <a:rPr lang="en-US" dirty="0"/>
+              <a:t>Create table with geometry</a:t>
+            </a:r>
+          </a:p>
+        </p:txBody>
+      </p:sp>
+      <p:sp>
+        <p:nvSpPr>
+          <p:cNvPr id="8" name="Content Placeholder 8">
+            <a:extLst>
+              <a:ext uri="{FF2B5EF4-FFF2-40B4-BE49-F238E27FC236}">
+                <a16:creationId xmlns:a16="http://schemas.microsoft.com/office/drawing/2014/main" id="{75F6B82B-5490-320E-F371-06615AE5E182}"/>
+              </a:ext>
+            </a:extLst>
+          </p:cNvPr>
+          <p:cNvSpPr>
+            <a:spLocks noGrp="1"/>
+          </p:cNvSpPr>
+          <p:nvPr>
+            <p:ph idx="1"/>
+          </p:nvPr>
+        </p:nvSpPr>
+        <p:spPr>
+          <a:xfrm>
+            <a:off x="5302893" y="927162"/>
+            <a:ext cx="6518228" cy="2295144"/>
+          </a:xfrm>
+        </p:spPr>
+        <p:txBody>
+          <a:bodyPr/>
+          <a:lstStyle/>
+          <a:p>
+            <a:r>
+              <a:rPr lang="en-US" dirty="0"/>
+              <a:t>id: This is a unique identifier for each row in the table.</a:t>
+            </a:r>
+          </a:p>
+          <a:p>
+            <a:r>
+              <a:rPr lang="en-US" dirty="0"/>
+              <a:t>serial: This is an auto-incrementing integer column.</a:t>
+            </a:r>
+          </a:p>
+          <a:p>
+            <a:r>
+              <a:rPr lang="en-US" dirty="0"/>
+              <a:t>PRIMARY KEY: This ensures the id is unique and cannot be NULL.</a:t>
+            </a:r>
+          </a:p>
+        </p:txBody>
+      </p:sp>
+      <p:sp>
+        <p:nvSpPr>
+          <p:cNvPr id="11" name="TextBox 10">
+            <a:extLst>
+              <a:ext uri="{FF2B5EF4-FFF2-40B4-BE49-F238E27FC236}">
+                <a16:creationId xmlns:a16="http://schemas.microsoft.com/office/drawing/2014/main" id="{8DC412F4-1BB7-2A36-7458-E0C7B2AC4440}"/>
+              </a:ext>
+            </a:extLst>
+          </p:cNvPr>
+          <p:cNvSpPr txBox="1"/>
+          <p:nvPr/>
+        </p:nvSpPr>
+        <p:spPr>
+          <a:xfrm>
+            <a:off x="5302893" y="3286326"/>
+            <a:ext cx="5574730" cy="1742015"/>
+          </a:xfrm>
+          <a:prstGeom prst="rect">
+            <a:avLst/>
+          </a:prstGeom>
+          <a:noFill/>
+        </p:spPr>
+        <p:txBody>
+          <a:bodyPr wrap="square" rtlCol="0">
+            <a:spAutoFit/>
+          </a:bodyPr>
+          <a:lstStyle/>
+          <a:p>
+            <a:pPr marL="306000" indent="-306000">
+              <a:spcBef>
+                <a:spcPct val="20000"/>
+              </a:spcBef>
+              <a:spcAft>
+                <a:spcPts val="600"/>
+              </a:spcAft>
+              <a:buClr>
+                <a:schemeClr val="accent1"/>
+              </a:buClr>
+              <a:buSzPct val="92000"/>
+              <a:buFont typeface="Wingdings 2" panose="05020102010507070707" pitchFamily="18" charset="2"/>
+              <a:buChar char=""/>
+            </a:pPr>
+            <a:r>
+              <a:rPr lang="en-US" dirty="0">
+                <a:solidFill>
+                  <a:schemeClr val="tx1">
+                    <a:lumMod val="75000"/>
+                    <a:lumOff val="25000"/>
+                  </a:schemeClr>
+                </a:solidFill>
+              </a:rPr>
+              <a:t>p: The column name.</a:t>
+            </a:r>
+          </a:p>
+          <a:p>
+            <a:pPr marL="306000" indent="-306000">
+              <a:spcBef>
+                <a:spcPct val="20000"/>
+              </a:spcBef>
+              <a:spcAft>
+                <a:spcPts val="600"/>
+              </a:spcAft>
+              <a:buClr>
+                <a:schemeClr val="accent1"/>
+              </a:buClr>
+              <a:buSzPct val="92000"/>
+              <a:buFont typeface="Wingdings 2" panose="05020102010507070707" pitchFamily="18" charset="2"/>
+              <a:buChar char=""/>
+            </a:pPr>
+            <a:r>
+              <a:rPr lang="en-US" dirty="0">
+                <a:solidFill>
+                  <a:schemeClr val="tx1">
+                    <a:lumMod val="75000"/>
+                    <a:lumOff val="25000"/>
+                  </a:schemeClr>
+                </a:solidFill>
+              </a:rPr>
+              <a:t>geometry(POINT): This defines a 2D point geometry with X and Y coordinates.</a:t>
+            </a:r>
+          </a:p>
+          <a:p>
+            <a:pPr>
+              <a:spcBef>
+                <a:spcPct val="20000"/>
+              </a:spcBef>
+              <a:spcAft>
+                <a:spcPts val="600"/>
+              </a:spcAft>
+              <a:buClr>
+                <a:schemeClr val="accent1"/>
+              </a:buClr>
+              <a:buSzPct val="92000"/>
+            </a:pPr>
+            <a:r>
+              <a:rPr lang="en-US" dirty="0">
+                <a:solidFill>
+                  <a:schemeClr val="tx1">
+                    <a:lumMod val="75000"/>
+                    <a:lumOff val="25000"/>
+                  </a:schemeClr>
+                </a:solidFill>
+              </a:rPr>
+              <a:t>Example: A point representing a latitude/longitude location or X/Y coordinates in a planar system </a:t>
+            </a:r>
+          </a:p>
+        </p:txBody>
+      </p:sp>
+    </p:spTree>
+    <p:extLst>
+      <p:ext uri="{BB962C8B-B14F-4D97-AF65-F5344CB8AC3E}">
+        <p14:creationId xmlns:p14="http://schemas.microsoft.com/office/powerpoint/2010/main" val="3618579396"/>
+      </p:ext>
+    </p:extLst>
+  </p:cSld>
+  <p:clrMapOvr>
+    <a:masterClrMapping/>
+  </p:clrMapOvr>
+</p:sld>
+</file>
+
+<file path=ppt/slides/slide12.xml><?xml version="1.0" encoding="utf-8"?>
+<p:sld xmlns:a="http://schemas.openxmlformats.org/drawingml/2006/main" xmlns:r="http://schemas.openxmlformats.org/officeDocument/2006/relationships" xmlns:p="http://schemas.openxmlformats.org/presentationml/2006/main">
+  <p:cSld>
+    <p:spTree>
+      <p:nvGrpSpPr>
+        <p:cNvPr id="1" name=""/>
+        <p:cNvGrpSpPr/>
+        <p:nvPr/>
+      </p:nvGrpSpPr>
+      <p:grpSpPr>
+        <a:xfrm>
+          <a:off x="0" y="0"/>
+          <a:ext cx="0" cy="0"/>
+          <a:chOff x="0" y="0"/>
+          <a:chExt cx="0" cy="0"/>
+        </a:xfrm>
+      </p:grpSpPr>
+      <p:sp>
+        <p:nvSpPr>
           <p:cNvPr id="5" name="TextBox 4">
             <a:extLst>
               <a:ext uri="{FF2B5EF4-FFF2-40B4-BE49-F238E27FC236}">
@@ -10127,7 +11030,7 @@
 </p:sld>
 </file>
 
-<file path=ppt/slides/slide11.xml><?xml version="1.0" encoding="utf-8"?>
+<file path=ppt/slides/slide13.xml><?xml version="1.0" encoding="utf-8"?>
 <p:sld xmlns:a="http://schemas.openxmlformats.org/drawingml/2006/main" xmlns:r="http://schemas.openxmlformats.org/officeDocument/2006/relationships" xmlns:p="http://schemas.openxmlformats.org/presentationml/2006/main">
   <p:cSld>
     <p:spTree>
@@ -10307,7 +11210,7 @@
 </p:sld>
 </file>
 
-<file path=ppt/slides/slide12.xml><?xml version="1.0" encoding="utf-8"?>
+<file path=ppt/slides/slide14.xml><?xml version="1.0" encoding="utf-8"?>
 <p:sld xmlns:a="http://schemas.openxmlformats.org/drawingml/2006/main" xmlns:r="http://schemas.openxmlformats.org/officeDocument/2006/relationships" xmlns:p="http://schemas.openxmlformats.org/presentationml/2006/main">
   <p:cSld>
     <p:spTree>
@@ -10412,7 +11315,7 @@
 </p:sld>
 </file>
 
-<file path=ppt/slides/slide13.xml><?xml version="1.0" encoding="utf-8"?>
+<file path=ppt/slides/slide15.xml><?xml version="1.0" encoding="utf-8"?>
 <p:sld xmlns:a="http://schemas.openxmlformats.org/drawingml/2006/main" xmlns:r="http://schemas.openxmlformats.org/officeDocument/2006/relationships" xmlns:p="http://schemas.openxmlformats.org/presentationml/2006/main">
   <p:cSld>
     <p:spTree>
@@ -10804,7 +11707,7 @@
 </p:sld>
 </file>
 
-<file path=ppt/slides/slide14.xml><?xml version="1.0" encoding="utf-8"?>
+<file path=ppt/slides/slide16.xml><?xml version="1.0" encoding="utf-8"?>
 <p:sld xmlns:a="http://schemas.openxmlformats.org/drawingml/2006/main" xmlns:r="http://schemas.openxmlformats.org/officeDocument/2006/relationships" xmlns:p="http://schemas.openxmlformats.org/presentationml/2006/main">
   <p:cSld>
     <p:spTree>
@@ -10972,7 +11875,7 @@
 </p:sld>
 </file>
 
-<file path=ppt/slides/slide15.xml><?xml version="1.0" encoding="utf-8"?>
+<file path=ppt/slides/slide17.xml><?xml version="1.0" encoding="utf-8"?>
 <p:sld xmlns:a="http://schemas.openxmlformats.org/drawingml/2006/main" xmlns:r="http://schemas.openxmlformats.org/officeDocument/2006/relationships" xmlns:p="http://schemas.openxmlformats.org/presentationml/2006/main">
   <p:cSld>
     <p:spTree>
@@ -11347,7 +12250,7 @@
 </p:sld>
 </file>
 
-<file path=ppt/slides/slide16.xml><?xml version="1.0" encoding="utf-8"?>
+<file path=ppt/slides/slide18.xml><?xml version="1.0" encoding="utf-8"?>
 <p:sld xmlns:a="http://schemas.openxmlformats.org/drawingml/2006/main" xmlns:r="http://schemas.openxmlformats.org/officeDocument/2006/relationships" xmlns:p="http://schemas.openxmlformats.org/presentationml/2006/main">
   <p:cSld>
     <p:spTree>
@@ -11676,7 +12579,7 @@
 </p:sld>
 </file>
 
-<file path=ppt/slides/slide17.xml><?xml version="1.0" encoding="utf-8"?>
+<file path=ppt/slides/slide19.xml><?xml version="1.0" encoding="utf-8"?>
 <p:sld xmlns:a="http://schemas.openxmlformats.org/drawingml/2006/main" xmlns:r="http://schemas.openxmlformats.org/officeDocument/2006/relationships" xmlns:p="http://schemas.openxmlformats.org/presentationml/2006/main">
   <p:cSld>
     <p:spTree>
@@ -12037,490 +12940,6 @@
     <p:extLst>
       <p:ext uri="{BB962C8B-B14F-4D97-AF65-F5344CB8AC3E}">
         <p14:creationId xmlns:p14="http://schemas.microsoft.com/office/powerpoint/2010/main" val="4204651073"/>
-      </p:ext>
-    </p:extLst>
-  </p:cSld>
-  <p:clrMapOvr>
-    <a:masterClrMapping/>
-  </p:clrMapOvr>
-</p:sld>
-</file>
-
-<file path=ppt/slides/slide18.xml><?xml version="1.0" encoding="utf-8"?>
-<p:sld xmlns:a="http://schemas.openxmlformats.org/drawingml/2006/main" xmlns:r="http://schemas.openxmlformats.org/officeDocument/2006/relationships" xmlns:p="http://schemas.openxmlformats.org/presentationml/2006/main">
-  <p:cSld>
-    <p:spTree>
-      <p:nvGrpSpPr>
-        <p:cNvPr id="1" name=""/>
-        <p:cNvGrpSpPr/>
-        <p:nvPr/>
-      </p:nvGrpSpPr>
-      <p:grpSpPr>
-        <a:xfrm>
-          <a:off x="0" y="0"/>
-          <a:ext cx="0" cy="0"/>
-          <a:chOff x="0" y="0"/>
-          <a:chExt cx="0" cy="0"/>
-        </a:xfrm>
-      </p:grpSpPr>
-      <p:sp>
-        <p:nvSpPr>
-          <p:cNvPr id="2" name="Title 1">
-            <a:extLst>
-              <a:ext uri="{FF2B5EF4-FFF2-40B4-BE49-F238E27FC236}">
-                <a16:creationId xmlns:a16="http://schemas.microsoft.com/office/drawing/2014/main" id="{B0632F98-3187-25D1-6E2D-44766D07545C}"/>
-              </a:ext>
-            </a:extLst>
-          </p:cNvPr>
-          <p:cNvSpPr>
-            <a:spLocks noGrp="1"/>
-          </p:cNvSpPr>
-          <p:nvPr>
-            <p:ph type="title"/>
-          </p:nvPr>
-        </p:nvSpPr>
-        <p:spPr>
-          <a:xfrm>
-            <a:off x="581192" y="702156"/>
-            <a:ext cx="11029616" cy="559716"/>
-          </a:xfrm>
-        </p:spPr>
-        <p:txBody>
-          <a:bodyPr/>
-          <a:lstStyle/>
-          <a:p>
-            <a:r>
-              <a:rPr lang="en-US" sz="2800" dirty="0"/>
-              <a:t>Subtype of geometry - </a:t>
-            </a:r>
-            <a:r>
-              <a:rPr lang="en-US" altLang="zh-CN" sz="2800" dirty="0"/>
-              <a:t>polygons</a:t>
-            </a:r>
-            <a:endParaRPr lang="en-US" dirty="0"/>
-          </a:p>
-        </p:txBody>
-      </p:sp>
-      <p:sp>
-        <p:nvSpPr>
-          <p:cNvPr id="3" name="Content Placeholder 2">
-            <a:extLst>
-              <a:ext uri="{FF2B5EF4-FFF2-40B4-BE49-F238E27FC236}">
-                <a16:creationId xmlns:a16="http://schemas.microsoft.com/office/drawing/2014/main" id="{86B72102-265E-29CD-C357-3EEAE7AE1051}"/>
-              </a:ext>
-            </a:extLst>
-          </p:cNvPr>
-          <p:cNvSpPr>
-            <a:spLocks noGrp="1"/>
-          </p:cNvSpPr>
-          <p:nvPr>
-            <p:ph idx="1"/>
-          </p:nvPr>
-        </p:nvSpPr>
-        <p:spPr>
-          <a:xfrm>
-            <a:off x="581193" y="1440173"/>
-            <a:ext cx="11029615" cy="909106"/>
-          </a:xfrm>
-        </p:spPr>
-        <p:txBody>
-          <a:bodyPr>
-            <a:normAutofit/>
-          </a:bodyPr>
-          <a:lstStyle/>
-          <a:p>
-            <a:r>
-              <a:rPr lang="en-US" sz="1800" b="0" i="0" u="none" strike="noStrike" baseline="0" dirty="0">
-                <a:solidFill>
-                  <a:srgbClr val="262626"/>
-                </a:solidFill>
-                <a:latin typeface="NewBaskerville-Roman"/>
-              </a:rPr>
-              <a:t>Closed </a:t>
-            </a:r>
-            <a:r>
-              <a:rPr lang="en-US" sz="1800" b="0" i="0" u="none" strike="noStrike" baseline="0" dirty="0" err="1">
-                <a:solidFill>
-                  <a:srgbClr val="262626"/>
-                </a:solidFill>
-                <a:latin typeface="NewBaskerville-Roman"/>
-              </a:rPr>
-              <a:t>linestrings</a:t>
-            </a:r>
-            <a:r>
-              <a:rPr lang="en-US" sz="1800" b="0" i="0" u="none" strike="noStrike" baseline="0" dirty="0">
-                <a:solidFill>
-                  <a:srgbClr val="262626"/>
-                </a:solidFill>
-                <a:latin typeface="NewBaskerville-Roman"/>
-              </a:rPr>
-              <a:t> are the building blocks of polygons.</a:t>
-            </a:r>
-          </a:p>
-          <a:p>
-            <a:r>
-              <a:rPr lang="en-US" dirty="0"/>
-              <a:t>Polygon: Composed of one outer linear ring and optionally one or more inner rings.</a:t>
-            </a:r>
-          </a:p>
-        </p:txBody>
-      </p:sp>
-      <p:sp>
-        <p:nvSpPr>
-          <p:cNvPr id="4" name="Title 1">
-            <a:extLst>
-              <a:ext uri="{FF2B5EF4-FFF2-40B4-BE49-F238E27FC236}">
-                <a16:creationId xmlns:a16="http://schemas.microsoft.com/office/drawing/2014/main" id="{A0265CB1-8B15-5795-8008-851D812FB684}"/>
-              </a:ext>
-            </a:extLst>
-          </p:cNvPr>
-          <p:cNvSpPr txBox="1">
-            <a:spLocks/>
-          </p:cNvSpPr>
-          <p:nvPr/>
-        </p:nvSpPr>
-        <p:spPr>
-          <a:xfrm>
-            <a:off x="581192" y="702156"/>
-            <a:ext cx="11029616" cy="495708"/>
-          </a:xfrm>
-          <a:prstGeom prst="rect">
-            <a:avLst/>
-          </a:prstGeom>
-        </p:spPr>
-        <p:txBody>
-          <a:bodyPr vert="horz" lIns="91440" tIns="45720" rIns="91440" bIns="45720" rtlCol="0" anchor="b">
-            <a:normAutofit lnSpcReduction="10000"/>
-          </a:bodyPr>
-          <a:lstStyle>
-            <a:lvl1pPr algn="l" defTabSz="457200" rtl="0" eaLnBrk="1" latinLnBrk="0" hangingPunct="1">
-              <a:lnSpc>
-                <a:spcPct val="100000"/>
-              </a:lnSpc>
-              <a:spcBef>
-                <a:spcPct val="0"/>
-              </a:spcBef>
-              <a:buNone/>
-              <a:defRPr sz="2800" b="0" kern="1200" cap="all">
-                <a:solidFill>
-                  <a:schemeClr val="tx1">
-                    <a:lumMod val="75000"/>
-                    <a:lumOff val="25000"/>
-                  </a:schemeClr>
-                </a:solidFill>
-                <a:latin typeface="+mj-lt"/>
-                <a:ea typeface="+mj-ea"/>
-                <a:cs typeface="+mj-cs"/>
-              </a:defRPr>
-            </a:lvl1pPr>
-            <a:lvl2pPr eaLnBrk="1" hangingPunct="1">
-              <a:defRPr>
-                <a:solidFill>
-                  <a:schemeClr val="tx2"/>
-                </a:solidFill>
-              </a:defRPr>
-            </a:lvl2pPr>
-            <a:lvl3pPr eaLnBrk="1" hangingPunct="1">
-              <a:defRPr>
-                <a:solidFill>
-                  <a:schemeClr val="tx2"/>
-                </a:solidFill>
-              </a:defRPr>
-            </a:lvl3pPr>
-            <a:lvl4pPr eaLnBrk="1" hangingPunct="1">
-              <a:defRPr>
-                <a:solidFill>
-                  <a:schemeClr val="tx2"/>
-                </a:solidFill>
-              </a:defRPr>
-            </a:lvl4pPr>
-            <a:lvl5pPr eaLnBrk="1" hangingPunct="1">
-              <a:defRPr>
-                <a:solidFill>
-                  <a:schemeClr val="tx2"/>
-                </a:solidFill>
-              </a:defRPr>
-            </a:lvl5pPr>
-            <a:lvl6pPr eaLnBrk="1" hangingPunct="1">
-              <a:defRPr>
-                <a:solidFill>
-                  <a:schemeClr val="tx2"/>
-                </a:solidFill>
-              </a:defRPr>
-            </a:lvl6pPr>
-            <a:lvl7pPr eaLnBrk="1" hangingPunct="1">
-              <a:defRPr>
-                <a:solidFill>
-                  <a:schemeClr val="tx2"/>
-                </a:solidFill>
-              </a:defRPr>
-            </a:lvl7pPr>
-            <a:lvl8pPr eaLnBrk="1" hangingPunct="1">
-              <a:defRPr>
-                <a:solidFill>
-                  <a:schemeClr val="tx2"/>
-                </a:solidFill>
-              </a:defRPr>
-            </a:lvl8pPr>
-            <a:lvl9pPr eaLnBrk="1" hangingPunct="1">
-              <a:defRPr>
-                <a:solidFill>
-                  <a:schemeClr val="tx2"/>
-                </a:solidFill>
-              </a:defRPr>
-            </a:lvl9pPr>
-          </a:lstStyle>
-          <a:p>
-            <a:endParaRPr lang="en-US" dirty="0"/>
-          </a:p>
-        </p:txBody>
-      </p:sp>
-      <p:pic>
-        <p:nvPicPr>
-          <p:cNvPr id="6" name="Picture 5">
-            <a:extLst>
-              <a:ext uri="{FF2B5EF4-FFF2-40B4-BE49-F238E27FC236}">
-                <a16:creationId xmlns:a16="http://schemas.microsoft.com/office/drawing/2014/main" id="{15C0E9F7-70DE-0FC5-91E3-3AF6AA54BBA8}"/>
-              </a:ext>
-            </a:extLst>
-          </p:cNvPr>
-          <p:cNvPicPr>
-            <a:picLocks noChangeAspect="1"/>
-          </p:cNvPicPr>
-          <p:nvPr/>
-        </p:nvPicPr>
-        <p:blipFill>
-          <a:blip r:embed="rId2"/>
-          <a:stretch>
-            <a:fillRect/>
-          </a:stretch>
-        </p:blipFill>
-        <p:spPr>
-          <a:xfrm>
-            <a:off x="1547263" y="2679192"/>
-            <a:ext cx="3867150" cy="3352800"/>
-          </a:xfrm>
-          <a:prstGeom prst="rect">
-            <a:avLst/>
-          </a:prstGeom>
-        </p:spPr>
-      </p:pic>
-      <p:pic>
-        <p:nvPicPr>
-          <p:cNvPr id="8" name="Picture 7">
-            <a:extLst>
-              <a:ext uri="{FF2B5EF4-FFF2-40B4-BE49-F238E27FC236}">
-                <a16:creationId xmlns:a16="http://schemas.microsoft.com/office/drawing/2014/main" id="{D95D3FE5-6529-DA3D-679B-6DE30596543A}"/>
-              </a:ext>
-            </a:extLst>
-          </p:cNvPr>
-          <p:cNvPicPr>
-            <a:picLocks noChangeAspect="1"/>
-          </p:cNvPicPr>
-          <p:nvPr/>
-        </p:nvPicPr>
-        <p:blipFill>
-          <a:blip r:embed="rId3"/>
-          <a:stretch>
-            <a:fillRect/>
-          </a:stretch>
-        </p:blipFill>
-        <p:spPr>
-          <a:xfrm>
-            <a:off x="7310589" y="2679192"/>
-            <a:ext cx="2809875" cy="3600450"/>
-          </a:xfrm>
-          <a:prstGeom prst="rect">
-            <a:avLst/>
-          </a:prstGeom>
-        </p:spPr>
-      </p:pic>
-    </p:spTree>
-    <p:extLst>
-      <p:ext uri="{BB962C8B-B14F-4D97-AF65-F5344CB8AC3E}">
-        <p14:creationId xmlns:p14="http://schemas.microsoft.com/office/powerpoint/2010/main" val="623793246"/>
-      </p:ext>
-    </p:extLst>
-  </p:cSld>
-  <p:clrMapOvr>
-    <a:masterClrMapping/>
-  </p:clrMapOvr>
-</p:sld>
-</file>
-
-<file path=ppt/slides/slide19.xml><?xml version="1.0" encoding="utf-8"?>
-<p:sld xmlns:a="http://schemas.openxmlformats.org/drawingml/2006/main" xmlns:r="http://schemas.openxmlformats.org/officeDocument/2006/relationships" xmlns:p="http://schemas.openxmlformats.org/presentationml/2006/main">
-  <p:cSld>
-    <p:spTree>
-      <p:nvGrpSpPr>
-        <p:cNvPr id="1" name=""/>
-        <p:cNvGrpSpPr/>
-        <p:nvPr/>
-      </p:nvGrpSpPr>
-      <p:grpSpPr>
-        <a:xfrm>
-          <a:off x="0" y="0"/>
-          <a:ext cx="0" cy="0"/>
-          <a:chOff x="0" y="0"/>
-          <a:chExt cx="0" cy="0"/>
-        </a:xfrm>
-      </p:grpSpPr>
-      <p:sp>
-        <p:nvSpPr>
-          <p:cNvPr id="3" name="Content Placeholder 2">
-            <a:extLst>
-              <a:ext uri="{FF2B5EF4-FFF2-40B4-BE49-F238E27FC236}">
-                <a16:creationId xmlns:a16="http://schemas.microsoft.com/office/drawing/2014/main" id="{FD830F95-21F8-6837-F164-ED61B07F83D8}"/>
-              </a:ext>
-            </a:extLst>
-          </p:cNvPr>
-          <p:cNvSpPr>
-            <a:spLocks noGrp="1"/>
-          </p:cNvSpPr>
-          <p:nvPr>
-            <p:ph idx="1"/>
-          </p:nvPr>
-        </p:nvSpPr>
-        <p:spPr>
-          <a:xfrm>
-            <a:off x="581024" y="1567034"/>
-            <a:ext cx="11029615" cy="2011680"/>
-          </a:xfrm>
-        </p:spPr>
-        <p:txBody>
-          <a:bodyPr>
-            <a:normAutofit/>
-          </a:bodyPr>
-          <a:lstStyle/>
-          <a:p>
-            <a:pPr algn="l">
-              <a:buFont typeface="Arial" panose="020B0604020202020204" pitchFamily="34" charset="0"/>
-              <a:buChar char="•"/>
-            </a:pPr>
-            <a:r>
-              <a:rPr lang="en-US" b="0" i="0" dirty="0">
-                <a:effectLst/>
-              </a:rPr>
-              <a:t>A polygon is a representation of an area.</a:t>
-            </a:r>
-          </a:p>
-          <a:p>
-            <a:pPr algn="l">
-              <a:buFont typeface="Arial" panose="020B0604020202020204" pitchFamily="34" charset="0"/>
-              <a:buChar char="•"/>
-            </a:pPr>
-            <a:r>
-              <a:rPr lang="en-US" b="0" i="0" dirty="0">
-                <a:effectLst/>
-              </a:rPr>
-              <a:t>The outer boundary of the polygon is represented by a ring. This ring is a </a:t>
-            </a:r>
-            <a:r>
-              <a:rPr lang="en-US" b="0" i="0" dirty="0" err="1">
-                <a:effectLst/>
-              </a:rPr>
-              <a:t>linestring</a:t>
-            </a:r>
-            <a:r>
-              <a:rPr lang="en-US" b="0" i="0" dirty="0">
-                <a:effectLst/>
-              </a:rPr>
-              <a:t> that is both closed and simple as defined above.</a:t>
-            </a:r>
-          </a:p>
-          <a:p>
-            <a:pPr algn="l">
-              <a:buFont typeface="Arial" panose="020B0604020202020204" pitchFamily="34" charset="0"/>
-              <a:buChar char="•"/>
-            </a:pPr>
-            <a:r>
-              <a:rPr lang="en-US" b="0" i="0" dirty="0">
-                <a:effectLst/>
-              </a:rPr>
-              <a:t>Holes within the polygon are also represented by rings.</a:t>
-            </a:r>
-          </a:p>
-          <a:p>
-            <a:endParaRPr lang="en-US" dirty="0"/>
-          </a:p>
-        </p:txBody>
-      </p:sp>
-      <p:sp>
-        <p:nvSpPr>
-          <p:cNvPr id="4" name="Title 1">
-            <a:extLst>
-              <a:ext uri="{FF2B5EF4-FFF2-40B4-BE49-F238E27FC236}">
-                <a16:creationId xmlns:a16="http://schemas.microsoft.com/office/drawing/2014/main" id="{9118EF23-9E9C-813B-7C15-6D27DB612237}"/>
-              </a:ext>
-            </a:extLst>
-          </p:cNvPr>
-          <p:cNvSpPr>
-            <a:spLocks noGrp="1"/>
-          </p:cNvSpPr>
-          <p:nvPr>
-            <p:ph type="title"/>
-          </p:nvPr>
-        </p:nvSpPr>
-        <p:spPr>
-          <a:xfrm>
-            <a:off x="581024" y="729107"/>
-            <a:ext cx="11029950" cy="587629"/>
-          </a:xfrm>
-        </p:spPr>
-        <p:txBody>
-          <a:bodyPr/>
-          <a:lstStyle/>
-          <a:p>
-            <a:r>
-              <a:rPr lang="en-US" sz="2800" dirty="0"/>
-              <a:t>Subtype of geometry - </a:t>
-            </a:r>
-            <a:r>
-              <a:rPr lang="en-US" sz="2800" dirty="0" err="1"/>
-              <a:t>multi</a:t>
-            </a:r>
-            <a:r>
-              <a:rPr lang="en-US" altLang="zh-CN" sz="2800" dirty="0" err="1"/>
-              <a:t>polygons</a:t>
-            </a:r>
-            <a:endParaRPr lang="en-US" dirty="0"/>
-          </a:p>
-        </p:txBody>
-      </p:sp>
-      <p:pic>
-        <p:nvPicPr>
-          <p:cNvPr id="6" name="Picture 5">
-            <a:extLst>
-              <a:ext uri="{FF2B5EF4-FFF2-40B4-BE49-F238E27FC236}">
-                <a16:creationId xmlns:a16="http://schemas.microsoft.com/office/drawing/2014/main" id="{4CE83509-1304-743B-A4E6-AD266A4137F3}"/>
-              </a:ext>
-            </a:extLst>
-          </p:cNvPr>
-          <p:cNvPicPr>
-            <a:picLocks noChangeAspect="1"/>
-          </p:cNvPicPr>
-          <p:nvPr/>
-        </p:nvPicPr>
-        <p:blipFill>
-          <a:blip r:embed="rId2"/>
-          <a:stretch>
-            <a:fillRect/>
-          </a:stretch>
-        </p:blipFill>
-        <p:spPr>
-          <a:xfrm>
-            <a:off x="4195561" y="4026770"/>
-            <a:ext cx="5133975" cy="2476500"/>
-          </a:xfrm>
-          <a:prstGeom prst="rect">
-            <a:avLst/>
-          </a:prstGeom>
-        </p:spPr>
-      </p:pic>
-    </p:spTree>
-    <p:extLst>
-      <p:ext uri="{BB962C8B-B14F-4D97-AF65-F5344CB8AC3E}">
-        <p14:creationId xmlns:p14="http://schemas.microsoft.com/office/powerpoint/2010/main" val="2366376231"/>
       </p:ext>
     </p:extLst>
   </p:cSld>
@@ -12776,6 +13195,490 @@
 <file path=ppt/slides/slide20.xml><?xml version="1.0" encoding="utf-8"?>
 <p:sld xmlns:a="http://schemas.openxmlformats.org/drawingml/2006/main" xmlns:r="http://schemas.openxmlformats.org/officeDocument/2006/relationships" xmlns:p="http://schemas.openxmlformats.org/presentationml/2006/main">
   <p:cSld>
+    <p:spTree>
+      <p:nvGrpSpPr>
+        <p:cNvPr id="1" name=""/>
+        <p:cNvGrpSpPr/>
+        <p:nvPr/>
+      </p:nvGrpSpPr>
+      <p:grpSpPr>
+        <a:xfrm>
+          <a:off x="0" y="0"/>
+          <a:ext cx="0" cy="0"/>
+          <a:chOff x="0" y="0"/>
+          <a:chExt cx="0" cy="0"/>
+        </a:xfrm>
+      </p:grpSpPr>
+      <p:sp>
+        <p:nvSpPr>
+          <p:cNvPr id="2" name="Title 1">
+            <a:extLst>
+              <a:ext uri="{FF2B5EF4-FFF2-40B4-BE49-F238E27FC236}">
+                <a16:creationId xmlns:a16="http://schemas.microsoft.com/office/drawing/2014/main" id="{B0632F98-3187-25D1-6E2D-44766D07545C}"/>
+              </a:ext>
+            </a:extLst>
+          </p:cNvPr>
+          <p:cNvSpPr>
+            <a:spLocks noGrp="1"/>
+          </p:cNvSpPr>
+          <p:nvPr>
+            <p:ph type="title"/>
+          </p:nvPr>
+        </p:nvSpPr>
+        <p:spPr>
+          <a:xfrm>
+            <a:off x="581192" y="702156"/>
+            <a:ext cx="11029616" cy="559716"/>
+          </a:xfrm>
+        </p:spPr>
+        <p:txBody>
+          <a:bodyPr/>
+          <a:lstStyle/>
+          <a:p>
+            <a:r>
+              <a:rPr lang="en-US" sz="2800" dirty="0"/>
+              <a:t>Subtype of geometry - </a:t>
+            </a:r>
+            <a:r>
+              <a:rPr lang="en-US" altLang="zh-CN" sz="2800" dirty="0"/>
+              <a:t>polygons</a:t>
+            </a:r>
+            <a:endParaRPr lang="en-US" dirty="0"/>
+          </a:p>
+        </p:txBody>
+      </p:sp>
+      <p:sp>
+        <p:nvSpPr>
+          <p:cNvPr id="3" name="Content Placeholder 2">
+            <a:extLst>
+              <a:ext uri="{FF2B5EF4-FFF2-40B4-BE49-F238E27FC236}">
+                <a16:creationId xmlns:a16="http://schemas.microsoft.com/office/drawing/2014/main" id="{86B72102-265E-29CD-C357-3EEAE7AE1051}"/>
+              </a:ext>
+            </a:extLst>
+          </p:cNvPr>
+          <p:cNvSpPr>
+            <a:spLocks noGrp="1"/>
+          </p:cNvSpPr>
+          <p:nvPr>
+            <p:ph idx="1"/>
+          </p:nvPr>
+        </p:nvSpPr>
+        <p:spPr>
+          <a:xfrm>
+            <a:off x="581193" y="1440173"/>
+            <a:ext cx="11029615" cy="909106"/>
+          </a:xfrm>
+        </p:spPr>
+        <p:txBody>
+          <a:bodyPr>
+            <a:normAutofit/>
+          </a:bodyPr>
+          <a:lstStyle/>
+          <a:p>
+            <a:r>
+              <a:rPr lang="en-US" sz="1800" b="0" i="0" u="none" strike="noStrike" baseline="0" dirty="0">
+                <a:solidFill>
+                  <a:srgbClr val="262626"/>
+                </a:solidFill>
+                <a:latin typeface="NewBaskerville-Roman"/>
+              </a:rPr>
+              <a:t>Closed </a:t>
+            </a:r>
+            <a:r>
+              <a:rPr lang="en-US" sz="1800" b="0" i="0" u="none" strike="noStrike" baseline="0" dirty="0" err="1">
+                <a:solidFill>
+                  <a:srgbClr val="262626"/>
+                </a:solidFill>
+                <a:latin typeface="NewBaskerville-Roman"/>
+              </a:rPr>
+              <a:t>linestrings</a:t>
+            </a:r>
+            <a:r>
+              <a:rPr lang="en-US" sz="1800" b="0" i="0" u="none" strike="noStrike" baseline="0" dirty="0">
+                <a:solidFill>
+                  <a:srgbClr val="262626"/>
+                </a:solidFill>
+                <a:latin typeface="NewBaskerville-Roman"/>
+              </a:rPr>
+              <a:t> are the building blocks of polygons.</a:t>
+            </a:r>
+          </a:p>
+          <a:p>
+            <a:r>
+              <a:rPr lang="en-US" dirty="0"/>
+              <a:t>Polygon: Composed of one outer linear ring and optionally one or more inner rings.</a:t>
+            </a:r>
+          </a:p>
+        </p:txBody>
+      </p:sp>
+      <p:sp>
+        <p:nvSpPr>
+          <p:cNvPr id="4" name="Title 1">
+            <a:extLst>
+              <a:ext uri="{FF2B5EF4-FFF2-40B4-BE49-F238E27FC236}">
+                <a16:creationId xmlns:a16="http://schemas.microsoft.com/office/drawing/2014/main" id="{A0265CB1-8B15-5795-8008-851D812FB684}"/>
+              </a:ext>
+            </a:extLst>
+          </p:cNvPr>
+          <p:cNvSpPr txBox="1">
+            <a:spLocks/>
+          </p:cNvSpPr>
+          <p:nvPr/>
+        </p:nvSpPr>
+        <p:spPr>
+          <a:xfrm>
+            <a:off x="581192" y="702156"/>
+            <a:ext cx="11029616" cy="495708"/>
+          </a:xfrm>
+          <a:prstGeom prst="rect">
+            <a:avLst/>
+          </a:prstGeom>
+        </p:spPr>
+        <p:txBody>
+          <a:bodyPr vert="horz" lIns="91440" tIns="45720" rIns="91440" bIns="45720" rtlCol="0" anchor="b">
+            <a:normAutofit lnSpcReduction="10000"/>
+          </a:bodyPr>
+          <a:lstStyle>
+            <a:lvl1pPr algn="l" defTabSz="457200" rtl="0" eaLnBrk="1" latinLnBrk="0" hangingPunct="1">
+              <a:lnSpc>
+                <a:spcPct val="100000"/>
+              </a:lnSpc>
+              <a:spcBef>
+                <a:spcPct val="0"/>
+              </a:spcBef>
+              <a:buNone/>
+              <a:defRPr sz="2800" b="0" kern="1200" cap="all">
+                <a:solidFill>
+                  <a:schemeClr val="tx1">
+                    <a:lumMod val="75000"/>
+                    <a:lumOff val="25000"/>
+                  </a:schemeClr>
+                </a:solidFill>
+                <a:latin typeface="+mj-lt"/>
+                <a:ea typeface="+mj-ea"/>
+                <a:cs typeface="+mj-cs"/>
+              </a:defRPr>
+            </a:lvl1pPr>
+            <a:lvl2pPr eaLnBrk="1" hangingPunct="1">
+              <a:defRPr>
+                <a:solidFill>
+                  <a:schemeClr val="tx2"/>
+                </a:solidFill>
+              </a:defRPr>
+            </a:lvl2pPr>
+            <a:lvl3pPr eaLnBrk="1" hangingPunct="1">
+              <a:defRPr>
+                <a:solidFill>
+                  <a:schemeClr val="tx2"/>
+                </a:solidFill>
+              </a:defRPr>
+            </a:lvl3pPr>
+            <a:lvl4pPr eaLnBrk="1" hangingPunct="1">
+              <a:defRPr>
+                <a:solidFill>
+                  <a:schemeClr val="tx2"/>
+                </a:solidFill>
+              </a:defRPr>
+            </a:lvl4pPr>
+            <a:lvl5pPr eaLnBrk="1" hangingPunct="1">
+              <a:defRPr>
+                <a:solidFill>
+                  <a:schemeClr val="tx2"/>
+                </a:solidFill>
+              </a:defRPr>
+            </a:lvl5pPr>
+            <a:lvl6pPr eaLnBrk="1" hangingPunct="1">
+              <a:defRPr>
+                <a:solidFill>
+                  <a:schemeClr val="tx2"/>
+                </a:solidFill>
+              </a:defRPr>
+            </a:lvl6pPr>
+            <a:lvl7pPr eaLnBrk="1" hangingPunct="1">
+              <a:defRPr>
+                <a:solidFill>
+                  <a:schemeClr val="tx2"/>
+                </a:solidFill>
+              </a:defRPr>
+            </a:lvl7pPr>
+            <a:lvl8pPr eaLnBrk="1" hangingPunct="1">
+              <a:defRPr>
+                <a:solidFill>
+                  <a:schemeClr val="tx2"/>
+                </a:solidFill>
+              </a:defRPr>
+            </a:lvl8pPr>
+            <a:lvl9pPr eaLnBrk="1" hangingPunct="1">
+              <a:defRPr>
+                <a:solidFill>
+                  <a:schemeClr val="tx2"/>
+                </a:solidFill>
+              </a:defRPr>
+            </a:lvl9pPr>
+          </a:lstStyle>
+          <a:p>
+            <a:endParaRPr lang="en-US" dirty="0"/>
+          </a:p>
+        </p:txBody>
+      </p:sp>
+      <p:pic>
+        <p:nvPicPr>
+          <p:cNvPr id="6" name="Picture 5">
+            <a:extLst>
+              <a:ext uri="{FF2B5EF4-FFF2-40B4-BE49-F238E27FC236}">
+                <a16:creationId xmlns:a16="http://schemas.microsoft.com/office/drawing/2014/main" id="{15C0E9F7-70DE-0FC5-91E3-3AF6AA54BBA8}"/>
+              </a:ext>
+            </a:extLst>
+          </p:cNvPr>
+          <p:cNvPicPr>
+            <a:picLocks noChangeAspect="1"/>
+          </p:cNvPicPr>
+          <p:nvPr/>
+        </p:nvPicPr>
+        <p:blipFill>
+          <a:blip r:embed="rId2"/>
+          <a:stretch>
+            <a:fillRect/>
+          </a:stretch>
+        </p:blipFill>
+        <p:spPr>
+          <a:xfrm>
+            <a:off x="1547263" y="2679192"/>
+            <a:ext cx="3867150" cy="3352800"/>
+          </a:xfrm>
+          <a:prstGeom prst="rect">
+            <a:avLst/>
+          </a:prstGeom>
+        </p:spPr>
+      </p:pic>
+      <p:pic>
+        <p:nvPicPr>
+          <p:cNvPr id="8" name="Picture 7">
+            <a:extLst>
+              <a:ext uri="{FF2B5EF4-FFF2-40B4-BE49-F238E27FC236}">
+                <a16:creationId xmlns:a16="http://schemas.microsoft.com/office/drawing/2014/main" id="{D95D3FE5-6529-DA3D-679B-6DE30596543A}"/>
+              </a:ext>
+            </a:extLst>
+          </p:cNvPr>
+          <p:cNvPicPr>
+            <a:picLocks noChangeAspect="1"/>
+          </p:cNvPicPr>
+          <p:nvPr/>
+        </p:nvPicPr>
+        <p:blipFill>
+          <a:blip r:embed="rId3"/>
+          <a:stretch>
+            <a:fillRect/>
+          </a:stretch>
+        </p:blipFill>
+        <p:spPr>
+          <a:xfrm>
+            <a:off x="7310589" y="2679192"/>
+            <a:ext cx="2809875" cy="3600450"/>
+          </a:xfrm>
+          <a:prstGeom prst="rect">
+            <a:avLst/>
+          </a:prstGeom>
+        </p:spPr>
+      </p:pic>
+    </p:spTree>
+    <p:extLst>
+      <p:ext uri="{BB962C8B-B14F-4D97-AF65-F5344CB8AC3E}">
+        <p14:creationId xmlns:p14="http://schemas.microsoft.com/office/powerpoint/2010/main" val="623793246"/>
+      </p:ext>
+    </p:extLst>
+  </p:cSld>
+  <p:clrMapOvr>
+    <a:masterClrMapping/>
+  </p:clrMapOvr>
+</p:sld>
+</file>
+
+<file path=ppt/slides/slide21.xml><?xml version="1.0" encoding="utf-8"?>
+<p:sld xmlns:a="http://schemas.openxmlformats.org/drawingml/2006/main" xmlns:r="http://schemas.openxmlformats.org/officeDocument/2006/relationships" xmlns:p="http://schemas.openxmlformats.org/presentationml/2006/main">
+  <p:cSld>
+    <p:spTree>
+      <p:nvGrpSpPr>
+        <p:cNvPr id="1" name=""/>
+        <p:cNvGrpSpPr/>
+        <p:nvPr/>
+      </p:nvGrpSpPr>
+      <p:grpSpPr>
+        <a:xfrm>
+          <a:off x="0" y="0"/>
+          <a:ext cx="0" cy="0"/>
+          <a:chOff x="0" y="0"/>
+          <a:chExt cx="0" cy="0"/>
+        </a:xfrm>
+      </p:grpSpPr>
+      <p:sp>
+        <p:nvSpPr>
+          <p:cNvPr id="3" name="Content Placeholder 2">
+            <a:extLst>
+              <a:ext uri="{FF2B5EF4-FFF2-40B4-BE49-F238E27FC236}">
+                <a16:creationId xmlns:a16="http://schemas.microsoft.com/office/drawing/2014/main" id="{FD830F95-21F8-6837-F164-ED61B07F83D8}"/>
+              </a:ext>
+            </a:extLst>
+          </p:cNvPr>
+          <p:cNvSpPr>
+            <a:spLocks noGrp="1"/>
+          </p:cNvSpPr>
+          <p:nvPr>
+            <p:ph idx="1"/>
+          </p:nvPr>
+        </p:nvSpPr>
+        <p:spPr>
+          <a:xfrm>
+            <a:off x="581024" y="1567034"/>
+            <a:ext cx="11029615" cy="2011680"/>
+          </a:xfrm>
+        </p:spPr>
+        <p:txBody>
+          <a:bodyPr>
+            <a:normAutofit/>
+          </a:bodyPr>
+          <a:lstStyle/>
+          <a:p>
+            <a:pPr algn="l">
+              <a:buFont typeface="Arial" panose="020B0604020202020204" pitchFamily="34" charset="0"/>
+              <a:buChar char="•"/>
+            </a:pPr>
+            <a:r>
+              <a:rPr lang="en-US" b="0" i="0" dirty="0">
+                <a:effectLst/>
+              </a:rPr>
+              <a:t>A polygon is a representation of an area.</a:t>
+            </a:r>
+          </a:p>
+          <a:p>
+            <a:pPr algn="l">
+              <a:buFont typeface="Arial" panose="020B0604020202020204" pitchFamily="34" charset="0"/>
+              <a:buChar char="•"/>
+            </a:pPr>
+            <a:r>
+              <a:rPr lang="en-US" b="0" i="0" dirty="0">
+                <a:effectLst/>
+              </a:rPr>
+              <a:t>The outer boundary of the polygon is represented by a ring. This ring is a </a:t>
+            </a:r>
+            <a:r>
+              <a:rPr lang="en-US" b="0" i="0" dirty="0" err="1">
+                <a:effectLst/>
+              </a:rPr>
+              <a:t>linestring</a:t>
+            </a:r>
+            <a:r>
+              <a:rPr lang="en-US" b="0" i="0" dirty="0">
+                <a:effectLst/>
+              </a:rPr>
+              <a:t> that is both closed and simple as defined above.</a:t>
+            </a:r>
+          </a:p>
+          <a:p>
+            <a:pPr algn="l">
+              <a:buFont typeface="Arial" panose="020B0604020202020204" pitchFamily="34" charset="0"/>
+              <a:buChar char="•"/>
+            </a:pPr>
+            <a:r>
+              <a:rPr lang="en-US" b="0" i="0" dirty="0">
+                <a:effectLst/>
+              </a:rPr>
+              <a:t>Holes within the polygon are also represented by rings.</a:t>
+            </a:r>
+          </a:p>
+          <a:p>
+            <a:endParaRPr lang="en-US" dirty="0"/>
+          </a:p>
+        </p:txBody>
+      </p:sp>
+      <p:sp>
+        <p:nvSpPr>
+          <p:cNvPr id="4" name="Title 1">
+            <a:extLst>
+              <a:ext uri="{FF2B5EF4-FFF2-40B4-BE49-F238E27FC236}">
+                <a16:creationId xmlns:a16="http://schemas.microsoft.com/office/drawing/2014/main" id="{9118EF23-9E9C-813B-7C15-6D27DB612237}"/>
+              </a:ext>
+            </a:extLst>
+          </p:cNvPr>
+          <p:cNvSpPr>
+            <a:spLocks noGrp="1"/>
+          </p:cNvSpPr>
+          <p:nvPr>
+            <p:ph type="title"/>
+          </p:nvPr>
+        </p:nvSpPr>
+        <p:spPr>
+          <a:xfrm>
+            <a:off x="581024" y="729107"/>
+            <a:ext cx="11029950" cy="587629"/>
+          </a:xfrm>
+        </p:spPr>
+        <p:txBody>
+          <a:bodyPr/>
+          <a:lstStyle/>
+          <a:p>
+            <a:r>
+              <a:rPr lang="en-US" sz="2800" dirty="0"/>
+              <a:t>Subtype of geometry - </a:t>
+            </a:r>
+            <a:r>
+              <a:rPr lang="en-US" sz="2800" dirty="0" err="1"/>
+              <a:t>multi</a:t>
+            </a:r>
+            <a:r>
+              <a:rPr lang="en-US" altLang="zh-CN" sz="2800" dirty="0" err="1"/>
+              <a:t>polygons</a:t>
+            </a:r>
+            <a:endParaRPr lang="en-US" dirty="0"/>
+          </a:p>
+        </p:txBody>
+      </p:sp>
+      <p:pic>
+        <p:nvPicPr>
+          <p:cNvPr id="6" name="Picture 5">
+            <a:extLst>
+              <a:ext uri="{FF2B5EF4-FFF2-40B4-BE49-F238E27FC236}">
+                <a16:creationId xmlns:a16="http://schemas.microsoft.com/office/drawing/2014/main" id="{4CE83509-1304-743B-A4E6-AD266A4137F3}"/>
+              </a:ext>
+            </a:extLst>
+          </p:cNvPr>
+          <p:cNvPicPr>
+            <a:picLocks noChangeAspect="1"/>
+          </p:cNvPicPr>
+          <p:nvPr/>
+        </p:nvPicPr>
+        <p:blipFill>
+          <a:blip r:embed="rId2"/>
+          <a:stretch>
+            <a:fillRect/>
+          </a:stretch>
+        </p:blipFill>
+        <p:spPr>
+          <a:xfrm>
+            <a:off x="4195561" y="4026770"/>
+            <a:ext cx="5133975" cy="2476500"/>
+          </a:xfrm>
+          <a:prstGeom prst="rect">
+            <a:avLst/>
+          </a:prstGeom>
+        </p:spPr>
+      </p:pic>
+    </p:spTree>
+    <p:extLst>
+      <p:ext uri="{BB962C8B-B14F-4D97-AF65-F5344CB8AC3E}">
+        <p14:creationId xmlns:p14="http://schemas.microsoft.com/office/powerpoint/2010/main" val="2366376231"/>
+      </p:ext>
+    </p:extLst>
+  </p:cSld>
+  <p:clrMapOvr>
+    <a:masterClrMapping/>
+  </p:clrMapOvr>
+</p:sld>
+</file>
+
+<file path=ppt/slides/slide22.xml><?xml version="1.0" encoding="utf-8"?>
+<p:sld xmlns:a="http://schemas.openxmlformats.org/drawingml/2006/main" xmlns:r="http://schemas.openxmlformats.org/officeDocument/2006/relationships" xmlns:p="http://schemas.openxmlformats.org/presentationml/2006/main">
+  <p:cSld>
     <p:bg>
       <p:bgPr>
         <a:solidFill>
@@ -12812,7 +13715,7 @@
                 <a16:creationId xmlns:a16="http://schemas.microsoft.com/office/drawing/2014/main" id="{B6B833B7-B3EA-7046-F47B-EA56E4B84304}"/>
               </a:ext>
               <a:ext uri="{C183D7F6-B498-43B3-948B-1728B52AA6E4}">
-                <adec:decorative xmlns:adec="http://schemas.microsoft.com/office/drawing/2017/decorative" xmlns="" val="1"/>
+                <adec:decorative xmlns="" xmlns:adec="http://schemas.microsoft.com/office/drawing/2017/decorative" val="1"/>
               </a:ext>
             </a:extLst>
           </p:cNvPr>
@@ -12903,7 +13806,7 @@
                 <a16:creationId xmlns:a16="http://schemas.microsoft.com/office/drawing/2014/main" id="{74915CDF-C5A2-A8A6-D3E7-7F00C5658FCD}"/>
               </a:ext>
               <a:ext uri="{C183D7F6-B498-43B3-948B-1728B52AA6E4}">
-                <adec:decorative xmlns:adec="http://schemas.microsoft.com/office/drawing/2017/decorative" xmlns="" val="1"/>
+                <adec:decorative xmlns="" xmlns:adec="http://schemas.microsoft.com/office/drawing/2017/decorative" val="1"/>
               </a:ext>
             </a:extLst>
           </p:cNvPr>
@@ -12994,7 +13897,7 @@
                 <a16:creationId xmlns:a16="http://schemas.microsoft.com/office/drawing/2014/main" id="{BB2BD2D1-865F-BF2F-3F19-51C379EA80ED}"/>
               </a:ext>
               <a:ext uri="{C183D7F6-B498-43B3-948B-1728B52AA6E4}">
-                <adec:decorative xmlns:adec="http://schemas.microsoft.com/office/drawing/2017/decorative" xmlns="" val="1"/>
+                <adec:decorative xmlns="" xmlns:adec="http://schemas.microsoft.com/office/drawing/2017/decorative" val="1"/>
               </a:ext>
             </a:extLst>
           </p:cNvPr>
@@ -13085,7 +13988,7 @@
                 <a16:creationId xmlns:a16="http://schemas.microsoft.com/office/drawing/2014/main" id="{F62CE877-8EDE-102F-8EEC-9546D445321E}"/>
               </a:ext>
               <a:ext uri="{C183D7F6-B498-43B3-948B-1728B52AA6E4}">
-                <adec:decorative xmlns:adec="http://schemas.microsoft.com/office/drawing/2017/decorative" xmlns="" val="1"/>
+                <adec:decorative xmlns="" xmlns:adec="http://schemas.microsoft.com/office/drawing/2017/decorative" val="1"/>
               </a:ext>
             </a:extLst>
           </p:cNvPr>
@@ -13176,7 +14079,7 @@
                 <a16:creationId xmlns:a16="http://schemas.microsoft.com/office/drawing/2014/main" id="{F8E39800-35B7-C5F0-5B28-6ED5FB4BB641}"/>
               </a:ext>
               <a:ext uri="{C183D7F6-B498-43B3-948B-1728B52AA6E4}">
-                <adec:decorative xmlns:adec="http://schemas.microsoft.com/office/drawing/2017/decorative" xmlns="" val="1"/>
+                <adec:decorative xmlns="" xmlns:adec="http://schemas.microsoft.com/office/drawing/2017/decorative" val="1"/>
               </a:ext>
             </a:extLst>
           </p:cNvPr>
@@ -13265,7 +14168,7 @@
                 <a16:creationId xmlns:a16="http://schemas.microsoft.com/office/drawing/2014/main" id="{666F8E66-932F-646C-82F8-4C26ABD6D659}"/>
               </a:ext>
               <a:ext uri="{C183D7F6-B498-43B3-948B-1728B52AA6E4}">
-                <adec:decorative xmlns:adec="http://schemas.microsoft.com/office/drawing/2017/decorative" xmlns="" val="1"/>
+                <adec:decorative xmlns="" xmlns:adec="http://schemas.microsoft.com/office/drawing/2017/decorative" val="1"/>
               </a:ext>
             </a:extLst>
           </p:cNvPr>
@@ -13356,7 +14259,7 @@
                 <a16:creationId xmlns:a16="http://schemas.microsoft.com/office/drawing/2014/main" id="{6B469577-A78D-8617-5ECA-B1A6D7387C1E}"/>
               </a:ext>
               <a:ext uri="{C183D7F6-B498-43B3-948B-1728B52AA6E4}">
-                <adec:decorative xmlns:adec="http://schemas.microsoft.com/office/drawing/2017/decorative" xmlns="" val="1"/>
+                <adec:decorative xmlns="" xmlns:adec="http://schemas.microsoft.com/office/drawing/2017/decorative" val="1"/>
               </a:ext>
             </a:extLst>
           </p:cNvPr>
@@ -13489,7 +14392,7 @@
                 <a16:creationId xmlns:a16="http://schemas.microsoft.com/office/drawing/2014/main" id="{6002C366-4DD2-C22C-8F49-CB348DC7F9BA}"/>
               </a:ext>
               <a:ext uri="{C183D7F6-B498-43B3-948B-1728B52AA6E4}">
-                <adec:decorative xmlns:adec="http://schemas.microsoft.com/office/drawing/2017/decorative" xmlns="" val="1"/>
+                <adec:decorative xmlns="" xmlns:adec="http://schemas.microsoft.com/office/drawing/2017/decorative" val="1"/>
               </a:ext>
             </a:extLst>
           </p:cNvPr>
@@ -13679,7 +14582,7 @@
 </p:sld>
 </file>
 
-<file path=ppt/slides/slide21.xml><?xml version="1.0" encoding="utf-8"?>
+<file path=ppt/slides/slide23.xml><?xml version="1.0" encoding="utf-8"?>
 <p:sld xmlns:a="http://schemas.openxmlformats.org/drawingml/2006/main" xmlns:r="http://schemas.openxmlformats.org/officeDocument/2006/relationships" xmlns:p="http://schemas.openxmlformats.org/presentationml/2006/main">
   <p:cSld>
     <p:spTree>
@@ -13833,7 +14736,7 @@
 </p:sld>
 </file>
 
-<file path=ppt/slides/slide22.xml><?xml version="1.0" encoding="utf-8"?>
+<file path=ppt/slides/slide24.xml><?xml version="1.0" encoding="utf-8"?>
 <p:sld xmlns:a="http://schemas.openxmlformats.org/drawingml/2006/main" xmlns:r="http://schemas.openxmlformats.org/officeDocument/2006/relationships" xmlns:p="http://schemas.openxmlformats.org/presentationml/2006/main">
   <p:cSld>
     <p:spTree>
@@ -14181,7 +15084,7 @@
 </p:sld>
 </file>
 
-<file path=ppt/slides/slide23.xml><?xml version="1.0" encoding="utf-8"?>
+<file path=ppt/slides/slide25.xml><?xml version="1.0" encoding="utf-8"?>
 <p:sld xmlns:a="http://schemas.openxmlformats.org/drawingml/2006/main" xmlns:r="http://schemas.openxmlformats.org/officeDocument/2006/relationships" xmlns:p="http://schemas.openxmlformats.org/presentationml/2006/main">
   <p:cSld>
     <p:bg>
@@ -14220,7 +15123,7 @@
                 <a16:creationId xmlns:a16="http://schemas.microsoft.com/office/drawing/2014/main" id="{F517D4F9-38C0-D3C7-2B05-1A68DCA7263B}"/>
               </a:ext>
               <a:ext uri="{C183D7F6-B498-43B3-948B-1728B52AA6E4}">
-                <adec:decorative xmlns:adec="http://schemas.microsoft.com/office/drawing/2017/decorative" xmlns="" val="1"/>
+                <adec:decorative xmlns="" xmlns:adec="http://schemas.microsoft.com/office/drawing/2017/decorative" val="1"/>
               </a:ext>
             </a:extLst>
           </p:cNvPr>
@@ -14311,7 +15214,7 @@
                 <a16:creationId xmlns:a16="http://schemas.microsoft.com/office/drawing/2014/main" id="{90E2E811-7294-0B66-5557-8DC77BA37040}"/>
               </a:ext>
               <a:ext uri="{C183D7F6-B498-43B3-948B-1728B52AA6E4}">
-                <adec:decorative xmlns:adec="http://schemas.microsoft.com/office/drawing/2017/decorative" xmlns="" val="1"/>
+                <adec:decorative xmlns="" xmlns:adec="http://schemas.microsoft.com/office/drawing/2017/decorative" val="1"/>
               </a:ext>
             </a:extLst>
           </p:cNvPr>
@@ -14402,7 +15305,7 @@
                 <a16:creationId xmlns:a16="http://schemas.microsoft.com/office/drawing/2014/main" id="{17882591-7738-CC74-9B04-9CA92CD6E2CE}"/>
               </a:ext>
               <a:ext uri="{C183D7F6-B498-43B3-948B-1728B52AA6E4}">
-                <adec:decorative xmlns:adec="http://schemas.microsoft.com/office/drawing/2017/decorative" xmlns="" val="1"/>
+                <adec:decorative xmlns="" xmlns:adec="http://schemas.microsoft.com/office/drawing/2017/decorative" val="1"/>
               </a:ext>
             </a:extLst>
           </p:cNvPr>
@@ -14493,7 +15396,7 @@
                 <a16:creationId xmlns:a16="http://schemas.microsoft.com/office/drawing/2014/main" id="{D8FD073B-8242-E5D6-6EA9-92C760D11E66}"/>
               </a:ext>
               <a:ext uri="{C183D7F6-B498-43B3-948B-1728B52AA6E4}">
-                <adec:decorative xmlns:adec="http://schemas.microsoft.com/office/drawing/2017/decorative" xmlns="" val="1"/>
+                <adec:decorative xmlns="" xmlns:adec="http://schemas.microsoft.com/office/drawing/2017/decorative" val="1"/>
               </a:ext>
             </a:extLst>
           </p:cNvPr>
@@ -14584,7 +15487,7 @@
                 <a16:creationId xmlns:a16="http://schemas.microsoft.com/office/drawing/2014/main" id="{D4231A59-742D-BF78-74E6-F2524E0F2D50}"/>
               </a:ext>
               <a:ext uri="{C183D7F6-B498-43B3-948B-1728B52AA6E4}">
-                <adec:decorative xmlns:adec="http://schemas.microsoft.com/office/drawing/2017/decorative" xmlns="" val="1"/>
+                <adec:decorative xmlns="" xmlns:adec="http://schemas.microsoft.com/office/drawing/2017/decorative" val="1"/>
               </a:ext>
             </a:extLst>
           </p:cNvPr>
@@ -14673,7 +15576,7 @@
                 <a16:creationId xmlns:a16="http://schemas.microsoft.com/office/drawing/2014/main" id="{7312409B-5573-B04F-E67C-49EEC869BDD4}"/>
               </a:ext>
               <a:ext uri="{C183D7F6-B498-43B3-948B-1728B52AA6E4}">
-                <adec:decorative xmlns:adec="http://schemas.microsoft.com/office/drawing/2017/decorative" xmlns="" val="1"/>
+                <adec:decorative xmlns="" xmlns:adec="http://schemas.microsoft.com/office/drawing/2017/decorative" val="1"/>
               </a:ext>
             </a:extLst>
           </p:cNvPr>
@@ -14764,7 +15667,7 @@
                 <a16:creationId xmlns:a16="http://schemas.microsoft.com/office/drawing/2014/main" id="{7ABEA68C-E15E-39B1-9912-69FD22114D2F}"/>
               </a:ext>
               <a:ext uri="{C183D7F6-B498-43B3-948B-1728B52AA6E4}">
-                <adec:decorative xmlns:adec="http://schemas.microsoft.com/office/drawing/2017/decorative" xmlns="" val="1"/>
+                <adec:decorative xmlns="" xmlns:adec="http://schemas.microsoft.com/office/drawing/2017/decorative" val="1"/>
               </a:ext>
             </a:extLst>
           </p:cNvPr>
@@ -14897,7 +15800,7 @@
                 <a16:creationId xmlns:a16="http://schemas.microsoft.com/office/drawing/2014/main" id="{F88DFAAC-34CD-0A81-5D67-E0C4FF876737}"/>
               </a:ext>
               <a:ext uri="{C183D7F6-B498-43B3-948B-1728B52AA6E4}">
-                <adec:decorative xmlns:adec="http://schemas.microsoft.com/office/drawing/2017/decorative" xmlns="" val="1"/>
+                <adec:decorative xmlns="" xmlns:adec="http://schemas.microsoft.com/office/drawing/2017/decorative" val="1"/>
               </a:ext>
             </a:extLst>
           </p:cNvPr>
@@ -15087,7 +15990,7 @@
 </p:sld>
 </file>
 
-<file path=ppt/slides/slide24.xml><?xml version="1.0" encoding="utf-8"?>
+<file path=ppt/slides/slide26.xml><?xml version="1.0" encoding="utf-8"?>
 <p:sld xmlns:a="http://schemas.openxmlformats.org/drawingml/2006/main" xmlns:r="http://schemas.openxmlformats.org/officeDocument/2006/relationships" xmlns:p="http://schemas.openxmlformats.org/presentationml/2006/main">
   <p:cSld>
     <p:spTree>
@@ -15292,7 +16195,7 @@
 </p:sld>
 </file>
 
-<file path=ppt/slides/slide25.xml><?xml version="1.0" encoding="utf-8"?>
+<file path=ppt/slides/slide27.xml><?xml version="1.0" encoding="utf-8"?>
 <p:sld xmlns:a="http://schemas.openxmlformats.org/drawingml/2006/main" xmlns:r="http://schemas.openxmlformats.org/officeDocument/2006/relationships" xmlns:p="http://schemas.openxmlformats.org/presentationml/2006/main">
   <p:cSld>
     <p:spTree>
@@ -15445,179 +16348,7 @@
 </p:sld>
 </file>
 
-<file path=ppt/slides/slide26.xml><?xml version="1.0" encoding="utf-8"?>
-<p:sld xmlns:a="http://schemas.openxmlformats.org/drawingml/2006/main" xmlns:r="http://schemas.openxmlformats.org/officeDocument/2006/relationships" xmlns:p="http://schemas.openxmlformats.org/presentationml/2006/main">
-  <p:cSld>
-    <p:spTree>
-      <p:nvGrpSpPr>
-        <p:cNvPr id="1" name=""/>
-        <p:cNvGrpSpPr/>
-        <p:nvPr/>
-      </p:nvGrpSpPr>
-      <p:grpSpPr>
-        <a:xfrm>
-          <a:off x="0" y="0"/>
-          <a:ext cx="0" cy="0"/>
-          <a:chOff x="0" y="0"/>
-          <a:chExt cx="0" cy="0"/>
-        </a:xfrm>
-      </p:grpSpPr>
-      <p:sp>
-        <p:nvSpPr>
-          <p:cNvPr id="2" name="Title 1">
-            <a:extLst>
-              <a:ext uri="{FF2B5EF4-FFF2-40B4-BE49-F238E27FC236}">
-                <a16:creationId xmlns:a16="http://schemas.microsoft.com/office/drawing/2014/main" id="{4956C6B2-B312-F635-AAE7-CA1219AE61B3}"/>
-              </a:ext>
-            </a:extLst>
-          </p:cNvPr>
-          <p:cNvSpPr>
-            <a:spLocks noGrp="1"/>
-          </p:cNvSpPr>
-          <p:nvPr>
-            <p:ph type="title"/>
-          </p:nvPr>
-        </p:nvSpPr>
-        <p:spPr>
-          <a:xfrm>
-            <a:off x="581190" y="559702"/>
-            <a:ext cx="11029616" cy="565965"/>
-          </a:xfrm>
-        </p:spPr>
-        <p:txBody>
-          <a:bodyPr/>
-          <a:lstStyle/>
-          <a:p>
-            <a:r>
-              <a:rPr lang="en-US" dirty="0"/>
-              <a:t>Select function</a:t>
-            </a:r>
-          </a:p>
-        </p:txBody>
-      </p:sp>
-      <p:sp>
-        <p:nvSpPr>
-          <p:cNvPr id="3" name="Content Placeholder 2">
-            <a:extLst>
-              <a:ext uri="{FF2B5EF4-FFF2-40B4-BE49-F238E27FC236}">
-                <a16:creationId xmlns:a16="http://schemas.microsoft.com/office/drawing/2014/main" id="{5A17077E-5B0D-20C1-93DF-1D2B735910BB}"/>
-              </a:ext>
-            </a:extLst>
-          </p:cNvPr>
-          <p:cNvSpPr>
-            <a:spLocks noGrp="1"/>
-          </p:cNvSpPr>
-          <p:nvPr>
-            <p:ph idx="1"/>
-          </p:nvPr>
-        </p:nvSpPr>
-        <p:spPr>
-          <a:xfrm>
-            <a:off x="581191" y="1125667"/>
-            <a:ext cx="11029615" cy="565965"/>
-          </a:xfrm>
-        </p:spPr>
-        <p:txBody>
-          <a:bodyPr/>
-          <a:lstStyle/>
-          <a:p>
-            <a:r>
-              <a:rPr lang="en-US" dirty="0"/>
-              <a:t>SELECT name, </a:t>
-            </a:r>
-            <a:r>
-              <a:rPr lang="en-US" dirty="0" err="1"/>
-              <a:t>ST_AsText</a:t>
-            </a:r>
-            <a:r>
-              <a:rPr lang="en-US" dirty="0"/>
-              <a:t>(</a:t>
-            </a:r>
-            <a:r>
-              <a:rPr lang="en-US" dirty="0" err="1"/>
-              <a:t>geom</a:t>
-            </a:r>
-            <a:r>
-              <a:rPr lang="en-US" dirty="0"/>
-              <a:t>) FROM ch02.campus;</a:t>
-            </a:r>
-          </a:p>
-        </p:txBody>
-      </p:sp>
-      <p:pic>
-        <p:nvPicPr>
-          <p:cNvPr id="5" name="Picture 4">
-            <a:extLst>
-              <a:ext uri="{FF2B5EF4-FFF2-40B4-BE49-F238E27FC236}">
-                <a16:creationId xmlns:a16="http://schemas.microsoft.com/office/drawing/2014/main" id="{55509B2E-2295-B801-8571-4111E7645989}"/>
-              </a:ext>
-            </a:extLst>
-          </p:cNvPr>
-          <p:cNvPicPr>
-            <a:picLocks noChangeAspect="1"/>
-          </p:cNvPicPr>
-          <p:nvPr/>
-        </p:nvPicPr>
-        <p:blipFill>
-          <a:blip r:embed="rId2"/>
-          <a:stretch>
-            <a:fillRect/>
-          </a:stretch>
-        </p:blipFill>
-        <p:spPr>
-          <a:xfrm>
-            <a:off x="3759266" y="1705363"/>
-            <a:ext cx="3771900" cy="3886200"/>
-          </a:xfrm>
-          <a:prstGeom prst="rect">
-            <a:avLst/>
-          </a:prstGeom>
-        </p:spPr>
-      </p:pic>
-      <p:pic>
-        <p:nvPicPr>
-          <p:cNvPr id="7" name="Picture 6">
-            <a:extLst>
-              <a:ext uri="{FF2B5EF4-FFF2-40B4-BE49-F238E27FC236}">
-                <a16:creationId xmlns:a16="http://schemas.microsoft.com/office/drawing/2014/main" id="{5737F907-7625-2F33-44B0-1DC7F830C944}"/>
-              </a:ext>
-            </a:extLst>
-          </p:cNvPr>
-          <p:cNvPicPr>
-            <a:picLocks noChangeAspect="1"/>
-          </p:cNvPicPr>
-          <p:nvPr/>
-        </p:nvPicPr>
-        <p:blipFill>
-          <a:blip r:embed="rId3"/>
-          <a:stretch>
-            <a:fillRect/>
-          </a:stretch>
-        </p:blipFill>
-        <p:spPr>
-          <a:xfrm>
-            <a:off x="972151" y="5804793"/>
-            <a:ext cx="9346131" cy="987010"/>
-          </a:xfrm>
-          <a:prstGeom prst="rect">
-            <a:avLst/>
-          </a:prstGeom>
-        </p:spPr>
-      </p:pic>
-    </p:spTree>
-    <p:extLst>
-      <p:ext uri="{BB962C8B-B14F-4D97-AF65-F5344CB8AC3E}">
-        <p14:creationId xmlns:p14="http://schemas.microsoft.com/office/powerpoint/2010/main" val="220001295"/>
-      </p:ext>
-    </p:extLst>
-  </p:cSld>
-  <p:clrMapOvr>
-    <a:masterClrMapping/>
-  </p:clrMapOvr>
-</p:sld>
-</file>
-
-<file path=ppt/slides/slide27.xml><?xml version="1.0" encoding="utf-8"?>
+<file path=ppt/slides/slide28.xml><?xml version="1.0" encoding="utf-8"?>
 <p:sld xmlns:a="http://schemas.openxmlformats.org/drawingml/2006/main" xmlns:r="http://schemas.openxmlformats.org/officeDocument/2006/relationships" xmlns:p="http://schemas.openxmlformats.org/presentationml/2006/main">
   <p:cSld>
     <p:bg>
@@ -15656,7 +16387,7 @@
                 <a16:creationId xmlns:a16="http://schemas.microsoft.com/office/drawing/2014/main" id="{DCF4EB5C-ED25-4675-8255-2F5B12CFFCF0}"/>
               </a:ext>
               <a:ext uri="{C183D7F6-B498-43B3-948B-1728B52AA6E4}">
-                <adec:decorative xmlns:adec="http://schemas.microsoft.com/office/drawing/2017/decorative" xmlns="" val="1"/>
+                <adec:decorative xmlns="" xmlns:adec="http://schemas.microsoft.com/office/drawing/2017/decorative" val="1"/>
               </a:ext>
             </a:extLst>
           </p:cNvPr>
@@ -15705,7 +16436,37 @@
           <a:bodyPr/>
           <a:lstStyle/>
           <a:p>
-            <a:endParaRPr lang="en-US"/>
+            <a:pPr marL="0" marR="0" lvl="0" indent="0" algn="l" defTabSz="457200" rtl="0" eaLnBrk="1" fontAlgn="auto" latinLnBrk="0" hangingPunct="1">
+              <a:lnSpc>
+                <a:spcPct val="100000"/>
+              </a:lnSpc>
+              <a:spcBef>
+                <a:spcPts val="0"/>
+              </a:spcBef>
+              <a:spcAft>
+                <a:spcPts val="0"/>
+              </a:spcAft>
+              <a:buClrTx/>
+              <a:buSzTx/>
+              <a:buFontTx/>
+              <a:buNone/>
+              <a:tabLst/>
+              <a:defRPr/>
+            </a:pPr>
+            <a:endParaRPr kumimoji="0" lang="en-US" sz="1800" b="0" i="0" u="none" strike="noStrike" kern="1200" cap="none" spc="0" normalizeH="0" baseline="0" noProof="0">
+              <a:ln>
+                <a:noFill/>
+              </a:ln>
+              <a:solidFill>
+                <a:srgbClr val="FFFFFF"/>
+              </a:solidFill>
+              <a:effectLst/>
+              <a:uLnTx/>
+              <a:uFillTx/>
+              <a:latin typeface="Calibri"/>
+              <a:ea typeface="+mn-ea"/>
+              <a:cs typeface="+mn-cs"/>
+            </a:endParaRPr>
           </a:p>
         </p:txBody>
       </p:sp>
@@ -15717,7 +16478,7 @@
                 <a16:creationId xmlns:a16="http://schemas.microsoft.com/office/drawing/2014/main" id="{9514EC6E-A557-42A2-BCDC-3ABFFC5E564D}"/>
               </a:ext>
               <a:ext uri="{C183D7F6-B498-43B3-948B-1728B52AA6E4}">
-                <adec:decorative xmlns:adec="http://schemas.microsoft.com/office/drawing/2017/decorative" xmlns="" val="1"/>
+                <adec:decorative xmlns="" xmlns:adec="http://schemas.microsoft.com/office/drawing/2017/decorative" val="1"/>
               </a:ext>
             </a:extLst>
           </p:cNvPr>
@@ -15766,7 +16527,37 @@
           <a:bodyPr/>
           <a:lstStyle/>
           <a:p>
-            <a:endParaRPr lang="en-US"/>
+            <a:pPr marL="0" marR="0" lvl="0" indent="0" algn="l" defTabSz="457200" rtl="0" eaLnBrk="1" fontAlgn="auto" latinLnBrk="0" hangingPunct="1">
+              <a:lnSpc>
+                <a:spcPct val="100000"/>
+              </a:lnSpc>
+              <a:spcBef>
+                <a:spcPts val="0"/>
+              </a:spcBef>
+              <a:spcAft>
+                <a:spcPts val="0"/>
+              </a:spcAft>
+              <a:buClrTx/>
+              <a:buSzTx/>
+              <a:buFontTx/>
+              <a:buNone/>
+              <a:tabLst/>
+              <a:defRPr/>
+            </a:pPr>
+            <a:endParaRPr kumimoji="0" lang="en-US" sz="1800" b="0" i="0" u="none" strike="noStrike" kern="1200" cap="none" spc="0" normalizeH="0" baseline="0" noProof="0">
+              <a:ln>
+                <a:noFill/>
+              </a:ln>
+              <a:solidFill>
+                <a:srgbClr val="FFFFFF"/>
+              </a:solidFill>
+              <a:effectLst/>
+              <a:uLnTx/>
+              <a:uFillTx/>
+              <a:latin typeface="Calibri"/>
+              <a:ea typeface="+mn-ea"/>
+              <a:cs typeface="+mn-cs"/>
+            </a:endParaRPr>
           </a:p>
         </p:txBody>
       </p:sp>
@@ -15778,7 +16569,7 @@
                 <a16:creationId xmlns:a16="http://schemas.microsoft.com/office/drawing/2014/main" id="{905482C9-EB42-4BFE-95BF-7FD661F07657}"/>
               </a:ext>
               <a:ext uri="{C183D7F6-B498-43B3-948B-1728B52AA6E4}">
-                <adec:decorative xmlns:adec="http://schemas.microsoft.com/office/drawing/2017/decorative" xmlns="" val="1"/>
+                <adec:decorative xmlns="" xmlns:adec="http://schemas.microsoft.com/office/drawing/2017/decorative" val="1"/>
               </a:ext>
             </a:extLst>
           </p:cNvPr>
@@ -15827,7 +16618,37 @@
           <a:bodyPr/>
           <a:lstStyle/>
           <a:p>
-            <a:endParaRPr lang="en-US"/>
+            <a:pPr marL="0" marR="0" lvl="0" indent="0" algn="l" defTabSz="457200" rtl="0" eaLnBrk="1" fontAlgn="auto" latinLnBrk="0" hangingPunct="1">
+              <a:lnSpc>
+                <a:spcPct val="100000"/>
+              </a:lnSpc>
+              <a:spcBef>
+                <a:spcPts val="0"/>
+              </a:spcBef>
+              <a:spcAft>
+                <a:spcPts val="0"/>
+              </a:spcAft>
+              <a:buClrTx/>
+              <a:buSzTx/>
+              <a:buFontTx/>
+              <a:buNone/>
+              <a:tabLst/>
+              <a:defRPr/>
+            </a:pPr>
+            <a:endParaRPr kumimoji="0" lang="en-US" sz="1800" b="0" i="0" u="none" strike="noStrike" kern="1200" cap="none" spc="0" normalizeH="0" baseline="0" noProof="0">
+              <a:ln>
+                <a:noFill/>
+              </a:ln>
+              <a:solidFill>
+                <a:srgbClr val="FFFFFF"/>
+              </a:solidFill>
+              <a:effectLst/>
+              <a:uLnTx/>
+              <a:uFillTx/>
+              <a:latin typeface="Calibri"/>
+              <a:ea typeface="+mn-ea"/>
+              <a:cs typeface="+mn-cs"/>
+            </a:endParaRPr>
           </a:p>
         </p:txBody>
       </p:sp>
@@ -15839,7 +16660,7 @@
                 <a16:creationId xmlns:a16="http://schemas.microsoft.com/office/drawing/2014/main" id="{7539E646-A625-4A26-86ED-BD90EDD329F7}"/>
               </a:ext>
               <a:ext uri="{C183D7F6-B498-43B3-948B-1728B52AA6E4}">
-                <adec:decorative xmlns:adec="http://schemas.microsoft.com/office/drawing/2017/decorative" xmlns="" val="1"/>
+                <adec:decorative xmlns="" xmlns:adec="http://schemas.microsoft.com/office/drawing/2017/decorative" val="1"/>
               </a:ext>
             </a:extLst>
           </p:cNvPr>
@@ -15888,7 +16709,37 @@
           <a:bodyPr/>
           <a:lstStyle/>
           <a:p>
-            <a:endParaRPr lang="en-US"/>
+            <a:pPr marL="0" marR="0" lvl="0" indent="0" algn="l" defTabSz="457200" rtl="0" eaLnBrk="1" fontAlgn="auto" latinLnBrk="0" hangingPunct="1">
+              <a:lnSpc>
+                <a:spcPct val="100000"/>
+              </a:lnSpc>
+              <a:spcBef>
+                <a:spcPts val="0"/>
+              </a:spcBef>
+              <a:spcAft>
+                <a:spcPts val="0"/>
+              </a:spcAft>
+              <a:buClrTx/>
+              <a:buSzTx/>
+              <a:buFontTx/>
+              <a:buNone/>
+              <a:tabLst/>
+              <a:defRPr/>
+            </a:pPr>
+            <a:endParaRPr kumimoji="0" lang="en-US" sz="1800" b="0" i="0" u="none" strike="noStrike" kern="1200" cap="none" spc="0" normalizeH="0" baseline="0" noProof="0">
+              <a:ln>
+                <a:noFill/>
+              </a:ln>
+              <a:solidFill>
+                <a:srgbClr val="FFFFFF"/>
+              </a:solidFill>
+              <a:effectLst/>
+              <a:uLnTx/>
+              <a:uFillTx/>
+              <a:latin typeface="Calibri"/>
+              <a:ea typeface="+mn-ea"/>
+              <a:cs typeface="+mn-cs"/>
+            </a:endParaRPr>
           </a:p>
         </p:txBody>
       </p:sp>
@@ -15900,7 +16751,7 @@
                 <a16:creationId xmlns:a16="http://schemas.microsoft.com/office/drawing/2014/main" id="{39171204-6A50-40E1-B631-84CEDFC9396A}"/>
               </a:ext>
               <a:ext uri="{C183D7F6-B498-43B3-948B-1728B52AA6E4}">
-                <adec:decorative xmlns:adec="http://schemas.microsoft.com/office/drawing/2017/decorative" xmlns="" val="1"/>
+                <adec:decorative xmlns="" xmlns:adec="http://schemas.microsoft.com/office/drawing/2017/decorative" val="1"/>
               </a:ext>
             </a:extLst>
           </p:cNvPr>
@@ -15947,8 +16798,37 @@
           <a:bodyPr rtlCol="0" anchor="ctr"/>
           <a:lstStyle/>
           <a:p>
-            <a:pPr algn="ctr"/>
-            <a:endParaRPr lang="en-US"/>
+            <a:pPr marL="0" marR="0" lvl="0" indent="0" algn="ctr" defTabSz="457200" rtl="0" eaLnBrk="1" fontAlgn="auto" latinLnBrk="0" hangingPunct="1">
+              <a:lnSpc>
+                <a:spcPct val="100000"/>
+              </a:lnSpc>
+              <a:spcBef>
+                <a:spcPts val="0"/>
+              </a:spcBef>
+              <a:spcAft>
+                <a:spcPts val="0"/>
+              </a:spcAft>
+              <a:buClrTx/>
+              <a:buSzTx/>
+              <a:buFontTx/>
+              <a:buNone/>
+              <a:tabLst/>
+              <a:defRPr/>
+            </a:pPr>
+            <a:endParaRPr kumimoji="0" lang="en-US" sz="1800" b="0" i="0" u="none" strike="noStrike" kern="1200" cap="none" spc="0" normalizeH="0" baseline="0" noProof="0">
+              <a:ln>
+                <a:noFill/>
+              </a:ln>
+              <a:solidFill>
+                <a:srgbClr val="FFFFFF"/>
+              </a:solidFill>
+              <a:effectLst/>
+              <a:uLnTx/>
+              <a:uFillTx/>
+              <a:latin typeface="Calibri"/>
+              <a:ea typeface="+mn-ea"/>
+              <a:cs typeface="+mn-cs"/>
+            </a:endParaRPr>
           </a:p>
         </p:txBody>
       </p:sp>
@@ -15960,7 +16840,7 @@
                 <a16:creationId xmlns:a16="http://schemas.microsoft.com/office/drawing/2014/main" id="{06C973F6-5187-412F-AACC-6E3FF8A6A12C}"/>
               </a:ext>
               <a:ext uri="{C183D7F6-B498-43B3-948B-1728B52AA6E4}">
-                <adec:decorative xmlns:adec="http://schemas.microsoft.com/office/drawing/2017/decorative" xmlns="" val="1"/>
+                <adec:decorative xmlns="" xmlns:adec="http://schemas.microsoft.com/office/drawing/2017/decorative" val="1"/>
               </a:ext>
             </a:extLst>
           </p:cNvPr>
@@ -16009,7 +16889,37 @@
           <a:bodyPr/>
           <a:lstStyle/>
           <a:p>
-            <a:endParaRPr lang="en-US"/>
+            <a:pPr marL="0" marR="0" lvl="0" indent="0" algn="l" defTabSz="457200" rtl="0" eaLnBrk="1" fontAlgn="auto" latinLnBrk="0" hangingPunct="1">
+              <a:lnSpc>
+                <a:spcPct val="100000"/>
+              </a:lnSpc>
+              <a:spcBef>
+                <a:spcPts val="0"/>
+              </a:spcBef>
+              <a:spcAft>
+                <a:spcPts val="0"/>
+              </a:spcAft>
+              <a:buClrTx/>
+              <a:buSzTx/>
+              <a:buFontTx/>
+              <a:buNone/>
+              <a:tabLst/>
+              <a:defRPr/>
+            </a:pPr>
+            <a:endParaRPr kumimoji="0" lang="en-US" sz="1800" b="0" i="0" u="none" strike="noStrike" kern="1200" cap="none" spc="0" normalizeH="0" baseline="0" noProof="0">
+              <a:ln>
+                <a:noFill/>
+              </a:ln>
+              <a:solidFill>
+                <a:srgbClr val="FFFFFF"/>
+              </a:solidFill>
+              <a:effectLst/>
+              <a:uLnTx/>
+              <a:uFillTx/>
+              <a:latin typeface="Calibri"/>
+              <a:ea typeface="+mn-ea"/>
+              <a:cs typeface="+mn-cs"/>
+            </a:endParaRPr>
           </a:p>
         </p:txBody>
       </p:sp>
@@ -16021,7 +16931,7 @@
                 <a16:creationId xmlns:a16="http://schemas.microsoft.com/office/drawing/2014/main" id="{D11AE14F-1B7E-41E6-B579-2F71D135036C}"/>
               </a:ext>
               <a:ext uri="{C183D7F6-B498-43B3-948B-1728B52AA6E4}">
-                <adec:decorative xmlns:adec="http://schemas.microsoft.com/office/drawing/2017/decorative" xmlns="" val="1"/>
+                <adec:decorative xmlns="" xmlns:adec="http://schemas.microsoft.com/office/drawing/2017/decorative" val="1"/>
               </a:ext>
             </a:extLst>
           </p:cNvPr>
@@ -16070,7 +16980,37 @@
           <a:bodyPr/>
           <a:lstStyle/>
           <a:p>
-            <a:endParaRPr lang="en-US"/>
+            <a:pPr marL="0" marR="0" lvl="0" indent="0" algn="l" defTabSz="457200" rtl="0" eaLnBrk="1" fontAlgn="auto" latinLnBrk="0" hangingPunct="1">
+              <a:lnSpc>
+                <a:spcPct val="100000"/>
+              </a:lnSpc>
+              <a:spcBef>
+                <a:spcPts val="0"/>
+              </a:spcBef>
+              <a:spcAft>
+                <a:spcPts val="0"/>
+              </a:spcAft>
+              <a:buClrTx/>
+              <a:buSzTx/>
+              <a:buFontTx/>
+              <a:buNone/>
+              <a:tabLst/>
+              <a:defRPr/>
+            </a:pPr>
+            <a:endParaRPr kumimoji="0" lang="en-US" sz="1800" b="0" i="0" u="none" strike="noStrike" kern="1200" cap="none" spc="0" normalizeH="0" baseline="0" noProof="0">
+              <a:ln>
+                <a:noFill/>
+              </a:ln>
+              <a:solidFill>
+                <a:srgbClr val="FFFFFF"/>
+              </a:solidFill>
+              <a:effectLst/>
+              <a:uLnTx/>
+              <a:uFillTx/>
+              <a:latin typeface="Calibri"/>
+              <a:ea typeface="+mn-ea"/>
+              <a:cs typeface="+mn-cs"/>
+            </a:endParaRPr>
           </a:p>
         </p:txBody>
       </p:sp>
@@ -16103,7 +17043,7 @@
           <a:lstStyle/>
           <a:p>
             <a:r>
-              <a:rPr lang="en-US" sz="6000" b="0" kern="1200" cap="all" dirty="0">
+              <a:rPr lang="en-US" sz="6000" b="0" kern="1200" cap="all" dirty="0" smtClean="0">
                 <a:solidFill>
                   <a:srgbClr val="FFFFFF"/>
                 </a:solidFill>
@@ -16111,8 +17051,16 @@
                 <a:ea typeface="+mj-ea"/>
                 <a:cs typeface="+mj-cs"/>
               </a:rPr>
-              <a:t>2.1.2 GEOGRAPHY</a:t>
-            </a:r>
+              <a:t>2.1.2.1 Function for points</a:t>
+            </a:r>
+            <a:endParaRPr lang="en-US" sz="6000" b="0" kern="1200" cap="all" dirty="0">
+              <a:solidFill>
+                <a:srgbClr val="FFFFFF"/>
+              </a:solidFill>
+              <a:latin typeface="+mj-lt"/>
+              <a:ea typeface="+mj-ea"/>
+              <a:cs typeface="+mj-cs"/>
+            </a:endParaRPr>
           </a:p>
         </p:txBody>
       </p:sp>
@@ -16124,7 +17072,7 @@
                 <a16:creationId xmlns:a16="http://schemas.microsoft.com/office/drawing/2014/main" id="{752BB805-F7B7-4B80-A1C5-385D4DAF74D0}"/>
               </a:ext>
               <a:ext uri="{C183D7F6-B498-43B3-948B-1728B52AA6E4}">
-                <adec:decorative xmlns:adec="http://schemas.microsoft.com/office/drawing/2017/decorative" xmlns="" val="1"/>
+                <adec:decorative xmlns="" xmlns:adec="http://schemas.microsoft.com/office/drawing/2017/decorative" val="1"/>
               </a:ext>
             </a:extLst>
           </p:cNvPr>
@@ -16175,14 +17123,44 @@
           <a:bodyPr/>
           <a:lstStyle/>
           <a:p>
-            <a:endParaRPr lang="en-US"/>
+            <a:pPr marL="0" marR="0" lvl="0" indent="0" algn="l" defTabSz="457200" rtl="0" eaLnBrk="1" fontAlgn="auto" latinLnBrk="0" hangingPunct="1">
+              <a:lnSpc>
+                <a:spcPct val="100000"/>
+              </a:lnSpc>
+              <a:spcBef>
+                <a:spcPts val="0"/>
+              </a:spcBef>
+              <a:spcAft>
+                <a:spcPts val="0"/>
+              </a:spcAft>
+              <a:buClrTx/>
+              <a:buSzTx/>
+              <a:buFontTx/>
+              <a:buNone/>
+              <a:tabLst/>
+              <a:defRPr/>
+            </a:pPr>
+            <a:endParaRPr kumimoji="0" lang="en-US" sz="1800" b="0" i="0" u="none" strike="noStrike" kern="1200" cap="none" spc="0" normalizeH="0" baseline="0" noProof="0">
+              <a:ln>
+                <a:noFill/>
+              </a:ln>
+              <a:solidFill>
+                <a:srgbClr val="FFFFFF"/>
+              </a:solidFill>
+              <a:effectLst/>
+              <a:uLnTx/>
+              <a:uFillTx/>
+              <a:latin typeface="Calibri"/>
+              <a:ea typeface="+mn-ea"/>
+              <a:cs typeface="+mn-cs"/>
+            </a:endParaRPr>
           </a:p>
         </p:txBody>
       </p:sp>
     </p:spTree>
     <p:extLst>
       <p:ext uri="{BB962C8B-B14F-4D97-AF65-F5344CB8AC3E}">
-        <p14:creationId xmlns:p14="http://schemas.microsoft.com/office/powerpoint/2010/main" val="3025104571"/>
+        <p14:creationId xmlns:p14="http://schemas.microsoft.com/office/powerpoint/2010/main" val="2012683478"/>
       </p:ext>
     </p:extLst>
   </p:cSld>
@@ -16284,193 +17262,6 @@
 </p:sld>
 </file>
 
-<file path=ppt/slides/slide28.xml><?xml version="1.0" encoding="utf-8"?>
-<p:sld xmlns:a="http://schemas.openxmlformats.org/drawingml/2006/main" xmlns:r="http://schemas.openxmlformats.org/officeDocument/2006/relationships" xmlns:p="http://schemas.openxmlformats.org/presentationml/2006/main">
-  <p:cSld>
-    <p:spTree>
-      <p:nvGrpSpPr>
-        <p:cNvPr id="1" name=""/>
-        <p:cNvGrpSpPr/>
-        <p:nvPr/>
-      </p:nvGrpSpPr>
-      <p:grpSpPr>
-        <a:xfrm>
-          <a:off x="0" y="0"/>
-          <a:ext cx="0" cy="0"/>
-          <a:chOff x="0" y="0"/>
-          <a:chExt cx="0" cy="0"/>
-        </a:xfrm>
-      </p:grpSpPr>
-      <p:sp>
-        <p:nvSpPr>
-          <p:cNvPr id="2" name="Title 1">
-            <a:extLst>
-              <a:ext uri="{FF2B5EF4-FFF2-40B4-BE49-F238E27FC236}">
-                <a16:creationId xmlns:a16="http://schemas.microsoft.com/office/drawing/2014/main" id="{8C659C33-A7FC-220D-5DC0-86729B779FA7}"/>
-              </a:ext>
-            </a:extLst>
-          </p:cNvPr>
-          <p:cNvSpPr>
-            <a:spLocks noGrp="1"/>
-          </p:cNvSpPr>
-          <p:nvPr>
-            <p:ph type="title"/>
-          </p:nvPr>
-        </p:nvSpPr>
-        <p:spPr>
-          <a:xfrm>
-            <a:off x="581192" y="702156"/>
-            <a:ext cx="11029616" cy="568860"/>
-          </a:xfrm>
-        </p:spPr>
-        <p:txBody>
-          <a:bodyPr/>
-          <a:lstStyle/>
-          <a:p>
-            <a:r>
-              <a:rPr lang="en-US" dirty="0"/>
-              <a:t>GEOGRAPHY</a:t>
-            </a:r>
-          </a:p>
-        </p:txBody>
-      </p:sp>
-      <p:sp>
-        <p:nvSpPr>
-          <p:cNvPr id="3" name="Content Placeholder 2">
-            <a:extLst>
-              <a:ext uri="{FF2B5EF4-FFF2-40B4-BE49-F238E27FC236}">
-                <a16:creationId xmlns:a16="http://schemas.microsoft.com/office/drawing/2014/main" id="{32B2A6B3-C2B2-7574-C22E-F56FCB4D7CED}"/>
-              </a:ext>
-            </a:extLst>
-          </p:cNvPr>
-          <p:cNvSpPr>
-            <a:spLocks noGrp="1"/>
-          </p:cNvSpPr>
-          <p:nvPr>
-            <p:ph idx="1"/>
-          </p:nvPr>
-        </p:nvSpPr>
-        <p:spPr>
-          <a:xfrm>
-            <a:off x="581192" y="1426464"/>
-            <a:ext cx="11029615" cy="2395728"/>
-          </a:xfrm>
-        </p:spPr>
-        <p:txBody>
-          <a:bodyPr>
-            <a:normAutofit/>
-          </a:bodyPr>
-          <a:lstStyle/>
-          <a:p>
-            <a:pPr algn="l"/>
-            <a:r>
-              <a:rPr lang="en-US" sz="1800" b="0" i="0" u="none" strike="noStrike" baseline="0" dirty="0">
-                <a:solidFill>
-                  <a:srgbClr val="262626"/>
-                </a:solidFill>
-                <a:latin typeface="Courier"/>
-              </a:rPr>
-              <a:t>geography </a:t>
-            </a:r>
-            <a:r>
-              <a:rPr lang="en-US" sz="1800" b="0" i="0" u="none" strike="noStrike" baseline="0" dirty="0">
-                <a:solidFill>
-                  <a:srgbClr val="262626"/>
-                </a:solidFill>
-                <a:latin typeface="NewBaskerville-Roman"/>
-              </a:rPr>
-              <a:t>starts by assuming that all your data is based on a geodetic coordinate system, specifically the WGS 84 </a:t>
-            </a:r>
-            <a:r>
-              <a:rPr lang="en-US" sz="1800" b="0" i="0" u="none" strike="noStrike" baseline="0" dirty="0" err="1">
-                <a:solidFill>
-                  <a:srgbClr val="262626"/>
-                </a:solidFill>
-                <a:latin typeface="NewBaskerville-Roman"/>
-              </a:rPr>
-              <a:t>lon</a:t>
-            </a:r>
-            <a:r>
-              <a:rPr lang="en-US" sz="1800" b="0" i="0" u="none" strike="noStrike" baseline="0" dirty="0">
-                <a:solidFill>
-                  <a:srgbClr val="262626"/>
-                </a:solidFill>
-                <a:latin typeface="NewBaskerville-Roman"/>
-              </a:rPr>
-              <a:t>/</a:t>
-            </a:r>
-            <a:r>
-              <a:rPr lang="en-US" sz="1800" b="0" i="0" u="none" strike="noStrike" baseline="0" dirty="0" err="1">
-                <a:solidFill>
-                  <a:srgbClr val="262626"/>
-                </a:solidFill>
-                <a:latin typeface="NewBaskerville-Roman"/>
-              </a:rPr>
-              <a:t>lat</a:t>
-            </a:r>
-            <a:r>
-              <a:rPr lang="en-US" sz="1800" b="0" i="0" u="none" strike="noStrike" baseline="0" dirty="0">
-                <a:solidFill>
-                  <a:srgbClr val="262626"/>
-                </a:solidFill>
-                <a:latin typeface="NewBaskerville-Roman"/>
-              </a:rPr>
-              <a:t> SRID of 4326.</a:t>
-            </a:r>
-          </a:p>
-          <a:p>
-            <a:pPr algn="l"/>
-            <a:r>
-              <a:rPr lang="en-US" dirty="0"/>
-              <a:t>SRID: Spatial Reference Identifier is a unique identifier that defines the </a:t>
-            </a:r>
-            <a:r>
-              <a:rPr lang="en-US" b="1" dirty="0"/>
-              <a:t>spatial reference system (SRS)</a:t>
-            </a:r>
-            <a:r>
-              <a:rPr lang="en-US" dirty="0"/>
-              <a:t> used to interpret spatial data in </a:t>
-            </a:r>
-            <a:r>
-              <a:rPr lang="en-US" b="1" dirty="0" err="1"/>
-              <a:t>PostGIS</a:t>
-            </a:r>
-            <a:r>
-              <a:rPr lang="en-US" dirty="0"/>
-              <a:t> and other GIS systems. </a:t>
-            </a:r>
-          </a:p>
-          <a:p>
-            <a:pPr algn="l"/>
-            <a:r>
-              <a:rPr lang="en-US" dirty="0"/>
-              <a:t>It specifies how spatial coordinates (such as longitude, latitude, or X/Y values) relate to the real world by defining the </a:t>
-            </a:r>
-            <a:r>
-              <a:rPr lang="en-US" b="1" dirty="0"/>
-              <a:t>coordinate system, projection, and datum</a:t>
-            </a:r>
-            <a:r>
-              <a:rPr lang="en-US" dirty="0"/>
-              <a:t>.</a:t>
-            </a:r>
-          </a:p>
-        </p:txBody>
-      </p:sp>
-    </p:spTree>
-    <p:extLst>
-      <p:ext uri="{BB962C8B-B14F-4D97-AF65-F5344CB8AC3E}">
-        <p14:creationId xmlns:p14="http://schemas.microsoft.com/office/powerpoint/2010/main" val="651807831"/>
-      </p:ext>
-    </p:extLst>
-  </p:cSld>
-  <p:clrMapOvr>
-    <a:masterClrMapping/>
-  </p:clrMapOvr>
-</p:sld>
-</file>
-
 <file path=ppt/slides/slide29.xml><?xml version="1.0" encoding="utf-8"?>
 <p:sld xmlns:a="http://schemas.openxmlformats.org/drawingml/2006/main" xmlns:r="http://schemas.openxmlformats.org/officeDocument/2006/relationships" xmlns:p="http://schemas.openxmlformats.org/presentationml/2006/main">
   <p:cSld>
@@ -16490,13 +17281,7 @@
       </p:grpSpPr>
       <p:sp>
         <p:nvSpPr>
-          <p:cNvPr id="2" name="Title 1">
-            <a:extLst>
-              <a:ext uri="{FF2B5EF4-FFF2-40B4-BE49-F238E27FC236}">
-                <a16:creationId xmlns:a16="http://schemas.microsoft.com/office/drawing/2014/main" id="{1D74D525-4A1E-DC49-0347-42190F17F8BF}"/>
-              </a:ext>
-            </a:extLst>
-          </p:cNvPr>
+          <p:cNvPr id="2" name="Title 1"/>
           <p:cNvSpPr>
             <a:spLocks noGrp="1"/>
           </p:cNvSpPr>
@@ -16504,32 +17289,18 @@
             <p:ph type="title"/>
           </p:nvPr>
         </p:nvSpPr>
-        <p:spPr>
-          <a:xfrm>
-            <a:off x="581192" y="702156"/>
-            <a:ext cx="11029616" cy="605436"/>
-          </a:xfrm>
-        </p:spPr>
+        <p:spPr/>
         <p:txBody>
           <a:bodyPr/>
           <a:lstStyle/>
           <a:p>
-            <a:r>
-              <a:rPr lang="en-US" dirty="0"/>
-              <a:t>Function for geometry</a:t>
-            </a:r>
+            <a:endParaRPr lang="en-US"/>
           </a:p>
         </p:txBody>
       </p:sp>
       <p:sp>
         <p:nvSpPr>
-          <p:cNvPr id="3" name="Content Placeholder 2">
-            <a:extLst>
-              <a:ext uri="{FF2B5EF4-FFF2-40B4-BE49-F238E27FC236}">
-                <a16:creationId xmlns:a16="http://schemas.microsoft.com/office/drawing/2014/main" id="{0679E1A4-848A-0D11-7E7E-F0E57E92F807}"/>
-              </a:ext>
-            </a:extLst>
-          </p:cNvPr>
+          <p:cNvPr id="3" name="Content Placeholder 2"/>
           <p:cNvSpPr>
             <a:spLocks noGrp="1"/>
           </p:cNvSpPr>
@@ -16537,36 +17308,19 @@
             <p:ph idx="1"/>
           </p:nvPr>
         </p:nvSpPr>
-        <p:spPr>
-          <a:xfrm>
-            <a:off x="581191" y="1481328"/>
-            <a:ext cx="11029615" cy="1764792"/>
-          </a:xfrm>
-        </p:spPr>
+        <p:spPr/>
         <p:txBody>
           <a:bodyPr/>
           <a:lstStyle/>
           <a:p>
-            <a:r>
-              <a:rPr lang="en-US" dirty="0"/>
-              <a:t>The structure of the geography data subtypes mirrors that of geometry.</a:t>
-            </a:r>
-          </a:p>
-          <a:p>
-            <a:endParaRPr lang="en-US" dirty="0"/>
-          </a:p>
-          <a:p>
-            <a:r>
-              <a:rPr lang="en-US" dirty="0"/>
-              <a:t>Accordingly, functions for geometry can be applied to geography with minimal changes, primarily involving the substitution of the term geometry with geography in both data types and function names.</a:t>
-            </a:r>
+            <a:endParaRPr lang="en-US"/>
           </a:p>
         </p:txBody>
       </p:sp>
     </p:spTree>
     <p:extLst>
       <p:ext uri="{BB962C8B-B14F-4D97-AF65-F5344CB8AC3E}">
-        <p14:creationId xmlns:p14="http://schemas.microsoft.com/office/powerpoint/2010/main" val="737557166"/>
+        <p14:creationId xmlns:p14="http://schemas.microsoft.com/office/powerpoint/2010/main" val="13105013"/>
       </p:ext>
     </p:extLst>
   </p:cSld>
@@ -16609,7 +17363,7 @@
                 <a16:creationId xmlns:a16="http://schemas.microsoft.com/office/drawing/2014/main" id="{DCF4EB5C-ED25-4675-8255-2F5B12CFFCF0}"/>
               </a:ext>
               <a:ext uri="{C183D7F6-B498-43B3-948B-1728B52AA6E4}">
-                <adec:decorative xmlns:adec="http://schemas.microsoft.com/office/drawing/2017/decorative" xmlns="" val="1"/>
+                <adec:decorative xmlns="" xmlns:adec="http://schemas.microsoft.com/office/drawing/2017/decorative" val="1"/>
               </a:ext>
             </a:extLst>
           </p:cNvPr>
@@ -16670,7 +17424,7 @@
                 <a16:creationId xmlns:a16="http://schemas.microsoft.com/office/drawing/2014/main" id="{9514EC6E-A557-42A2-BCDC-3ABFFC5E564D}"/>
               </a:ext>
               <a:ext uri="{C183D7F6-B498-43B3-948B-1728B52AA6E4}">
-                <adec:decorative xmlns:adec="http://schemas.microsoft.com/office/drawing/2017/decorative" xmlns="" val="1"/>
+                <adec:decorative xmlns="" xmlns:adec="http://schemas.microsoft.com/office/drawing/2017/decorative" val="1"/>
               </a:ext>
             </a:extLst>
           </p:cNvPr>
@@ -16731,7 +17485,7 @@
                 <a16:creationId xmlns:a16="http://schemas.microsoft.com/office/drawing/2014/main" id="{905482C9-EB42-4BFE-95BF-7FD661F07657}"/>
               </a:ext>
               <a:ext uri="{C183D7F6-B498-43B3-948B-1728B52AA6E4}">
-                <adec:decorative xmlns:adec="http://schemas.microsoft.com/office/drawing/2017/decorative" xmlns="" val="1"/>
+                <adec:decorative xmlns="" xmlns:adec="http://schemas.microsoft.com/office/drawing/2017/decorative" val="1"/>
               </a:ext>
             </a:extLst>
           </p:cNvPr>
@@ -16792,7 +17546,7 @@
                 <a16:creationId xmlns:a16="http://schemas.microsoft.com/office/drawing/2014/main" id="{7539E646-A625-4A26-86ED-BD90EDD329F7}"/>
               </a:ext>
               <a:ext uri="{C183D7F6-B498-43B3-948B-1728B52AA6E4}">
-                <adec:decorative xmlns:adec="http://schemas.microsoft.com/office/drawing/2017/decorative" xmlns="" val="1"/>
+                <adec:decorative xmlns="" xmlns:adec="http://schemas.microsoft.com/office/drawing/2017/decorative" val="1"/>
               </a:ext>
             </a:extLst>
           </p:cNvPr>
@@ -16853,7 +17607,7 @@
                 <a16:creationId xmlns:a16="http://schemas.microsoft.com/office/drawing/2014/main" id="{39171204-6A50-40E1-B631-84CEDFC9396A}"/>
               </a:ext>
               <a:ext uri="{C183D7F6-B498-43B3-948B-1728B52AA6E4}">
-                <adec:decorative xmlns:adec="http://schemas.microsoft.com/office/drawing/2017/decorative" xmlns="" val="1"/>
+                <adec:decorative xmlns="" xmlns:adec="http://schemas.microsoft.com/office/drawing/2017/decorative" val="1"/>
               </a:ext>
             </a:extLst>
           </p:cNvPr>
@@ -16913,7 +17667,7 @@
                 <a16:creationId xmlns:a16="http://schemas.microsoft.com/office/drawing/2014/main" id="{06C973F6-5187-412F-AACC-6E3FF8A6A12C}"/>
               </a:ext>
               <a:ext uri="{C183D7F6-B498-43B3-948B-1728B52AA6E4}">
-                <adec:decorative xmlns:adec="http://schemas.microsoft.com/office/drawing/2017/decorative" xmlns="" val="1"/>
+                <adec:decorative xmlns="" xmlns:adec="http://schemas.microsoft.com/office/drawing/2017/decorative" val="1"/>
               </a:ext>
             </a:extLst>
           </p:cNvPr>
@@ -16974,7 +17728,7 @@
                 <a16:creationId xmlns:a16="http://schemas.microsoft.com/office/drawing/2014/main" id="{D11AE14F-1B7E-41E6-B579-2F71D135036C}"/>
               </a:ext>
               <a:ext uri="{C183D7F6-B498-43B3-948B-1728B52AA6E4}">
-                <adec:decorative xmlns:adec="http://schemas.microsoft.com/office/drawing/2017/decorative" xmlns="" val="1"/>
+                <adec:decorative xmlns="" xmlns:adec="http://schemas.microsoft.com/office/drawing/2017/decorative" val="1"/>
               </a:ext>
             </a:extLst>
           </p:cNvPr>
@@ -17098,7 +17852,7 @@
                 <a16:creationId xmlns:a16="http://schemas.microsoft.com/office/drawing/2014/main" id="{752BB805-F7B7-4B80-A1C5-385D4DAF74D0}"/>
               </a:ext>
               <a:ext uri="{C183D7F6-B498-43B3-948B-1728B52AA6E4}">
-                <adec:decorative xmlns:adec="http://schemas.microsoft.com/office/drawing/2017/decorative" xmlns="" val="1"/>
+                <adec:decorative xmlns="" xmlns:adec="http://schemas.microsoft.com/office/drawing/2017/decorative" val="1"/>
               </a:ext>
             </a:extLst>
           </p:cNvPr>
@@ -17280,7 +18034,7 @@
           <p:cNvPr id="2" name="Title 1">
             <a:extLst>
               <a:ext uri="{FF2B5EF4-FFF2-40B4-BE49-F238E27FC236}">
-                <a16:creationId xmlns:a16="http://schemas.microsoft.com/office/drawing/2014/main" id="{D3C9EFBD-6688-C65D-8229-A9DD5AEC339C}"/>
+                <a16:creationId xmlns:a16="http://schemas.microsoft.com/office/drawing/2014/main" id="{4956C6B2-B312-F635-AAE7-CA1219AE61B3}"/>
               </a:ext>
             </a:extLst>
           </p:cNvPr>
@@ -17293,8 +18047,8 @@
         </p:nvSpPr>
         <p:spPr>
           <a:xfrm>
-            <a:off x="581192" y="702156"/>
-            <a:ext cx="11029616" cy="555144"/>
+            <a:off x="581190" y="559702"/>
+            <a:ext cx="11029616" cy="565965"/>
           </a:xfrm>
         </p:spPr>
         <p:txBody>
@@ -17302,10 +18056,9 @@
           <a:lstStyle/>
           <a:p>
             <a:r>
-              <a:rPr lang="en-US" dirty="0" smtClean="0"/>
-              <a:t>Create points</a:t>
-            </a:r>
-            <a:endParaRPr lang="en-US" dirty="0"/>
+              <a:rPr lang="en-US" dirty="0"/>
+              <a:t>Select function</a:t>
+            </a:r>
           </a:p>
         </p:txBody>
       </p:sp>
@@ -17314,7 +18067,7 @@
           <p:cNvPr id="3" name="Content Placeholder 2">
             <a:extLst>
               <a:ext uri="{FF2B5EF4-FFF2-40B4-BE49-F238E27FC236}">
-                <a16:creationId xmlns:a16="http://schemas.microsoft.com/office/drawing/2014/main" id="{BBA6E4DB-6E4B-D7C3-A8D9-F58FD062568F}"/>
+                <a16:creationId xmlns:a16="http://schemas.microsoft.com/office/drawing/2014/main" id="{5A17077E-5B0D-20C1-93DF-1D2B735910BB}"/>
               </a:ext>
             </a:extLst>
           </p:cNvPr>
@@ -17325,122 +18078,103 @@
             <p:ph idx="1"/>
           </p:nvPr>
         </p:nvSpPr>
-        <p:spPr/>
+        <p:spPr>
+          <a:xfrm>
+            <a:off x="581191" y="1125667"/>
+            <a:ext cx="11029615" cy="565965"/>
+          </a:xfrm>
+        </p:spPr>
         <p:txBody>
-          <a:bodyPr>
-            <a:normAutofit fontScale="92500" lnSpcReduction="10000"/>
-          </a:bodyPr>
+          <a:bodyPr/>
           <a:lstStyle/>
           <a:p>
             <a:r>
               <a:rPr lang="en-US" dirty="0"/>
-              <a:t>CREATE TABLE ch02.my_geogs (</a:t>
-            </a:r>
-          </a:p>
-          <a:p>
+              <a:t>SELECT name, </a:t>
+            </a:r>
+            <a:r>
+              <a:rPr lang="en-US" dirty="0" err="1"/>
+              <a:t>ST_AsText</a:t>
+            </a:r>
             <a:r>
               <a:rPr lang="en-US" dirty="0"/>
-              <a:t>id serial PRIMARY KEY,</a:t>
-            </a:r>
-          </a:p>
-          <a:p>
+              <a:t>(</a:t>
+            </a:r>
+            <a:r>
+              <a:rPr lang="en-US" dirty="0" err="1"/>
+              <a:t>geom</a:t>
+            </a:r>
             <a:r>
               <a:rPr lang="en-US" dirty="0"/>
-              <a:t>name varchar(20),</a:t>
-            </a:r>
-          </a:p>
-          <a:p>
-            <a:r>
-              <a:rPr lang="en-US" dirty="0" err="1"/>
-              <a:t>my_point</a:t>
-            </a:r>
-            <a:r>
-              <a:rPr lang="en-US" dirty="0"/>
-              <a:t> geography(POINT)</a:t>
-            </a:r>
-          </a:p>
-          <a:p>
-            <a:r>
-              <a:rPr lang="en-US" dirty="0"/>
-              <a:t>);</a:t>
-            </a:r>
-          </a:p>
-          <a:p>
-            <a:r>
-              <a:rPr lang="en-US" dirty="0"/>
-              <a:t>INSERT INTO ch02.my_geogs (name, </a:t>
-            </a:r>
-            <a:r>
-              <a:rPr lang="en-US" dirty="0" err="1"/>
-              <a:t>my_point</a:t>
-            </a:r>
-            <a:r>
-              <a:rPr lang="en-US" dirty="0"/>
-              <a:t>)</a:t>
-            </a:r>
-          </a:p>
-          <a:p>
-            <a:r>
-              <a:rPr lang="en-US" dirty="0"/>
-              <a:t>VALUES</a:t>
-            </a:r>
-          </a:p>
-          <a:p>
-            <a:r>
-              <a:rPr lang="en-US" dirty="0"/>
-              <a:t>('Clark',</a:t>
-            </a:r>
-            <a:r>
-              <a:rPr lang="en-US" dirty="0" err="1"/>
-              <a:t>ST_GeogFromText</a:t>
-            </a:r>
-            <a:r>
-              <a:rPr lang="en-US" dirty="0"/>
-              <a:t>('POINT(-71.8241 42.2521)')),</a:t>
-            </a:r>
-          </a:p>
-          <a:p>
-            <a:r>
-              <a:rPr lang="en-US" dirty="0"/>
-              <a:t>('</a:t>
-            </a:r>
-            <a:r>
-              <a:rPr lang="en-US" dirty="0" err="1"/>
-              <a:t>WAirport</a:t>
-            </a:r>
-            <a:r>
-              <a:rPr lang="en-US" dirty="0"/>
-              <a:t>',</a:t>
-            </a:r>
-            <a:r>
-              <a:rPr lang="en-US" dirty="0" err="1"/>
-              <a:t>ST_GeogFromText</a:t>
-            </a:r>
-            <a:r>
-              <a:rPr lang="en-US" dirty="0"/>
-              <a:t>('POINT(-71.8743 42.2688)')),</a:t>
-            </a:r>
-          </a:p>
-          <a:p>
-            <a:r>
-              <a:rPr lang="en-US" dirty="0"/>
-              <a:t>('Park',</a:t>
-            </a:r>
-            <a:r>
-              <a:rPr lang="en-US" dirty="0" err="1"/>
-              <a:t>ST_GeogFromText</a:t>
-            </a:r>
-            <a:r>
-              <a:rPr lang="en-US" dirty="0"/>
-              <a:t>('POINT(-71.8144 42.2691)'));</a:t>
+              <a:t>) FROM ch02.campus;</a:t>
             </a:r>
           </a:p>
         </p:txBody>
       </p:sp>
+      <p:pic>
+        <p:nvPicPr>
+          <p:cNvPr id="5" name="Picture 4">
+            <a:extLst>
+              <a:ext uri="{FF2B5EF4-FFF2-40B4-BE49-F238E27FC236}">
+                <a16:creationId xmlns:a16="http://schemas.microsoft.com/office/drawing/2014/main" id="{55509B2E-2295-B801-8571-4111E7645989}"/>
+              </a:ext>
+            </a:extLst>
+          </p:cNvPr>
+          <p:cNvPicPr>
+            <a:picLocks noChangeAspect="1"/>
+          </p:cNvPicPr>
+          <p:nvPr/>
+        </p:nvPicPr>
+        <p:blipFill>
+          <a:blip r:embed="rId2"/>
+          <a:stretch>
+            <a:fillRect/>
+          </a:stretch>
+        </p:blipFill>
+        <p:spPr>
+          <a:xfrm>
+            <a:off x="3759266" y="1705363"/>
+            <a:ext cx="3771900" cy="3886200"/>
+          </a:xfrm>
+          <a:prstGeom prst="rect">
+            <a:avLst/>
+          </a:prstGeom>
+        </p:spPr>
+      </p:pic>
+      <p:pic>
+        <p:nvPicPr>
+          <p:cNvPr id="7" name="Picture 6">
+            <a:extLst>
+              <a:ext uri="{FF2B5EF4-FFF2-40B4-BE49-F238E27FC236}">
+                <a16:creationId xmlns:a16="http://schemas.microsoft.com/office/drawing/2014/main" id="{5737F907-7625-2F33-44B0-1DC7F830C944}"/>
+              </a:ext>
+            </a:extLst>
+          </p:cNvPr>
+          <p:cNvPicPr>
+            <a:picLocks noChangeAspect="1"/>
+          </p:cNvPicPr>
+          <p:nvPr/>
+        </p:nvPicPr>
+        <p:blipFill>
+          <a:blip r:embed="rId3"/>
+          <a:stretch>
+            <a:fillRect/>
+          </a:stretch>
+        </p:blipFill>
+        <p:spPr>
+          <a:xfrm>
+            <a:off x="972151" y="5804793"/>
+            <a:ext cx="9346131" cy="987010"/>
+          </a:xfrm>
+          <a:prstGeom prst="rect">
+            <a:avLst/>
+          </a:prstGeom>
+        </p:spPr>
+      </p:pic>
     </p:spTree>
     <p:extLst>
       <p:ext uri="{BB962C8B-B14F-4D97-AF65-F5344CB8AC3E}">
-        <p14:creationId xmlns:p14="http://schemas.microsoft.com/office/powerpoint/2010/main" val="3584177212"/>
+        <p14:creationId xmlns:p14="http://schemas.microsoft.com/office/powerpoint/2010/main" val="220001295"/>
       </p:ext>
     </p:extLst>
   </p:cSld>
@@ -17466,7 +18200,7 @@
         <p:cNvPr id="1" name="">
           <a:extLst>
             <a:ext uri="{FF2B5EF4-FFF2-40B4-BE49-F238E27FC236}">
-              <a16:creationId xmlns:a16="http://schemas.microsoft.com/office/drawing/2014/main" id="{BD58E5E8-3B6D-061E-B3EE-E82E5CBE57D2}"/>
+              <a16:creationId xmlns:a16="http://schemas.microsoft.com/office/drawing/2014/main" id="{454C29CA-E335-B9EC-1507-FF06BA9C369A}"/>
             </a:ext>
           </a:extLst>
         </p:cNvPr>
@@ -17489,7 +18223,7 @@
                 <a16:creationId xmlns:a16="http://schemas.microsoft.com/office/drawing/2014/main" id="{DCF4EB5C-ED25-4675-8255-2F5B12CFFCF0}"/>
               </a:ext>
               <a:ext uri="{C183D7F6-B498-43B3-948B-1728B52AA6E4}">
-                <adec:decorative xmlns:adec="http://schemas.microsoft.com/office/drawing/2017/decorative" xmlns="" val="1"/>
+                <adec:decorative xmlns="" xmlns:adec="http://schemas.microsoft.com/office/drawing/2017/decorative" val="1"/>
               </a:ext>
             </a:extLst>
           </p:cNvPr>
@@ -17550,7 +18284,7 @@
                 <a16:creationId xmlns:a16="http://schemas.microsoft.com/office/drawing/2014/main" id="{9514EC6E-A557-42A2-BCDC-3ABFFC5E564D}"/>
               </a:ext>
               <a:ext uri="{C183D7F6-B498-43B3-948B-1728B52AA6E4}">
-                <adec:decorative xmlns:adec="http://schemas.microsoft.com/office/drawing/2017/decorative" xmlns="" val="1"/>
+                <adec:decorative xmlns="" xmlns:adec="http://schemas.microsoft.com/office/drawing/2017/decorative" val="1"/>
               </a:ext>
             </a:extLst>
           </p:cNvPr>
@@ -17611,7 +18345,7 @@
                 <a16:creationId xmlns:a16="http://schemas.microsoft.com/office/drawing/2014/main" id="{905482C9-EB42-4BFE-95BF-7FD661F07657}"/>
               </a:ext>
               <a:ext uri="{C183D7F6-B498-43B3-948B-1728B52AA6E4}">
-                <adec:decorative xmlns:adec="http://schemas.microsoft.com/office/drawing/2017/decorative" xmlns="" val="1"/>
+                <adec:decorative xmlns="" xmlns:adec="http://schemas.microsoft.com/office/drawing/2017/decorative" val="1"/>
               </a:ext>
             </a:extLst>
           </p:cNvPr>
@@ -17672,7 +18406,7 @@
                 <a16:creationId xmlns:a16="http://schemas.microsoft.com/office/drawing/2014/main" id="{7539E646-A625-4A26-86ED-BD90EDD329F7}"/>
               </a:ext>
               <a:ext uri="{C183D7F6-B498-43B3-948B-1728B52AA6E4}">
-                <adec:decorative xmlns:adec="http://schemas.microsoft.com/office/drawing/2017/decorative" xmlns="" val="1"/>
+                <adec:decorative xmlns="" xmlns:adec="http://schemas.microsoft.com/office/drawing/2017/decorative" val="1"/>
               </a:ext>
             </a:extLst>
           </p:cNvPr>
@@ -17733,7 +18467,7 @@
                 <a16:creationId xmlns:a16="http://schemas.microsoft.com/office/drawing/2014/main" id="{39171204-6A50-40E1-B631-84CEDFC9396A}"/>
               </a:ext>
               <a:ext uri="{C183D7F6-B498-43B3-948B-1728B52AA6E4}">
-                <adec:decorative xmlns:adec="http://schemas.microsoft.com/office/drawing/2017/decorative" xmlns="" val="1"/>
+                <adec:decorative xmlns="" xmlns:adec="http://schemas.microsoft.com/office/drawing/2017/decorative" val="1"/>
               </a:ext>
             </a:extLst>
           </p:cNvPr>
@@ -17793,7 +18527,7 @@
                 <a16:creationId xmlns:a16="http://schemas.microsoft.com/office/drawing/2014/main" id="{06C973F6-5187-412F-AACC-6E3FF8A6A12C}"/>
               </a:ext>
               <a:ext uri="{C183D7F6-B498-43B3-948B-1728B52AA6E4}">
-                <adec:decorative xmlns:adec="http://schemas.microsoft.com/office/drawing/2017/decorative" xmlns="" val="1"/>
+                <adec:decorative xmlns="" xmlns:adec="http://schemas.microsoft.com/office/drawing/2017/decorative" val="1"/>
               </a:ext>
             </a:extLst>
           </p:cNvPr>
@@ -17854,7 +18588,7 @@
                 <a16:creationId xmlns:a16="http://schemas.microsoft.com/office/drawing/2014/main" id="{D11AE14F-1B7E-41E6-B579-2F71D135036C}"/>
               </a:ext>
               <a:ext uri="{C183D7F6-B498-43B3-948B-1728B52AA6E4}">
-                <adec:decorative xmlns:adec="http://schemas.microsoft.com/office/drawing/2017/decorative" xmlns="" val="1"/>
+                <adec:decorative xmlns="" xmlns:adec="http://schemas.microsoft.com/office/drawing/2017/decorative" val="1"/>
               </a:ext>
             </a:extLst>
           </p:cNvPr>
@@ -17912,6 +18646,1157 @@
           <p:cNvPr id="2" name="Title 1">
             <a:extLst>
               <a:ext uri="{FF2B5EF4-FFF2-40B4-BE49-F238E27FC236}">
+                <a16:creationId xmlns:a16="http://schemas.microsoft.com/office/drawing/2014/main" id="{086DE109-2ED0-C647-6635-C9B3837BCBBA}"/>
+              </a:ext>
+            </a:extLst>
+          </p:cNvPr>
+          <p:cNvSpPr>
+            <a:spLocks noGrp="1"/>
+          </p:cNvSpPr>
+          <p:nvPr>
+            <p:ph type="title"/>
+          </p:nvPr>
+        </p:nvSpPr>
+        <p:spPr>
+          <a:xfrm>
+            <a:off x="1893715" y="708498"/>
+            <a:ext cx="8466437" cy="3330055"/>
+          </a:xfrm>
+        </p:spPr>
+        <p:txBody>
+          <a:bodyPr vert="horz" lIns="91440" tIns="45720" rIns="91440" bIns="45720" rtlCol="0" anchor="ctr">
+            <a:normAutofit/>
+          </a:bodyPr>
+          <a:lstStyle/>
+          <a:p>
+            <a:r>
+              <a:rPr lang="en-US" sz="6000" b="0" kern="1200" cap="all" dirty="0">
+                <a:solidFill>
+                  <a:srgbClr val="FFFFFF"/>
+                </a:solidFill>
+                <a:latin typeface="+mj-lt"/>
+                <a:ea typeface="+mj-ea"/>
+                <a:cs typeface="+mj-cs"/>
+              </a:rPr>
+              <a:t>2.1.2 GEOGRAPHY</a:t>
+            </a:r>
+          </a:p>
+        </p:txBody>
+      </p:sp>
+      <p:sp>
+        <p:nvSpPr>
+          <p:cNvPr id="50" name="Rectangle 49">
+            <a:extLst>
+              <a:ext uri="{FF2B5EF4-FFF2-40B4-BE49-F238E27FC236}">
+                <a16:creationId xmlns:a16="http://schemas.microsoft.com/office/drawing/2014/main" id="{752BB805-F7B7-4B80-A1C5-385D4DAF74D0}"/>
+              </a:ext>
+              <a:ext uri="{C183D7F6-B498-43B3-948B-1728B52AA6E4}">
+                <adec:decorative xmlns="" xmlns:adec="http://schemas.microsoft.com/office/drawing/2017/decorative" val="1"/>
+              </a:ext>
+            </a:extLst>
+          </p:cNvPr>
+          <p:cNvSpPr>
+            <a:spLocks noGrp="1" noRot="1" noChangeAspect="1" noMove="1" noResize="1" noEditPoints="1" noAdjustHandles="1" noChangeArrowheads="1" noChangeShapeType="1" noTextEdit="1"/>
+          </p:cNvSpPr>
+          <p:nvPr>
+            <p:extLst>
+              <p:ext uri="{386F3935-93C4-4BCD-93E2-E3B085C9AB24}">
+                <p16:designElem xmlns:p16="http://schemas.microsoft.com/office/powerpoint/2015/main" val="1"/>
+              </p:ext>
+            </p:extLst>
+          </p:nvPr>
+        </p:nvSpPr>
+        <p:spPr>
+          <a:xfrm>
+            <a:off x="1712789" y="4284212"/>
+            <a:ext cx="9961115" cy="2072481"/>
+          </a:xfrm>
+          <a:prstGeom prst="rect">
+            <a:avLst/>
+          </a:prstGeom>
+          <a:solidFill>
+            <a:srgbClr val="6C7781">
+              <a:alpha val="80000"/>
+            </a:srgbClr>
+          </a:solidFill>
+          <a:ln>
+            <a:noFill/>
+          </a:ln>
+          <a:effectLst/>
+        </p:spPr>
+        <p:style>
+          <a:lnRef idx="1">
+            <a:schemeClr val="accent1"/>
+          </a:lnRef>
+          <a:fillRef idx="3">
+            <a:schemeClr val="accent1"/>
+          </a:fillRef>
+          <a:effectRef idx="2">
+            <a:schemeClr val="accent1"/>
+          </a:effectRef>
+          <a:fontRef idx="minor">
+            <a:schemeClr val="lt1"/>
+          </a:fontRef>
+        </p:style>
+        <p:txBody>
+          <a:bodyPr/>
+          <a:lstStyle/>
+          <a:p>
+            <a:endParaRPr lang="en-US"/>
+          </a:p>
+        </p:txBody>
+      </p:sp>
+    </p:spTree>
+    <p:extLst>
+      <p:ext uri="{BB962C8B-B14F-4D97-AF65-F5344CB8AC3E}">
+        <p14:creationId xmlns:p14="http://schemas.microsoft.com/office/powerpoint/2010/main" val="3025104571"/>
+      </p:ext>
+    </p:extLst>
+  </p:cSld>
+  <p:clrMapOvr>
+    <a:masterClrMapping/>
+  </p:clrMapOvr>
+  <p:timing>
+    <p:tnLst>
+      <p:par>
+        <p:cTn id="1" dur="indefinite" restart="never" nodeType="tmRoot">
+          <p:childTnLst>
+            <p:seq concurrent="1" nextAc="seek">
+              <p:cTn id="2" dur="indefinite" nodeType="mainSeq">
+                <p:childTnLst>
+                  <p:par>
+                    <p:cTn id="3" fill="hold">
+                      <p:stCondLst>
+                        <p:cond delay="indefinite"/>
+                        <p:cond evt="onBegin" delay="0">
+                          <p:tn val="2"/>
+                        </p:cond>
+                      </p:stCondLst>
+                      <p:childTnLst>
+                        <p:par>
+                          <p:cTn id="4" fill="hold">
+                            <p:stCondLst>
+                              <p:cond delay="0"/>
+                            </p:stCondLst>
+                            <p:childTnLst>
+                              <p:par>
+                                <p:cTn id="5" presetID="10" presetClass="entr" presetSubtype="0" fill="hold" grpId="0" nodeType="withEffect">
+                                  <p:stCondLst>
+                                    <p:cond delay="500"/>
+                                  </p:stCondLst>
+                                  <p:iterate>
+                                    <p:tmPct val="10000"/>
+                                  </p:iterate>
+                                  <p:childTnLst>
+                                    <p:set>
+                                      <p:cBhvr>
+                                        <p:cTn id="6" dur="1" fill="hold">
+                                          <p:stCondLst>
+                                            <p:cond delay="0"/>
+                                          </p:stCondLst>
+                                        </p:cTn>
+                                        <p:tgtEl>
+                                          <p:spTgt spid="2"/>
+                                        </p:tgtEl>
+                                        <p:attrNameLst>
+                                          <p:attrName>style.visibility</p:attrName>
+                                        </p:attrNameLst>
+                                      </p:cBhvr>
+                                      <p:to>
+                                        <p:strVal val="visible"/>
+                                      </p:to>
+                                    </p:set>
+                                    <p:animEffect transition="in" filter="fade">
+                                      <p:cBhvr>
+                                        <p:cTn id="7" dur="700"/>
+                                        <p:tgtEl>
+                                          <p:spTgt spid="2"/>
+                                        </p:tgtEl>
+                                      </p:cBhvr>
+                                    </p:animEffect>
+                                  </p:childTnLst>
+                                </p:cTn>
+                              </p:par>
+                            </p:childTnLst>
+                          </p:cTn>
+                        </p:par>
+                      </p:childTnLst>
+                    </p:cTn>
+                  </p:par>
+                </p:childTnLst>
+              </p:cTn>
+              <p:prevCondLst>
+                <p:cond evt="onPrev" delay="0">
+                  <p:tgtEl>
+                    <p:sldTgt/>
+                  </p:tgtEl>
+                </p:cond>
+              </p:prevCondLst>
+              <p:nextCondLst>
+                <p:cond evt="onNext" delay="0">
+                  <p:tgtEl>
+                    <p:sldTgt/>
+                  </p:tgtEl>
+                </p:cond>
+              </p:nextCondLst>
+            </p:seq>
+          </p:childTnLst>
+        </p:cTn>
+      </p:par>
+    </p:tnLst>
+    <p:bldLst>
+      <p:bldP spid="2" grpId="0"/>
+    </p:bldLst>
+  </p:timing>
+</p:sld>
+</file>
+
+<file path=ppt/slides/slide32.xml><?xml version="1.0" encoding="utf-8"?>
+<p:sld xmlns:a="http://schemas.openxmlformats.org/drawingml/2006/main" xmlns:r="http://schemas.openxmlformats.org/officeDocument/2006/relationships" xmlns:p="http://schemas.openxmlformats.org/presentationml/2006/main">
+  <p:cSld>
+    <p:spTree>
+      <p:nvGrpSpPr>
+        <p:cNvPr id="1" name=""/>
+        <p:cNvGrpSpPr/>
+        <p:nvPr/>
+      </p:nvGrpSpPr>
+      <p:grpSpPr>
+        <a:xfrm>
+          <a:off x="0" y="0"/>
+          <a:ext cx="0" cy="0"/>
+          <a:chOff x="0" y="0"/>
+          <a:chExt cx="0" cy="0"/>
+        </a:xfrm>
+      </p:grpSpPr>
+      <p:sp>
+        <p:nvSpPr>
+          <p:cNvPr id="2" name="Title 1">
+            <a:extLst>
+              <a:ext uri="{FF2B5EF4-FFF2-40B4-BE49-F238E27FC236}">
+                <a16:creationId xmlns:a16="http://schemas.microsoft.com/office/drawing/2014/main" id="{8C659C33-A7FC-220D-5DC0-86729B779FA7}"/>
+              </a:ext>
+            </a:extLst>
+          </p:cNvPr>
+          <p:cNvSpPr>
+            <a:spLocks noGrp="1"/>
+          </p:cNvSpPr>
+          <p:nvPr>
+            <p:ph type="title"/>
+          </p:nvPr>
+        </p:nvSpPr>
+        <p:spPr>
+          <a:xfrm>
+            <a:off x="581192" y="702156"/>
+            <a:ext cx="11029616" cy="568860"/>
+          </a:xfrm>
+        </p:spPr>
+        <p:txBody>
+          <a:bodyPr/>
+          <a:lstStyle/>
+          <a:p>
+            <a:r>
+              <a:rPr lang="en-US" dirty="0"/>
+              <a:t>GEOGRAPHY</a:t>
+            </a:r>
+          </a:p>
+        </p:txBody>
+      </p:sp>
+      <p:sp>
+        <p:nvSpPr>
+          <p:cNvPr id="3" name="Content Placeholder 2">
+            <a:extLst>
+              <a:ext uri="{FF2B5EF4-FFF2-40B4-BE49-F238E27FC236}">
+                <a16:creationId xmlns:a16="http://schemas.microsoft.com/office/drawing/2014/main" id="{32B2A6B3-C2B2-7574-C22E-F56FCB4D7CED}"/>
+              </a:ext>
+            </a:extLst>
+          </p:cNvPr>
+          <p:cNvSpPr>
+            <a:spLocks noGrp="1"/>
+          </p:cNvSpPr>
+          <p:nvPr>
+            <p:ph idx="1"/>
+          </p:nvPr>
+        </p:nvSpPr>
+        <p:spPr>
+          <a:xfrm>
+            <a:off x="581192" y="1426464"/>
+            <a:ext cx="11029615" cy="2395728"/>
+          </a:xfrm>
+        </p:spPr>
+        <p:txBody>
+          <a:bodyPr>
+            <a:normAutofit/>
+          </a:bodyPr>
+          <a:lstStyle/>
+          <a:p>
+            <a:pPr algn="l"/>
+            <a:r>
+              <a:rPr lang="en-US" sz="1800" b="0" i="0" u="none" strike="noStrike" baseline="0" dirty="0">
+                <a:solidFill>
+                  <a:srgbClr val="262626"/>
+                </a:solidFill>
+                <a:latin typeface="Courier"/>
+              </a:rPr>
+              <a:t>geography </a:t>
+            </a:r>
+            <a:r>
+              <a:rPr lang="en-US" sz="1800" b="0" i="0" u="none" strike="noStrike" baseline="0" dirty="0">
+                <a:solidFill>
+                  <a:srgbClr val="262626"/>
+                </a:solidFill>
+                <a:latin typeface="NewBaskerville-Roman"/>
+              </a:rPr>
+              <a:t>starts by assuming that all your data is based on a geodetic coordinate system, specifically the WGS 84 </a:t>
+            </a:r>
+            <a:r>
+              <a:rPr lang="en-US" sz="1800" b="0" i="0" u="none" strike="noStrike" baseline="0" dirty="0" err="1">
+                <a:solidFill>
+                  <a:srgbClr val="262626"/>
+                </a:solidFill>
+                <a:latin typeface="NewBaskerville-Roman"/>
+              </a:rPr>
+              <a:t>lon</a:t>
+            </a:r>
+            <a:r>
+              <a:rPr lang="en-US" sz="1800" b="0" i="0" u="none" strike="noStrike" baseline="0" dirty="0">
+                <a:solidFill>
+                  <a:srgbClr val="262626"/>
+                </a:solidFill>
+                <a:latin typeface="NewBaskerville-Roman"/>
+              </a:rPr>
+              <a:t>/</a:t>
+            </a:r>
+            <a:r>
+              <a:rPr lang="en-US" sz="1800" b="0" i="0" u="none" strike="noStrike" baseline="0" dirty="0" err="1">
+                <a:solidFill>
+                  <a:srgbClr val="262626"/>
+                </a:solidFill>
+                <a:latin typeface="NewBaskerville-Roman"/>
+              </a:rPr>
+              <a:t>lat</a:t>
+            </a:r>
+            <a:r>
+              <a:rPr lang="en-US" sz="1800" b="0" i="0" u="none" strike="noStrike" baseline="0" dirty="0">
+                <a:solidFill>
+                  <a:srgbClr val="262626"/>
+                </a:solidFill>
+                <a:latin typeface="NewBaskerville-Roman"/>
+              </a:rPr>
+              <a:t> SRID of 4326.</a:t>
+            </a:r>
+          </a:p>
+          <a:p>
+            <a:pPr algn="l"/>
+            <a:r>
+              <a:rPr lang="en-US" dirty="0"/>
+              <a:t>SRID: Spatial Reference Identifier is a unique identifier that defines the </a:t>
+            </a:r>
+            <a:r>
+              <a:rPr lang="en-US" b="1" dirty="0"/>
+              <a:t>spatial reference system (SRS)</a:t>
+            </a:r>
+            <a:r>
+              <a:rPr lang="en-US" dirty="0"/>
+              <a:t> used to interpret spatial data in </a:t>
+            </a:r>
+            <a:r>
+              <a:rPr lang="en-US" b="1" dirty="0" err="1"/>
+              <a:t>PostGIS</a:t>
+            </a:r>
+            <a:r>
+              <a:rPr lang="en-US" dirty="0"/>
+              <a:t> and other GIS systems. </a:t>
+            </a:r>
+          </a:p>
+          <a:p>
+            <a:pPr algn="l"/>
+            <a:r>
+              <a:rPr lang="en-US" dirty="0"/>
+              <a:t>It specifies how spatial coordinates (such as longitude, latitude, or X/Y values) relate to the real world by defining the </a:t>
+            </a:r>
+            <a:r>
+              <a:rPr lang="en-US" b="1" dirty="0"/>
+              <a:t>coordinate system, projection, and datum</a:t>
+            </a:r>
+            <a:r>
+              <a:rPr lang="en-US" dirty="0"/>
+              <a:t>.</a:t>
+            </a:r>
+          </a:p>
+        </p:txBody>
+      </p:sp>
+    </p:spTree>
+    <p:extLst>
+      <p:ext uri="{BB962C8B-B14F-4D97-AF65-F5344CB8AC3E}">
+        <p14:creationId xmlns:p14="http://schemas.microsoft.com/office/powerpoint/2010/main" val="651807831"/>
+      </p:ext>
+    </p:extLst>
+  </p:cSld>
+  <p:clrMapOvr>
+    <a:masterClrMapping/>
+  </p:clrMapOvr>
+</p:sld>
+</file>
+
+<file path=ppt/slides/slide33.xml><?xml version="1.0" encoding="utf-8"?>
+<p:sld xmlns:a="http://schemas.openxmlformats.org/drawingml/2006/main" xmlns:r="http://schemas.openxmlformats.org/officeDocument/2006/relationships" xmlns:p="http://schemas.openxmlformats.org/presentationml/2006/main">
+  <p:cSld>
+    <p:spTree>
+      <p:nvGrpSpPr>
+        <p:cNvPr id="1" name=""/>
+        <p:cNvGrpSpPr/>
+        <p:nvPr/>
+      </p:nvGrpSpPr>
+      <p:grpSpPr>
+        <a:xfrm>
+          <a:off x="0" y="0"/>
+          <a:ext cx="0" cy="0"/>
+          <a:chOff x="0" y="0"/>
+          <a:chExt cx="0" cy="0"/>
+        </a:xfrm>
+      </p:grpSpPr>
+      <p:sp>
+        <p:nvSpPr>
+          <p:cNvPr id="2" name="Title 1">
+            <a:extLst>
+              <a:ext uri="{FF2B5EF4-FFF2-40B4-BE49-F238E27FC236}">
+                <a16:creationId xmlns:a16="http://schemas.microsoft.com/office/drawing/2014/main" id="{1D74D525-4A1E-DC49-0347-42190F17F8BF}"/>
+              </a:ext>
+            </a:extLst>
+          </p:cNvPr>
+          <p:cNvSpPr>
+            <a:spLocks noGrp="1"/>
+          </p:cNvSpPr>
+          <p:nvPr>
+            <p:ph type="title"/>
+          </p:nvPr>
+        </p:nvSpPr>
+        <p:spPr>
+          <a:xfrm>
+            <a:off x="581192" y="702156"/>
+            <a:ext cx="11029616" cy="605436"/>
+          </a:xfrm>
+        </p:spPr>
+        <p:txBody>
+          <a:bodyPr/>
+          <a:lstStyle/>
+          <a:p>
+            <a:r>
+              <a:rPr lang="en-US" dirty="0"/>
+              <a:t>Function for geometry</a:t>
+            </a:r>
+          </a:p>
+        </p:txBody>
+      </p:sp>
+      <p:sp>
+        <p:nvSpPr>
+          <p:cNvPr id="3" name="Content Placeholder 2">
+            <a:extLst>
+              <a:ext uri="{FF2B5EF4-FFF2-40B4-BE49-F238E27FC236}">
+                <a16:creationId xmlns:a16="http://schemas.microsoft.com/office/drawing/2014/main" id="{0679E1A4-848A-0D11-7E7E-F0E57E92F807}"/>
+              </a:ext>
+            </a:extLst>
+          </p:cNvPr>
+          <p:cNvSpPr>
+            <a:spLocks noGrp="1"/>
+          </p:cNvSpPr>
+          <p:nvPr>
+            <p:ph idx="1"/>
+          </p:nvPr>
+        </p:nvSpPr>
+        <p:spPr>
+          <a:xfrm>
+            <a:off x="581191" y="1481328"/>
+            <a:ext cx="11029615" cy="1764792"/>
+          </a:xfrm>
+        </p:spPr>
+        <p:txBody>
+          <a:bodyPr/>
+          <a:lstStyle/>
+          <a:p>
+            <a:r>
+              <a:rPr lang="en-US" dirty="0"/>
+              <a:t>The structure of the geography data subtypes mirrors that of geometry.</a:t>
+            </a:r>
+          </a:p>
+          <a:p>
+            <a:endParaRPr lang="en-US" dirty="0"/>
+          </a:p>
+          <a:p>
+            <a:r>
+              <a:rPr lang="en-US" dirty="0"/>
+              <a:t>Accordingly, functions for geometry can be applied to geography with minimal changes, primarily involving the substitution of the term geometry with geography in both data types and function names.</a:t>
+            </a:r>
+          </a:p>
+        </p:txBody>
+      </p:sp>
+    </p:spTree>
+    <p:extLst>
+      <p:ext uri="{BB962C8B-B14F-4D97-AF65-F5344CB8AC3E}">
+        <p14:creationId xmlns:p14="http://schemas.microsoft.com/office/powerpoint/2010/main" val="737557166"/>
+      </p:ext>
+    </p:extLst>
+  </p:cSld>
+  <p:clrMapOvr>
+    <a:masterClrMapping/>
+  </p:clrMapOvr>
+</p:sld>
+</file>
+
+<file path=ppt/slides/slide34.xml><?xml version="1.0" encoding="utf-8"?>
+<p:sld xmlns:a="http://schemas.openxmlformats.org/drawingml/2006/main" xmlns:r="http://schemas.openxmlformats.org/officeDocument/2006/relationships" xmlns:p="http://schemas.openxmlformats.org/presentationml/2006/main">
+  <p:cSld>
+    <p:spTree>
+      <p:nvGrpSpPr>
+        <p:cNvPr id="1" name=""/>
+        <p:cNvGrpSpPr/>
+        <p:nvPr/>
+      </p:nvGrpSpPr>
+      <p:grpSpPr>
+        <a:xfrm>
+          <a:off x="0" y="0"/>
+          <a:ext cx="0" cy="0"/>
+          <a:chOff x="0" y="0"/>
+          <a:chExt cx="0" cy="0"/>
+        </a:xfrm>
+      </p:grpSpPr>
+      <p:sp>
+        <p:nvSpPr>
+          <p:cNvPr id="2" name="Title 1">
+            <a:extLst>
+              <a:ext uri="{FF2B5EF4-FFF2-40B4-BE49-F238E27FC236}">
+                <a16:creationId xmlns:a16="http://schemas.microsoft.com/office/drawing/2014/main" id="{D3C9EFBD-6688-C65D-8229-A9DD5AEC339C}"/>
+              </a:ext>
+            </a:extLst>
+          </p:cNvPr>
+          <p:cNvSpPr>
+            <a:spLocks noGrp="1"/>
+          </p:cNvSpPr>
+          <p:nvPr>
+            <p:ph type="title"/>
+          </p:nvPr>
+        </p:nvSpPr>
+        <p:spPr>
+          <a:xfrm>
+            <a:off x="581192" y="702156"/>
+            <a:ext cx="11029616" cy="555144"/>
+          </a:xfrm>
+        </p:spPr>
+        <p:txBody>
+          <a:bodyPr/>
+          <a:lstStyle/>
+          <a:p>
+            <a:r>
+              <a:rPr lang="en-US" dirty="0" smtClean="0"/>
+              <a:t>Create points</a:t>
+            </a:r>
+            <a:endParaRPr lang="en-US" dirty="0"/>
+          </a:p>
+        </p:txBody>
+      </p:sp>
+      <p:sp>
+        <p:nvSpPr>
+          <p:cNvPr id="3" name="Content Placeholder 2">
+            <a:extLst>
+              <a:ext uri="{FF2B5EF4-FFF2-40B4-BE49-F238E27FC236}">
+                <a16:creationId xmlns:a16="http://schemas.microsoft.com/office/drawing/2014/main" id="{BBA6E4DB-6E4B-D7C3-A8D9-F58FD062568F}"/>
+              </a:ext>
+            </a:extLst>
+          </p:cNvPr>
+          <p:cNvSpPr>
+            <a:spLocks noGrp="1"/>
+          </p:cNvSpPr>
+          <p:nvPr>
+            <p:ph idx="1"/>
+          </p:nvPr>
+        </p:nvSpPr>
+        <p:spPr/>
+        <p:txBody>
+          <a:bodyPr>
+            <a:normAutofit fontScale="92500" lnSpcReduction="10000"/>
+          </a:bodyPr>
+          <a:lstStyle/>
+          <a:p>
+            <a:r>
+              <a:rPr lang="en-US" dirty="0"/>
+              <a:t>CREATE TABLE ch02.my_geogs (</a:t>
+            </a:r>
+          </a:p>
+          <a:p>
+            <a:r>
+              <a:rPr lang="en-US" dirty="0"/>
+              <a:t>id serial PRIMARY KEY,</a:t>
+            </a:r>
+          </a:p>
+          <a:p>
+            <a:r>
+              <a:rPr lang="en-US" dirty="0"/>
+              <a:t>name varchar(20),</a:t>
+            </a:r>
+          </a:p>
+          <a:p>
+            <a:r>
+              <a:rPr lang="en-US" dirty="0" err="1"/>
+              <a:t>my_point</a:t>
+            </a:r>
+            <a:r>
+              <a:rPr lang="en-US" dirty="0"/>
+              <a:t> geography(POINT)</a:t>
+            </a:r>
+          </a:p>
+          <a:p>
+            <a:r>
+              <a:rPr lang="en-US" dirty="0"/>
+              <a:t>);</a:t>
+            </a:r>
+          </a:p>
+          <a:p>
+            <a:r>
+              <a:rPr lang="en-US" dirty="0"/>
+              <a:t>INSERT INTO ch02.my_geogs (name, </a:t>
+            </a:r>
+            <a:r>
+              <a:rPr lang="en-US" dirty="0" err="1"/>
+              <a:t>my_point</a:t>
+            </a:r>
+            <a:r>
+              <a:rPr lang="en-US" dirty="0"/>
+              <a:t>)</a:t>
+            </a:r>
+          </a:p>
+          <a:p>
+            <a:r>
+              <a:rPr lang="en-US" dirty="0"/>
+              <a:t>VALUES</a:t>
+            </a:r>
+          </a:p>
+          <a:p>
+            <a:r>
+              <a:rPr lang="en-US" dirty="0"/>
+              <a:t>('Clark',</a:t>
+            </a:r>
+            <a:r>
+              <a:rPr lang="en-US" dirty="0" err="1"/>
+              <a:t>ST_GeogFromText</a:t>
+            </a:r>
+            <a:r>
+              <a:rPr lang="en-US" dirty="0"/>
+              <a:t>('POINT(-71.8241 42.2521)')),</a:t>
+            </a:r>
+          </a:p>
+          <a:p>
+            <a:r>
+              <a:rPr lang="en-US" dirty="0"/>
+              <a:t>('</a:t>
+            </a:r>
+            <a:r>
+              <a:rPr lang="en-US" dirty="0" err="1"/>
+              <a:t>WAirport</a:t>
+            </a:r>
+            <a:r>
+              <a:rPr lang="en-US" dirty="0"/>
+              <a:t>',</a:t>
+            </a:r>
+            <a:r>
+              <a:rPr lang="en-US" dirty="0" err="1"/>
+              <a:t>ST_GeogFromText</a:t>
+            </a:r>
+            <a:r>
+              <a:rPr lang="en-US" dirty="0"/>
+              <a:t>('POINT(-71.8743 42.2688)')),</a:t>
+            </a:r>
+          </a:p>
+          <a:p>
+            <a:r>
+              <a:rPr lang="en-US" dirty="0"/>
+              <a:t>('Park',</a:t>
+            </a:r>
+            <a:r>
+              <a:rPr lang="en-US" dirty="0" err="1"/>
+              <a:t>ST_GeogFromText</a:t>
+            </a:r>
+            <a:r>
+              <a:rPr lang="en-US" dirty="0"/>
+              <a:t>('POINT(-71.8144 42.2691)'));</a:t>
+            </a:r>
+          </a:p>
+        </p:txBody>
+      </p:sp>
+    </p:spTree>
+    <p:extLst>
+      <p:ext uri="{BB962C8B-B14F-4D97-AF65-F5344CB8AC3E}">
+        <p14:creationId xmlns:p14="http://schemas.microsoft.com/office/powerpoint/2010/main" val="3584177212"/>
+      </p:ext>
+    </p:extLst>
+  </p:cSld>
+  <p:clrMapOvr>
+    <a:masterClrMapping/>
+  </p:clrMapOvr>
+</p:sld>
+</file>
+
+<file path=ppt/slides/slide35.xml><?xml version="1.0" encoding="utf-8"?>
+<p:sld xmlns:a="http://schemas.openxmlformats.org/drawingml/2006/main" xmlns:r="http://schemas.openxmlformats.org/officeDocument/2006/relationships" xmlns:p="http://schemas.openxmlformats.org/presentationml/2006/main">
+  <p:cSld>
+    <p:bg>
+      <p:bgPr>
+        <a:solidFill>
+          <a:schemeClr val="bg1"/>
+        </a:solidFill>
+        <a:effectLst/>
+      </p:bgPr>
+    </p:bg>
+    <p:spTree>
+      <p:nvGrpSpPr>
+        <p:cNvPr id="1" name="">
+          <a:extLst>
+            <a:ext uri="{FF2B5EF4-FFF2-40B4-BE49-F238E27FC236}">
+              <a16:creationId xmlns:a16="http://schemas.microsoft.com/office/drawing/2014/main" id="{BD58E5E8-3B6D-061E-B3EE-E82E5CBE57D2}"/>
+            </a:ext>
+          </a:extLst>
+        </p:cNvPr>
+        <p:cNvGrpSpPr/>
+        <p:nvPr/>
+      </p:nvGrpSpPr>
+      <p:grpSpPr>
+        <a:xfrm>
+          <a:off x="0" y="0"/>
+          <a:ext cx="0" cy="0"/>
+          <a:chOff x="0" y="0"/>
+          <a:chExt cx="0" cy="0"/>
+        </a:xfrm>
+      </p:grpSpPr>
+      <p:sp>
+        <p:nvSpPr>
+          <p:cNvPr id="36" name="Rectangle 35">
+            <a:extLst>
+              <a:ext uri="{FF2B5EF4-FFF2-40B4-BE49-F238E27FC236}">
+                <a16:creationId xmlns:a16="http://schemas.microsoft.com/office/drawing/2014/main" id="{DCF4EB5C-ED25-4675-8255-2F5B12CFFCF0}"/>
+              </a:ext>
+              <a:ext uri="{C183D7F6-B498-43B3-948B-1728B52AA6E4}">
+                <adec:decorative xmlns="" xmlns:adec="http://schemas.microsoft.com/office/drawing/2017/decorative" val="1"/>
+              </a:ext>
+            </a:extLst>
+          </p:cNvPr>
+          <p:cNvSpPr>
+            <a:spLocks noGrp="1" noRot="1" noChangeAspect="1" noMove="1" noResize="1" noEditPoints="1" noAdjustHandles="1" noChangeArrowheads="1" noChangeShapeType="1" noTextEdit="1"/>
+          </p:cNvSpPr>
+          <p:nvPr>
+            <p:extLst>
+              <p:ext uri="{386F3935-93C4-4BCD-93E2-E3B085C9AB24}">
+                <p16:designElem xmlns:p16="http://schemas.microsoft.com/office/powerpoint/2015/main" val="1"/>
+              </p:ext>
+            </p:extLst>
+          </p:nvPr>
+        </p:nvSpPr>
+        <p:spPr>
+          <a:xfrm>
+            <a:off x="446534" y="457200"/>
+            <a:ext cx="3703320" cy="94997"/>
+          </a:xfrm>
+          <a:prstGeom prst="rect">
+            <a:avLst/>
+          </a:prstGeom>
+          <a:solidFill>
+            <a:srgbClr val="465359"/>
+          </a:solidFill>
+          <a:ln>
+            <a:noFill/>
+          </a:ln>
+          <a:effectLst/>
+        </p:spPr>
+        <p:style>
+          <a:lnRef idx="1">
+            <a:schemeClr val="accent1"/>
+          </a:lnRef>
+          <a:fillRef idx="3">
+            <a:schemeClr val="accent1"/>
+          </a:fillRef>
+          <a:effectRef idx="2">
+            <a:schemeClr val="accent1"/>
+          </a:effectRef>
+          <a:fontRef idx="minor">
+            <a:schemeClr val="lt1"/>
+          </a:fontRef>
+        </p:style>
+        <p:txBody>
+          <a:bodyPr/>
+          <a:lstStyle/>
+          <a:p>
+            <a:endParaRPr lang="en-US"/>
+          </a:p>
+        </p:txBody>
+      </p:sp>
+      <p:sp>
+        <p:nvSpPr>
+          <p:cNvPr id="38" name="Rectangle 37">
+            <a:extLst>
+              <a:ext uri="{FF2B5EF4-FFF2-40B4-BE49-F238E27FC236}">
+                <a16:creationId xmlns:a16="http://schemas.microsoft.com/office/drawing/2014/main" id="{9514EC6E-A557-42A2-BCDC-3ABFFC5E564D}"/>
+              </a:ext>
+              <a:ext uri="{C183D7F6-B498-43B3-948B-1728B52AA6E4}">
+                <adec:decorative xmlns="" xmlns:adec="http://schemas.microsoft.com/office/drawing/2017/decorative" val="1"/>
+              </a:ext>
+            </a:extLst>
+          </p:cNvPr>
+          <p:cNvSpPr>
+            <a:spLocks noGrp="1" noRot="1" noChangeAspect="1" noMove="1" noResize="1" noEditPoints="1" noAdjustHandles="1" noChangeArrowheads="1" noChangeShapeType="1" noTextEdit="1"/>
+          </p:cNvSpPr>
+          <p:nvPr>
+            <p:extLst>
+              <p:ext uri="{386F3935-93C4-4BCD-93E2-E3B085C9AB24}">
+                <p16:designElem xmlns:p16="http://schemas.microsoft.com/office/powerpoint/2015/main" val="1"/>
+              </p:ext>
+            </p:extLst>
+          </p:nvPr>
+        </p:nvSpPr>
+        <p:spPr>
+          <a:xfrm>
+            <a:off x="8042147" y="453643"/>
+            <a:ext cx="3703320" cy="98554"/>
+          </a:xfrm>
+          <a:prstGeom prst="rect">
+            <a:avLst/>
+          </a:prstGeom>
+          <a:solidFill>
+            <a:srgbClr val="969FA7"/>
+          </a:solidFill>
+          <a:ln>
+            <a:noFill/>
+          </a:ln>
+          <a:effectLst/>
+        </p:spPr>
+        <p:style>
+          <a:lnRef idx="1">
+            <a:schemeClr val="accent1"/>
+          </a:lnRef>
+          <a:fillRef idx="3">
+            <a:schemeClr val="accent1"/>
+          </a:fillRef>
+          <a:effectRef idx="2">
+            <a:schemeClr val="accent1"/>
+          </a:effectRef>
+          <a:fontRef idx="minor">
+            <a:schemeClr val="lt1"/>
+          </a:fontRef>
+        </p:style>
+        <p:txBody>
+          <a:bodyPr/>
+          <a:lstStyle/>
+          <a:p>
+            <a:endParaRPr lang="en-US"/>
+          </a:p>
+        </p:txBody>
+      </p:sp>
+      <p:sp>
+        <p:nvSpPr>
+          <p:cNvPr id="40" name="Rectangle 39">
+            <a:extLst>
+              <a:ext uri="{FF2B5EF4-FFF2-40B4-BE49-F238E27FC236}">
+                <a16:creationId xmlns:a16="http://schemas.microsoft.com/office/drawing/2014/main" id="{905482C9-EB42-4BFE-95BF-7FD661F07657}"/>
+              </a:ext>
+              <a:ext uri="{C183D7F6-B498-43B3-948B-1728B52AA6E4}">
+                <adec:decorative xmlns="" xmlns:adec="http://schemas.microsoft.com/office/drawing/2017/decorative" val="1"/>
+              </a:ext>
+            </a:extLst>
+          </p:cNvPr>
+          <p:cNvSpPr>
+            <a:spLocks noGrp="1" noRot="1" noChangeAspect="1" noMove="1" noResize="1" noEditPoints="1" noAdjustHandles="1" noChangeArrowheads="1" noChangeShapeType="1" noTextEdit="1"/>
+          </p:cNvSpPr>
+          <p:nvPr>
+            <p:extLst>
+              <p:ext uri="{386F3935-93C4-4BCD-93E2-E3B085C9AB24}">
+                <p16:designElem xmlns:p16="http://schemas.microsoft.com/office/powerpoint/2015/main" val="1"/>
+              </p:ext>
+            </p:extLst>
+          </p:nvPr>
+        </p:nvSpPr>
+        <p:spPr>
+          <a:xfrm>
+            <a:off x="4241830" y="457200"/>
+            <a:ext cx="3703320" cy="91440"/>
+          </a:xfrm>
+          <a:prstGeom prst="rect">
+            <a:avLst/>
+          </a:prstGeom>
+          <a:solidFill>
+            <a:schemeClr val="accent1"/>
+          </a:solidFill>
+          <a:ln>
+            <a:noFill/>
+          </a:ln>
+          <a:effectLst/>
+        </p:spPr>
+        <p:style>
+          <a:lnRef idx="1">
+            <a:schemeClr val="accent1"/>
+          </a:lnRef>
+          <a:fillRef idx="3">
+            <a:schemeClr val="accent1"/>
+          </a:fillRef>
+          <a:effectRef idx="2">
+            <a:schemeClr val="accent1"/>
+          </a:effectRef>
+          <a:fontRef idx="minor">
+            <a:schemeClr val="lt1"/>
+          </a:fontRef>
+        </p:style>
+        <p:txBody>
+          <a:bodyPr/>
+          <a:lstStyle/>
+          <a:p>
+            <a:endParaRPr lang="en-US"/>
+          </a:p>
+        </p:txBody>
+      </p:sp>
+      <p:sp>
+        <p:nvSpPr>
+          <p:cNvPr id="42" name="Rectangle 41">
+            <a:extLst>
+              <a:ext uri="{FF2B5EF4-FFF2-40B4-BE49-F238E27FC236}">
+                <a16:creationId xmlns:a16="http://schemas.microsoft.com/office/drawing/2014/main" id="{7539E646-A625-4A26-86ED-BD90EDD329F7}"/>
+              </a:ext>
+              <a:ext uri="{C183D7F6-B498-43B3-948B-1728B52AA6E4}">
+                <adec:decorative xmlns="" xmlns:adec="http://schemas.microsoft.com/office/drawing/2017/decorative" val="1"/>
+              </a:ext>
+            </a:extLst>
+          </p:cNvPr>
+          <p:cNvSpPr>
+            <a:spLocks noGrp="1" noRot="1" noChangeAspect="1" noMove="1" noResize="1" noEditPoints="1" noAdjustHandles="1" noChangeArrowheads="1" noChangeShapeType="1" noTextEdit="1"/>
+          </p:cNvSpPr>
+          <p:nvPr>
+            <p:extLst>
+              <p:ext uri="{386F3935-93C4-4BCD-93E2-E3B085C9AB24}">
+                <p16:designElem xmlns:p16="http://schemas.microsoft.com/office/powerpoint/2015/main" val="1"/>
+              </p:ext>
+            </p:extLst>
+          </p:nvPr>
+        </p:nvSpPr>
+        <p:spPr>
+          <a:xfrm>
+            <a:off x="446534" y="3085764"/>
+            <a:ext cx="11298932" cy="3338149"/>
+          </a:xfrm>
+          <a:prstGeom prst="rect">
+            <a:avLst/>
+          </a:prstGeom>
+          <a:solidFill>
+            <a:srgbClr val="465359"/>
+          </a:solidFill>
+          <a:ln>
+            <a:noFill/>
+          </a:ln>
+          <a:effectLst/>
+        </p:spPr>
+        <p:style>
+          <a:lnRef idx="1">
+            <a:schemeClr val="accent1"/>
+          </a:lnRef>
+          <a:fillRef idx="3">
+            <a:schemeClr val="accent1"/>
+          </a:fillRef>
+          <a:effectRef idx="2">
+            <a:schemeClr val="accent1"/>
+          </a:effectRef>
+          <a:fontRef idx="minor">
+            <a:schemeClr val="lt1"/>
+          </a:fontRef>
+        </p:style>
+        <p:txBody>
+          <a:bodyPr/>
+          <a:lstStyle/>
+          <a:p>
+            <a:endParaRPr lang="en-US"/>
+          </a:p>
+        </p:txBody>
+      </p:sp>
+      <p:sp useBgFill="1">
+        <p:nvSpPr>
+          <p:cNvPr id="44" name="Rectangle 43">
+            <a:extLst>
+              <a:ext uri="{FF2B5EF4-FFF2-40B4-BE49-F238E27FC236}">
+                <a16:creationId xmlns:a16="http://schemas.microsoft.com/office/drawing/2014/main" id="{39171204-6A50-40E1-B631-84CEDFC9396A}"/>
+              </a:ext>
+              <a:ext uri="{C183D7F6-B498-43B3-948B-1728B52AA6E4}">
+                <adec:decorative xmlns="" xmlns:adec="http://schemas.microsoft.com/office/drawing/2017/decorative" val="1"/>
+              </a:ext>
+            </a:extLst>
+          </p:cNvPr>
+          <p:cNvSpPr>
+            <a:spLocks noGrp="1" noRot="1" noChangeAspect="1" noMove="1" noResize="1" noEditPoints="1" noAdjustHandles="1" noChangeArrowheads="1" noChangeShapeType="1" noTextEdit="1"/>
+          </p:cNvSpPr>
+          <p:nvPr>
+            <p:extLst>
+              <p:ext uri="{386F3935-93C4-4BCD-93E2-E3B085C9AB24}">
+                <p16:designElem xmlns:p16="http://schemas.microsoft.com/office/powerpoint/2015/main" val="1"/>
+              </p:ext>
+            </p:extLst>
+          </p:nvPr>
+        </p:nvSpPr>
+        <p:spPr>
+          <a:xfrm>
+            <a:off x="0" y="0"/>
+            <a:ext cx="12192000" cy="6858000"/>
+          </a:xfrm>
+          <a:prstGeom prst="rect">
+            <a:avLst/>
+          </a:prstGeom>
+          <a:ln>
+            <a:noFill/>
+          </a:ln>
+        </p:spPr>
+        <p:style>
+          <a:lnRef idx="2">
+            <a:schemeClr val="accent1">
+              <a:shade val="50000"/>
+            </a:schemeClr>
+          </a:lnRef>
+          <a:fillRef idx="1">
+            <a:schemeClr val="accent1"/>
+          </a:fillRef>
+          <a:effectRef idx="0">
+            <a:schemeClr val="accent1"/>
+          </a:effectRef>
+          <a:fontRef idx="minor">
+            <a:schemeClr val="lt1"/>
+          </a:fontRef>
+        </p:style>
+        <p:txBody>
+          <a:bodyPr rtlCol="0" anchor="ctr"/>
+          <a:lstStyle/>
+          <a:p>
+            <a:pPr algn="ctr"/>
+            <a:endParaRPr lang="en-US"/>
+          </a:p>
+        </p:txBody>
+      </p:sp>
+      <p:sp>
+        <p:nvSpPr>
+          <p:cNvPr id="46" name="Rectangle 45">
+            <a:extLst>
+              <a:ext uri="{FF2B5EF4-FFF2-40B4-BE49-F238E27FC236}">
+                <a16:creationId xmlns:a16="http://schemas.microsoft.com/office/drawing/2014/main" id="{06C973F6-5187-412F-AACC-6E3FF8A6A12C}"/>
+              </a:ext>
+              <a:ext uri="{C183D7F6-B498-43B3-948B-1728B52AA6E4}">
+                <adec:decorative xmlns="" xmlns:adec="http://schemas.microsoft.com/office/drawing/2017/decorative" val="1"/>
+              </a:ext>
+            </a:extLst>
+          </p:cNvPr>
+          <p:cNvSpPr>
+            <a:spLocks noGrp="1" noRot="1" noChangeAspect="1" noMove="1" noResize="1" noEditPoints="1" noAdjustHandles="1" noChangeArrowheads="1" noChangeShapeType="1" noTextEdit="1"/>
+          </p:cNvSpPr>
+          <p:nvPr>
+            <p:extLst>
+              <p:ext uri="{386F3935-93C4-4BCD-93E2-E3B085C9AB24}">
+                <p16:designElem xmlns:p16="http://schemas.microsoft.com/office/powerpoint/2015/main" val="1"/>
+              </p:ext>
+            </p:extLst>
+          </p:nvPr>
+        </p:nvSpPr>
+        <p:spPr>
+          <a:xfrm>
+            <a:off x="509628" y="496959"/>
+            <a:ext cx="1106164" cy="5859735"/>
+          </a:xfrm>
+          <a:prstGeom prst="rect">
+            <a:avLst/>
+          </a:prstGeom>
+          <a:solidFill>
+            <a:srgbClr val="465359"/>
+          </a:solidFill>
+          <a:ln>
+            <a:noFill/>
+          </a:ln>
+          <a:effectLst/>
+        </p:spPr>
+        <p:style>
+          <a:lnRef idx="1">
+            <a:schemeClr val="accent1"/>
+          </a:lnRef>
+          <a:fillRef idx="3">
+            <a:schemeClr val="accent1"/>
+          </a:fillRef>
+          <a:effectRef idx="2">
+            <a:schemeClr val="accent1"/>
+          </a:effectRef>
+          <a:fontRef idx="minor">
+            <a:schemeClr val="lt1"/>
+          </a:fontRef>
+        </p:style>
+        <p:txBody>
+          <a:bodyPr/>
+          <a:lstStyle/>
+          <a:p>
+            <a:endParaRPr lang="en-US"/>
+          </a:p>
+        </p:txBody>
+      </p:sp>
+      <p:sp>
+        <p:nvSpPr>
+          <p:cNvPr id="48" name="Rectangle 47">
+            <a:extLst>
+              <a:ext uri="{FF2B5EF4-FFF2-40B4-BE49-F238E27FC236}">
+                <a16:creationId xmlns:a16="http://schemas.microsoft.com/office/drawing/2014/main" id="{D11AE14F-1B7E-41E6-B579-2F71D135036C}"/>
+              </a:ext>
+              <a:ext uri="{C183D7F6-B498-43B3-948B-1728B52AA6E4}">
+                <adec:decorative xmlns="" xmlns:adec="http://schemas.microsoft.com/office/drawing/2017/decorative" val="1"/>
+              </a:ext>
+            </a:extLst>
+          </p:cNvPr>
+          <p:cNvSpPr>
+            <a:spLocks noGrp="1" noRot="1" noChangeAspect="1" noMove="1" noResize="1" noEditPoints="1" noAdjustHandles="1" noChangeArrowheads="1" noChangeShapeType="1" noTextEdit="1"/>
+          </p:cNvSpPr>
+          <p:nvPr>
+            <p:extLst>
+              <p:ext uri="{386F3935-93C4-4BCD-93E2-E3B085C9AB24}">
+                <p16:designElem xmlns:p16="http://schemas.microsoft.com/office/powerpoint/2015/main" val="1"/>
+              </p:ext>
+            </p:extLst>
+          </p:nvPr>
+        </p:nvSpPr>
+        <p:spPr>
+          <a:xfrm>
+            <a:off x="1712856" y="496958"/>
+            <a:ext cx="9961047" cy="3678072"/>
+          </a:xfrm>
+          <a:prstGeom prst="rect">
+            <a:avLst/>
+          </a:prstGeom>
+          <a:solidFill>
+            <a:schemeClr val="accent1"/>
+          </a:solidFill>
+          <a:ln>
+            <a:noFill/>
+          </a:ln>
+          <a:effectLst/>
+        </p:spPr>
+        <p:style>
+          <a:lnRef idx="1">
+            <a:schemeClr val="accent1"/>
+          </a:lnRef>
+          <a:fillRef idx="3">
+            <a:schemeClr val="accent1"/>
+          </a:fillRef>
+          <a:effectRef idx="2">
+            <a:schemeClr val="accent1"/>
+          </a:effectRef>
+          <a:fontRef idx="minor">
+            <a:schemeClr val="lt1"/>
+          </a:fontRef>
+        </p:style>
+        <p:txBody>
+          <a:bodyPr/>
+          <a:lstStyle/>
+          <a:p>
+            <a:endParaRPr lang="en-US"/>
+          </a:p>
+        </p:txBody>
+      </p:sp>
+      <p:sp>
+        <p:nvSpPr>
+          <p:cNvPr id="2" name="Title 1">
+            <a:extLst>
+              <a:ext uri="{FF2B5EF4-FFF2-40B4-BE49-F238E27FC236}">
                 <a16:creationId xmlns:a16="http://schemas.microsoft.com/office/drawing/2014/main" id="{C8BCD69B-F78E-F370-35A0-2DDD708E5EDE}"/>
               </a:ext>
             </a:extLst>
@@ -17976,7 +19861,7 @@
                 <a16:creationId xmlns:a16="http://schemas.microsoft.com/office/drawing/2014/main" id="{752BB805-F7B7-4B80-A1C5-385D4DAF74D0}"/>
               </a:ext>
               <a:ext uri="{C183D7F6-B498-43B3-948B-1728B52AA6E4}">
-                <adec:decorative xmlns:adec="http://schemas.microsoft.com/office/drawing/2017/decorative" xmlns="" val="1"/>
+                <adec:decorative xmlns="" xmlns:adec="http://schemas.microsoft.com/office/drawing/2017/decorative" val="1"/>
               </a:ext>
             </a:extLst>
           </p:cNvPr>
@@ -18136,7 +20021,7 @@
 </p:sld>
 </file>
 
-<file path=ppt/slides/slide32.xml><?xml version="1.0" encoding="utf-8"?>
+<file path=ppt/slides/slide36.xml><?xml version="1.0" encoding="utf-8"?>
 <p:sld xmlns:a="http://schemas.openxmlformats.org/drawingml/2006/main" xmlns:r="http://schemas.openxmlformats.org/officeDocument/2006/relationships" xmlns:p="http://schemas.openxmlformats.org/presentationml/2006/main">
   <p:cSld>
     <p:spTree>
@@ -18320,7 +20205,7 @@
 </p:sld>
 </file>
 
-<file path=ppt/slides/slide33.xml><?xml version="1.0" encoding="utf-8"?>
+<file path=ppt/slides/slide37.xml><?xml version="1.0" encoding="utf-8"?>
 <p:sld xmlns:a="http://schemas.openxmlformats.org/drawingml/2006/main" xmlns:r="http://schemas.openxmlformats.org/officeDocument/2006/relationships" xmlns:p="http://schemas.openxmlformats.org/presentationml/2006/main">
   <p:cSld>
     <p:spTree>
@@ -18576,7 +20461,7 @@
 </p:sld>
 </file>
 
-<file path=ppt/slides/slide34.xml><?xml version="1.0" encoding="utf-8"?>
+<file path=ppt/slides/slide38.xml><?xml version="1.0" encoding="utf-8"?>
 <p:sld xmlns:a="http://schemas.openxmlformats.org/drawingml/2006/main" xmlns:r="http://schemas.openxmlformats.org/officeDocument/2006/relationships" xmlns:p="http://schemas.openxmlformats.org/presentationml/2006/main">
   <p:cSld>
     <p:bg>
@@ -18615,7 +20500,7 @@
                 <a16:creationId xmlns:a16="http://schemas.microsoft.com/office/drawing/2014/main" id="{DCF4EB5C-ED25-4675-8255-2F5B12CFFCF0}"/>
               </a:ext>
               <a:ext uri="{C183D7F6-B498-43B3-948B-1728B52AA6E4}">
-                <adec:decorative xmlns:adec="http://schemas.microsoft.com/office/drawing/2017/decorative" xmlns="" val="1"/>
+                <adec:decorative xmlns="" xmlns:adec="http://schemas.microsoft.com/office/drawing/2017/decorative" val="1"/>
               </a:ext>
             </a:extLst>
           </p:cNvPr>
@@ -18676,7 +20561,7 @@
                 <a16:creationId xmlns:a16="http://schemas.microsoft.com/office/drawing/2014/main" id="{9514EC6E-A557-42A2-BCDC-3ABFFC5E564D}"/>
               </a:ext>
               <a:ext uri="{C183D7F6-B498-43B3-948B-1728B52AA6E4}">
-                <adec:decorative xmlns:adec="http://schemas.microsoft.com/office/drawing/2017/decorative" xmlns="" val="1"/>
+                <adec:decorative xmlns="" xmlns:adec="http://schemas.microsoft.com/office/drawing/2017/decorative" val="1"/>
               </a:ext>
             </a:extLst>
           </p:cNvPr>
@@ -18737,7 +20622,7 @@
                 <a16:creationId xmlns:a16="http://schemas.microsoft.com/office/drawing/2014/main" id="{905482C9-EB42-4BFE-95BF-7FD661F07657}"/>
               </a:ext>
               <a:ext uri="{C183D7F6-B498-43B3-948B-1728B52AA6E4}">
-                <adec:decorative xmlns:adec="http://schemas.microsoft.com/office/drawing/2017/decorative" xmlns="" val="1"/>
+                <adec:decorative xmlns="" xmlns:adec="http://schemas.microsoft.com/office/drawing/2017/decorative" val="1"/>
               </a:ext>
             </a:extLst>
           </p:cNvPr>
@@ -18798,7 +20683,7 @@
                 <a16:creationId xmlns:a16="http://schemas.microsoft.com/office/drawing/2014/main" id="{7539E646-A625-4A26-86ED-BD90EDD329F7}"/>
               </a:ext>
               <a:ext uri="{C183D7F6-B498-43B3-948B-1728B52AA6E4}">
-                <adec:decorative xmlns:adec="http://schemas.microsoft.com/office/drawing/2017/decorative" xmlns="" val="1"/>
+                <adec:decorative xmlns="" xmlns:adec="http://schemas.microsoft.com/office/drawing/2017/decorative" val="1"/>
               </a:ext>
             </a:extLst>
           </p:cNvPr>
@@ -18859,7 +20744,7 @@
                 <a16:creationId xmlns:a16="http://schemas.microsoft.com/office/drawing/2014/main" id="{9FE6175D-CE1B-4C8E-8FF8-7309F21F31C5}"/>
               </a:ext>
               <a:ext uri="{C183D7F6-B498-43B3-948B-1728B52AA6E4}">
-                <adec:decorative xmlns:adec="http://schemas.microsoft.com/office/drawing/2017/decorative" xmlns="" val="1"/>
+                <adec:decorative xmlns="" xmlns:adec="http://schemas.microsoft.com/office/drawing/2017/decorative" val="1"/>
               </a:ext>
             </a:extLst>
           </p:cNvPr>
@@ -18964,7 +20849,7 @@
                 <a16:creationId xmlns:a16="http://schemas.microsoft.com/office/drawing/2014/main" id="{0DF8C05A-3103-44B5-AFBC-A8FC5AF00AFD}"/>
               </a:ext>
               <a:ext uri="{C183D7F6-B498-43B3-948B-1728B52AA6E4}">
-                <adec:decorative xmlns:adec="http://schemas.microsoft.com/office/drawing/2017/decorative" xmlns="" val="1"/>
+                <adec:decorative xmlns="" xmlns:adec="http://schemas.microsoft.com/office/drawing/2017/decorative" val="1"/>
               </a:ext>
             </a:extLst>
           </p:cNvPr>
@@ -19025,7 +20910,7 @@
                 <a16:creationId xmlns:a16="http://schemas.microsoft.com/office/drawing/2014/main" id="{0794EE00-AFAB-44F8-902F-E94445806663}"/>
               </a:ext>
               <a:ext uri="{C183D7F6-B498-43B3-948B-1728B52AA6E4}">
-                <adec:decorative xmlns:adec="http://schemas.microsoft.com/office/drawing/2017/decorative" xmlns="" val="1"/>
+                <adec:decorative xmlns="" xmlns:adec="http://schemas.microsoft.com/office/drawing/2017/decorative" val="1"/>
               </a:ext>
             </a:extLst>
           </p:cNvPr>
@@ -19086,7 +20971,7 @@
                 <a16:creationId xmlns:a16="http://schemas.microsoft.com/office/drawing/2014/main" id="{95F12ABC-29DF-4D0F-9FE7-873B7F8E32DC}"/>
               </a:ext>
               <a:ext uri="{C183D7F6-B498-43B3-948B-1728B52AA6E4}">
-                <adec:decorative xmlns:adec="http://schemas.microsoft.com/office/drawing/2017/decorative" xmlns="" val="1"/>
+                <adec:decorative xmlns="" xmlns:adec="http://schemas.microsoft.com/office/drawing/2017/decorative" val="1"/>
               </a:ext>
             </a:extLst>
           </p:cNvPr>
@@ -19152,7 +21037,7 @@
 </p:sld>
 </file>
 
-<file path=ppt/slides/slide35.xml><?xml version="1.0" encoding="utf-8"?>
+<file path=ppt/slides/slide39.xml><?xml version="1.0" encoding="utf-8"?>
 <p:sld xmlns:a="http://schemas.openxmlformats.org/drawingml/2006/main" xmlns:r="http://schemas.openxmlformats.org/officeDocument/2006/relationships" xmlns:p="http://schemas.openxmlformats.org/presentationml/2006/main">
   <p:cSld>
     <p:bg>
@@ -19191,7 +21076,7 @@
                 <a16:creationId xmlns:a16="http://schemas.microsoft.com/office/drawing/2014/main" id="{D2D0CE03-09DB-4385-F5A8-F9A29A21DA2D}"/>
               </a:ext>
               <a:ext uri="{C183D7F6-B498-43B3-948B-1728B52AA6E4}">
-                <adec:decorative xmlns:adec="http://schemas.microsoft.com/office/drawing/2017/decorative" xmlns="" val="1"/>
+                <adec:decorative xmlns="" xmlns:adec="http://schemas.microsoft.com/office/drawing/2017/decorative" val="1"/>
               </a:ext>
             </a:extLst>
           </p:cNvPr>
@@ -19282,7 +21167,7 @@
                 <a16:creationId xmlns:a16="http://schemas.microsoft.com/office/drawing/2014/main" id="{54B96B01-0A7A-14B2-1061-9A34620759B8}"/>
               </a:ext>
               <a:ext uri="{C183D7F6-B498-43B3-948B-1728B52AA6E4}">
-                <adec:decorative xmlns:adec="http://schemas.microsoft.com/office/drawing/2017/decorative" xmlns="" val="1"/>
+                <adec:decorative xmlns="" xmlns:adec="http://schemas.microsoft.com/office/drawing/2017/decorative" val="1"/>
               </a:ext>
             </a:extLst>
           </p:cNvPr>
@@ -19373,7 +21258,7 @@
                 <a16:creationId xmlns:a16="http://schemas.microsoft.com/office/drawing/2014/main" id="{CA441C65-A3BB-0E92-AF7C-D51D5B0EA4B5}"/>
               </a:ext>
               <a:ext uri="{C183D7F6-B498-43B3-948B-1728B52AA6E4}">
-                <adec:decorative xmlns:adec="http://schemas.microsoft.com/office/drawing/2017/decorative" xmlns="" val="1"/>
+                <adec:decorative xmlns="" xmlns:adec="http://schemas.microsoft.com/office/drawing/2017/decorative" val="1"/>
               </a:ext>
             </a:extLst>
           </p:cNvPr>
@@ -19464,7 +21349,7 @@
                 <a16:creationId xmlns:a16="http://schemas.microsoft.com/office/drawing/2014/main" id="{2DF35BF1-D58D-FC82-76DE-EE12B85C17A0}"/>
               </a:ext>
               <a:ext uri="{C183D7F6-B498-43B3-948B-1728B52AA6E4}">
-                <adec:decorative xmlns:adec="http://schemas.microsoft.com/office/drawing/2017/decorative" xmlns="" val="1"/>
+                <adec:decorative xmlns="" xmlns:adec="http://schemas.microsoft.com/office/drawing/2017/decorative" val="1"/>
               </a:ext>
             </a:extLst>
           </p:cNvPr>
@@ -19555,7 +21440,7 @@
                 <a16:creationId xmlns:a16="http://schemas.microsoft.com/office/drawing/2014/main" id="{9E675290-A558-B6FD-B8AA-188C7AD69DBB}"/>
               </a:ext>
               <a:ext uri="{C183D7F6-B498-43B3-948B-1728B52AA6E4}">
-                <adec:decorative xmlns:adec="http://schemas.microsoft.com/office/drawing/2017/decorative" xmlns="" val="1"/>
+                <adec:decorative xmlns="" xmlns:adec="http://schemas.microsoft.com/office/drawing/2017/decorative" val="1"/>
               </a:ext>
             </a:extLst>
           </p:cNvPr>
@@ -19714,7 +21599,7 @@
                 <a16:creationId xmlns:a16="http://schemas.microsoft.com/office/drawing/2014/main" id="{1FE684BA-3249-8913-6F00-8D6A21D55EE9}"/>
               </a:ext>
               <a:ext uri="{C183D7F6-B498-43B3-948B-1728B52AA6E4}">
-                <adec:decorative xmlns:adec="http://schemas.microsoft.com/office/drawing/2017/decorative" xmlns="" val="1"/>
+                <adec:decorative xmlns="" xmlns:adec="http://schemas.microsoft.com/office/drawing/2017/decorative" val="1"/>
               </a:ext>
             </a:extLst>
           </p:cNvPr>
@@ -19805,7 +21690,7 @@
                 <a16:creationId xmlns:a16="http://schemas.microsoft.com/office/drawing/2014/main" id="{CB6FA3CE-43A8-C6CC-EE40-A88C33FA1ECF}"/>
               </a:ext>
               <a:ext uri="{C183D7F6-B498-43B3-948B-1728B52AA6E4}">
-                <adec:decorative xmlns:adec="http://schemas.microsoft.com/office/drawing/2017/decorative" xmlns="" val="1"/>
+                <adec:decorative xmlns="" xmlns:adec="http://schemas.microsoft.com/office/drawing/2017/decorative" val="1"/>
               </a:ext>
             </a:extLst>
           </p:cNvPr>
@@ -19896,7 +21781,7 @@
                 <a16:creationId xmlns:a16="http://schemas.microsoft.com/office/drawing/2014/main" id="{C4C94DA1-4732-5847-D328-183D870A0364}"/>
               </a:ext>
               <a:ext uri="{C183D7F6-B498-43B3-948B-1728B52AA6E4}">
-                <adec:decorative xmlns:adec="http://schemas.microsoft.com/office/drawing/2017/decorative" xmlns="" val="1"/>
+                <adec:decorative xmlns="" xmlns:adec="http://schemas.microsoft.com/office/drawing/2017/decorative" val="1"/>
               </a:ext>
             </a:extLst>
           </p:cNvPr>
@@ -20251,6 +22136,343 @@
       </p:grpSpPr>
       <p:sp>
         <p:nvSpPr>
+          <p:cNvPr id="2" name="Title 1"/>
+          <p:cNvSpPr>
+            <a:spLocks noGrp="1"/>
+          </p:cNvSpPr>
+          <p:nvPr>
+            <p:ph type="title"/>
+          </p:nvPr>
+        </p:nvSpPr>
+        <p:spPr>
+          <a:xfrm>
+            <a:off x="581192" y="702156"/>
+            <a:ext cx="11029616" cy="563936"/>
+          </a:xfrm>
+        </p:spPr>
+        <p:txBody>
+          <a:bodyPr/>
+          <a:lstStyle/>
+          <a:p>
+            <a:r>
+              <a:rPr lang="en-US" dirty="0" smtClean="0"/>
+              <a:t>Spatial reference system (SRS)</a:t>
+            </a:r>
+            <a:endParaRPr lang="en-US" dirty="0"/>
+          </a:p>
+        </p:txBody>
+      </p:sp>
+      <p:sp>
+        <p:nvSpPr>
+          <p:cNvPr id="3" name="Content Placeholder 2"/>
+          <p:cNvSpPr>
+            <a:spLocks noGrp="1"/>
+          </p:cNvSpPr>
+          <p:nvPr>
+            <p:ph idx="1"/>
+          </p:nvPr>
+        </p:nvSpPr>
+        <p:spPr>
+          <a:xfrm>
+            <a:off x="581193" y="1364917"/>
+            <a:ext cx="11029615" cy="5299652"/>
+          </a:xfrm>
+        </p:spPr>
+        <p:txBody>
+          <a:bodyPr>
+            <a:normAutofit/>
+          </a:bodyPr>
+          <a:lstStyle/>
+          <a:p>
+            <a:r>
+              <a:rPr lang="en-US" dirty="0" smtClean="0"/>
+              <a:t>A Spatial Reference System (SRS) (also called a Coordinate Reference System (CRS)) defines how geometry is referenced to locations on the Earth. </a:t>
+            </a:r>
+          </a:p>
+          <a:p>
+            <a:endParaRPr lang="en-US" dirty="0" smtClean="0"/>
+          </a:p>
+          <a:p>
+            <a:r>
+              <a:rPr lang="en-US" dirty="0" smtClean="0"/>
+              <a:t>Three types of SRS;</a:t>
+            </a:r>
+          </a:p>
+          <a:p>
+            <a:pPr lvl="1">
+              <a:buFont typeface="Wingdings" panose="05000000000000000000" pitchFamily="2" charset="2"/>
+              <a:buChar char="Ø"/>
+            </a:pPr>
+            <a:r>
+              <a:rPr lang="en-US" dirty="0"/>
+              <a:t>A </a:t>
+            </a:r>
+            <a:r>
+              <a:rPr lang="en-US" b="1" dirty="0"/>
+              <a:t>geodetic</a:t>
+            </a:r>
+            <a:r>
+              <a:rPr lang="en-US" dirty="0"/>
+              <a:t> SRS uses angular coordinates (longitude and latitude) which map directly to the surface of the earth.</a:t>
+            </a:r>
+          </a:p>
+          <a:p>
+            <a:pPr lvl="1">
+              <a:buFont typeface="Wingdings" panose="05000000000000000000" pitchFamily="2" charset="2"/>
+              <a:buChar char="Ø"/>
+            </a:pPr>
+            <a:r>
+              <a:rPr lang="en-US" dirty="0"/>
+              <a:t>A </a:t>
+            </a:r>
+            <a:r>
+              <a:rPr lang="en-US" b="1" dirty="0"/>
+              <a:t>projected</a:t>
+            </a:r>
+            <a:r>
+              <a:rPr lang="en-US" dirty="0"/>
+              <a:t> SRS uses a mathematical projection transformation to "flatten" the surface of the spheroidal earth onto a plane. It assigns location coordinates in a way that allows direct measurement of quantities such as distance, area, and angle. The coordinate system is Cartesian, which means it has a defined origin point and two perpendicular axes (usually oriented North and East). Each projected SRS uses a stated length unit (usually </a:t>
+            </a:r>
+            <a:r>
+              <a:rPr lang="en-US" dirty="0" err="1"/>
+              <a:t>metres</a:t>
+            </a:r>
+            <a:r>
+              <a:rPr lang="en-US" dirty="0"/>
+              <a:t> or feet). A projected SRS may be limited in its area of applicability to avoid distortion and fit within the defined coordinate bounds.</a:t>
+            </a:r>
+          </a:p>
+          <a:p>
+            <a:pPr lvl="1">
+              <a:buFont typeface="Wingdings" panose="05000000000000000000" pitchFamily="2" charset="2"/>
+              <a:buChar char="Ø"/>
+            </a:pPr>
+            <a:r>
+              <a:rPr lang="en-US" dirty="0"/>
+              <a:t>A </a:t>
+            </a:r>
+            <a:r>
+              <a:rPr lang="en-US" b="1" dirty="0"/>
+              <a:t>local</a:t>
+            </a:r>
+            <a:r>
+              <a:rPr lang="en-US" dirty="0"/>
+              <a:t> SRS is a Cartesian coordinate system which is not referenced to the earth's surface. In </a:t>
+            </a:r>
+            <a:r>
+              <a:rPr lang="en-US" dirty="0" err="1"/>
+              <a:t>PostGIS</a:t>
+            </a:r>
+            <a:r>
+              <a:rPr lang="en-US" dirty="0"/>
+              <a:t> this is </a:t>
+            </a:r>
+            <a:r>
+              <a:rPr lang="en-US" dirty="0" smtClean="0"/>
+              <a:t>specified </a:t>
+            </a:r>
+            <a:r>
+              <a:rPr lang="en-US" dirty="0"/>
+              <a:t>by a SRID value of 0</a:t>
+            </a:r>
+            <a:r>
+              <a:rPr lang="en-US" dirty="0" smtClean="0"/>
+              <a:t>.</a:t>
+            </a:r>
+            <a:endParaRPr lang="en-US" dirty="0"/>
+          </a:p>
+        </p:txBody>
+      </p:sp>
+    </p:spTree>
+    <p:extLst>
+      <p:ext uri="{BB962C8B-B14F-4D97-AF65-F5344CB8AC3E}">
+        <p14:creationId xmlns:p14="http://schemas.microsoft.com/office/powerpoint/2010/main" val="3947750758"/>
+      </p:ext>
+    </p:extLst>
+  </p:cSld>
+  <p:clrMapOvr>
+    <a:masterClrMapping/>
+  </p:clrMapOvr>
+</p:sld>
+</file>
+
+<file path=ppt/slides/slide6.xml><?xml version="1.0" encoding="utf-8"?>
+<p:sld xmlns:a="http://schemas.openxmlformats.org/drawingml/2006/main" xmlns:r="http://schemas.openxmlformats.org/officeDocument/2006/relationships" xmlns:p="http://schemas.openxmlformats.org/presentationml/2006/main">
+  <p:cSld>
+    <p:spTree>
+      <p:nvGrpSpPr>
+        <p:cNvPr id="1" name=""/>
+        <p:cNvGrpSpPr/>
+        <p:nvPr/>
+      </p:nvGrpSpPr>
+      <p:grpSpPr>
+        <a:xfrm>
+          <a:off x="0" y="0"/>
+          <a:ext cx="0" cy="0"/>
+          <a:chOff x="0" y="0"/>
+          <a:chExt cx="0" cy="0"/>
+        </a:xfrm>
+      </p:grpSpPr>
+      <p:sp>
+        <p:nvSpPr>
+          <p:cNvPr id="2" name="Title 1"/>
+          <p:cNvSpPr>
+            <a:spLocks noGrp="1"/>
+          </p:cNvSpPr>
+          <p:nvPr>
+            <p:ph type="title"/>
+          </p:nvPr>
+        </p:nvSpPr>
+        <p:spPr>
+          <a:xfrm>
+            <a:off x="581192" y="702156"/>
+            <a:ext cx="11029616" cy="599106"/>
+          </a:xfrm>
+        </p:spPr>
+        <p:txBody>
+          <a:bodyPr/>
+          <a:lstStyle/>
+          <a:p>
+            <a:r>
+              <a:rPr lang="en-US" dirty="0" smtClean="0"/>
+              <a:t>GEOGRAPHIC COORDINATE SYSTEM (or geodetic)</a:t>
+            </a:r>
+            <a:endParaRPr lang="en-US" dirty="0"/>
+          </a:p>
+        </p:txBody>
+      </p:sp>
+      <p:sp>
+        <p:nvSpPr>
+          <p:cNvPr id="3" name="Content Placeholder 2"/>
+          <p:cNvSpPr>
+            <a:spLocks noGrp="1"/>
+          </p:cNvSpPr>
+          <p:nvPr>
+            <p:ph idx="1"/>
+          </p:nvPr>
+        </p:nvSpPr>
+        <p:spPr>
+          <a:xfrm>
+            <a:off x="581192" y="1479217"/>
+            <a:ext cx="11029615" cy="3634486"/>
+          </a:xfrm>
+        </p:spPr>
+        <p:txBody>
+          <a:bodyPr/>
+          <a:lstStyle/>
+          <a:p>
+            <a:r>
+              <a:rPr lang="en-US"/>
+              <a:t>A </a:t>
+            </a:r>
+            <a:r>
+              <a:rPr lang="en-US" b="1"/>
+              <a:t>geographic coordinate system</a:t>
+            </a:r>
+            <a:r>
+              <a:rPr lang="en-US"/>
+              <a:t> (</a:t>
+            </a:r>
+            <a:r>
+              <a:rPr lang="en-US" b="1"/>
+              <a:t>GCS</a:t>
+            </a:r>
+            <a:r>
+              <a:rPr lang="en-US"/>
+              <a:t>) is a </a:t>
+            </a:r>
+            <a:r>
+              <a:rPr lang="en-US">
+                <a:hlinkClick r:id="rId2" tooltip="Spherical coordinate system"/>
+              </a:rPr>
+              <a:t>spherical</a:t>
+            </a:r>
+            <a:r>
+              <a:rPr lang="en-US"/>
+              <a:t> or </a:t>
+            </a:r>
+            <a:r>
+              <a:rPr lang="en-US">
+                <a:hlinkClick r:id="rId3" tooltip="Geodetic coordinates"/>
+              </a:rPr>
+              <a:t>geodetic coordinate</a:t>
+            </a:r>
+            <a:r>
+              <a:rPr lang="en-US"/>
+              <a:t> system for measuring and communicating </a:t>
+            </a:r>
+            <a:r>
+              <a:rPr lang="en-US">
+                <a:hlinkClick r:id="rId4" tooltip="Position (geometry)"/>
+              </a:rPr>
+              <a:t>positions</a:t>
+            </a:r>
+            <a:r>
+              <a:rPr lang="en-US"/>
+              <a:t> directly on </a:t>
+            </a:r>
+            <a:r>
+              <a:rPr lang="en-US">
+                <a:hlinkClick r:id="rId5" tooltip="Earth"/>
+              </a:rPr>
+              <a:t>Earth</a:t>
+            </a:r>
+            <a:r>
+              <a:rPr lang="en-US"/>
+              <a:t> as </a:t>
+            </a:r>
+            <a:r>
+              <a:rPr lang="en-US">
+                <a:hlinkClick r:id="rId6" tooltip="Latitude"/>
+              </a:rPr>
+              <a:t>latitude</a:t>
+            </a:r>
+            <a:r>
+              <a:rPr lang="en-US"/>
+              <a:t> and </a:t>
+            </a:r>
+            <a:r>
+              <a:rPr lang="en-US">
+                <a:hlinkClick r:id="rId7" tooltip="Longitude"/>
+              </a:rPr>
+              <a:t>longitude</a:t>
+            </a:r>
+            <a:endParaRPr lang="en-US" dirty="0"/>
+          </a:p>
+        </p:txBody>
+      </p:sp>
+    </p:spTree>
+    <p:extLst>
+      <p:ext uri="{BB962C8B-B14F-4D97-AF65-F5344CB8AC3E}">
+        <p14:creationId xmlns:p14="http://schemas.microsoft.com/office/powerpoint/2010/main" val="4125640358"/>
+      </p:ext>
+    </p:extLst>
+  </p:cSld>
+  <p:clrMapOvr>
+    <a:masterClrMapping/>
+  </p:clrMapOvr>
+</p:sld>
+</file>
+
+<file path=ppt/slides/slide7.xml><?xml version="1.0" encoding="utf-8"?>
+<p:sld xmlns:a="http://schemas.openxmlformats.org/drawingml/2006/main" xmlns:r="http://schemas.openxmlformats.org/officeDocument/2006/relationships" xmlns:p="http://schemas.openxmlformats.org/presentationml/2006/main">
+  <p:cSld>
+    <p:spTree>
+      <p:nvGrpSpPr>
+        <p:cNvPr id="1" name=""/>
+        <p:cNvGrpSpPr/>
+        <p:nvPr/>
+      </p:nvGrpSpPr>
+      <p:grpSpPr>
+        <a:xfrm>
+          <a:off x="0" y="0"/>
+          <a:ext cx="0" cy="0"/>
+          <a:chOff x="0" y="0"/>
+          <a:chExt cx="0" cy="0"/>
+        </a:xfrm>
+      </p:grpSpPr>
+      <p:sp>
+        <p:nvSpPr>
           <p:cNvPr id="2" name="Title 1">
             <a:extLst>
               <a:ext uri="{FF2B5EF4-FFF2-40B4-BE49-F238E27FC236}">
@@ -20276,9 +22498,10 @@
           <a:lstStyle/>
           <a:p>
             <a:r>
-              <a:rPr lang="en-US" dirty="0"/>
-              <a:t>Planar (Euclidean) Coordinate System</a:t>
-            </a:r>
+              <a:rPr lang="en-US" dirty="0" smtClean="0"/>
+              <a:t>Projected Coordinate System (or planar, grid)</a:t>
+            </a:r>
+            <a:endParaRPr lang="en-US" dirty="0"/>
           </a:p>
         </p:txBody>
       </p:sp>
@@ -20300,12 +22523,14 @@
         </p:nvSpPr>
         <p:spPr>
           <a:xfrm>
-            <a:off x="581192" y="1499616"/>
-            <a:ext cx="11029615" cy="1929384"/>
+            <a:off x="581192" y="1275384"/>
+            <a:ext cx="11029615" cy="1542522"/>
           </a:xfrm>
         </p:spPr>
         <p:txBody>
-          <a:bodyPr/>
+          <a:bodyPr>
+            <a:normAutofit/>
+          </a:bodyPr>
           <a:lstStyle/>
           <a:p>
             <a:r>
@@ -20313,8 +22538,12 @@
               <a:t>The </a:t>
             </a:r>
             <a:r>
+              <a:rPr lang="en-US" b="1" dirty="0" smtClean="0"/>
+              <a:t>projected </a:t>
+            </a:r>
+            <a:r>
               <a:rPr lang="en-US" b="1" dirty="0"/>
-              <a:t>planar coordinate system</a:t>
+              <a:t>coordinate system</a:t>
             </a:r>
             <a:r>
               <a:rPr lang="en-US" dirty="0"/>
@@ -20362,11 +22591,12 @@
             </a:r>
             <a:r>
               <a:rPr lang="en-US" dirty="0"/>
-              <a:t>: Represents the vertical position.</a:t>
-            </a:r>
-          </a:p>
-          <a:p>
-            <a:endParaRPr lang="en-US" dirty="0"/>
+              <a:t>: Represents the vertical position</a:t>
+            </a:r>
+            <a:r>
+              <a:rPr lang="en-US" dirty="0" smtClean="0"/>
+              <a:t>.</a:t>
+            </a:r>
           </a:p>
         </p:txBody>
       </p:sp>
@@ -20400,6 +22630,189 @@
           </a:prstGeom>
         </p:spPr>
       </p:pic>
+      <p:sp>
+        <p:nvSpPr>
+          <p:cNvPr id="4" name="TextBox 3"/>
+          <p:cNvSpPr txBox="1"/>
+          <p:nvPr/>
+        </p:nvSpPr>
+        <p:spPr>
+          <a:xfrm>
+            <a:off x="723899" y="3139396"/>
+            <a:ext cx="5372100" cy="1831271"/>
+          </a:xfrm>
+          <a:prstGeom prst="rect">
+            <a:avLst/>
+          </a:prstGeom>
+          <a:noFill/>
+        </p:spPr>
+        <p:txBody>
+          <a:bodyPr wrap="square" rtlCol="0">
+            <a:spAutoFit/>
+          </a:bodyPr>
+          <a:lstStyle/>
+          <a:p>
+            <a:pPr marL="306000" indent="-306000">
+              <a:spcBef>
+                <a:spcPct val="20000"/>
+              </a:spcBef>
+              <a:spcAft>
+                <a:spcPts val="600"/>
+              </a:spcAft>
+              <a:buClr>
+                <a:schemeClr val="accent1"/>
+              </a:buClr>
+              <a:buSzPct val="92000"/>
+              <a:buFont typeface="Wingdings 2" panose="05020102010507070707" pitchFamily="18" charset="2"/>
+              <a:buChar char=""/>
+            </a:pPr>
+            <a:r>
+              <a:rPr lang="en-US" dirty="0" smtClean="0"/>
+              <a:t>It </a:t>
+            </a:r>
+            <a:r>
+              <a:rPr lang="en-US" dirty="0" smtClean="0">
+                <a:solidFill>
+                  <a:schemeClr val="tx1">
+                    <a:lumMod val="75000"/>
+                    <a:lumOff val="25000"/>
+                  </a:schemeClr>
+                </a:solidFill>
+              </a:rPr>
+              <a:t>is </a:t>
+            </a:r>
+            <a:r>
+              <a:rPr lang="en-US" dirty="0">
+                <a:solidFill>
+                  <a:schemeClr val="tx1">
+                    <a:lumMod val="75000"/>
+                    <a:lumOff val="25000"/>
+                  </a:schemeClr>
+                </a:solidFill>
+              </a:rPr>
+              <a:t>a type of </a:t>
+            </a:r>
+            <a:r>
+              <a:rPr lang="en-US" dirty="0">
+                <a:solidFill>
+                  <a:schemeClr val="tx1">
+                    <a:lumMod val="75000"/>
+                    <a:lumOff val="25000"/>
+                  </a:schemeClr>
+                </a:solidFill>
+                <a:hlinkClick r:id="rId3" tooltip="Spatial reference system"/>
+              </a:rPr>
+              <a:t>spatial reference system</a:t>
+            </a:r>
+            <a:r>
+              <a:rPr lang="en-US" dirty="0">
+                <a:solidFill>
+                  <a:schemeClr val="tx1">
+                    <a:lumMod val="75000"/>
+                    <a:lumOff val="25000"/>
+                  </a:schemeClr>
+                </a:solidFill>
+              </a:rPr>
+              <a:t> that represents locations on </a:t>
+            </a:r>
+            <a:r>
+              <a:rPr lang="en-US" dirty="0">
+                <a:solidFill>
+                  <a:schemeClr val="tx1">
+                    <a:lumMod val="75000"/>
+                    <a:lumOff val="25000"/>
+                  </a:schemeClr>
+                </a:solidFill>
+                <a:hlinkClick r:id="rId4" tooltip="Earth"/>
+              </a:rPr>
+              <a:t>Earth</a:t>
+            </a:r>
+            <a:r>
+              <a:rPr lang="en-US" dirty="0">
+                <a:solidFill>
+                  <a:schemeClr val="tx1">
+                    <a:lumMod val="75000"/>
+                    <a:lumOff val="25000"/>
+                  </a:schemeClr>
+                </a:solidFill>
+              </a:rPr>
+              <a:t> using </a:t>
+            </a:r>
+            <a:r>
+              <a:rPr lang="en-US" dirty="0">
+                <a:solidFill>
+                  <a:schemeClr val="tx1">
+                    <a:lumMod val="75000"/>
+                    <a:lumOff val="25000"/>
+                  </a:schemeClr>
+                </a:solidFill>
+                <a:hlinkClick r:id="rId5" tooltip="Cartesian coordinate system"/>
+              </a:rPr>
+              <a:t>Cartesian coordinates</a:t>
+            </a:r>
+            <a:r>
+              <a:rPr lang="en-US" dirty="0">
+                <a:solidFill>
+                  <a:schemeClr val="tx1">
+                    <a:lumMod val="75000"/>
+                    <a:lumOff val="25000"/>
+                  </a:schemeClr>
+                </a:solidFill>
+              </a:rPr>
+              <a:t> (x, y) on a planar surface created by a particular </a:t>
+            </a:r>
+            <a:r>
+              <a:rPr lang="en-US" dirty="0">
+                <a:solidFill>
+                  <a:schemeClr val="tx1">
+                    <a:lumMod val="75000"/>
+                    <a:lumOff val="25000"/>
+                  </a:schemeClr>
+                </a:solidFill>
+                <a:hlinkClick r:id="rId6" tooltip="Map projection"/>
+              </a:rPr>
+              <a:t>map </a:t>
+            </a:r>
+            <a:r>
+              <a:rPr lang="en-US" dirty="0" smtClean="0">
+                <a:solidFill>
+                  <a:schemeClr val="tx1">
+                    <a:lumMod val="75000"/>
+                    <a:lumOff val="25000"/>
+                  </a:schemeClr>
+                </a:solidFill>
+                <a:hlinkClick r:id="rId6" tooltip="Map projection"/>
+              </a:rPr>
+              <a:t>projection</a:t>
+            </a:r>
+            <a:r>
+              <a:rPr lang="en-US" dirty="0" smtClean="0">
+                <a:solidFill>
+                  <a:schemeClr val="tx1">
+                    <a:lumMod val="75000"/>
+                    <a:lumOff val="25000"/>
+                  </a:schemeClr>
+                </a:solidFill>
+              </a:rPr>
+              <a:t>.</a:t>
+            </a:r>
+            <a:endParaRPr lang="en-US" dirty="0">
+              <a:solidFill>
+                <a:schemeClr val="tx1">
+                  <a:lumMod val="75000"/>
+                  <a:lumOff val="25000"/>
+                </a:schemeClr>
+              </a:solidFill>
+            </a:endParaRPr>
+          </a:p>
+          <a:p>
+            <a:endParaRPr lang="en-US" dirty="0"/>
+          </a:p>
+          <a:p>
+            <a:endParaRPr lang="en-US" dirty="0"/>
+          </a:p>
+        </p:txBody>
+      </p:sp>
     </p:spTree>
     <p:extLst>
       <p:ext uri="{BB962C8B-B14F-4D97-AF65-F5344CB8AC3E}">
@@ -20413,7 +22826,7 @@
 </p:sld>
 </file>
 
-<file path=ppt/slides/slide6.xml><?xml version="1.0" encoding="utf-8"?>
+<file path=ppt/slides/slide8.xml><?xml version="1.0" encoding="utf-8"?>
 <p:sld xmlns:a="http://schemas.openxmlformats.org/drawingml/2006/main" xmlns:r="http://schemas.openxmlformats.org/officeDocument/2006/relationships" xmlns:p="http://schemas.openxmlformats.org/presentationml/2006/main">
   <p:cSld>
     <p:spTree>
@@ -21681,7 +24094,7 @@
 </p:sld>
 </file>
 
-<file path=ppt/slides/slide7.xml><?xml version="1.0" encoding="utf-8"?>
+<file path=ppt/slides/slide9.xml><?xml version="1.0" encoding="utf-8"?>
 <p:sld xmlns:a="http://schemas.openxmlformats.org/drawingml/2006/main" xmlns:r="http://schemas.openxmlformats.org/officeDocument/2006/relationships" xmlns:p="http://schemas.openxmlformats.org/presentationml/2006/main">
   <p:cSld>
     <p:spTree>
@@ -21771,905 +24184,6 @@
     <p:extLst>
       <p:ext uri="{BB962C8B-B14F-4D97-AF65-F5344CB8AC3E}">
         <p14:creationId xmlns:p14="http://schemas.microsoft.com/office/powerpoint/2010/main" val="583096183"/>
-      </p:ext>
-    </p:extLst>
-  </p:cSld>
-  <p:clrMapOvr>
-    <a:masterClrMapping/>
-  </p:clrMapOvr>
-</p:sld>
-</file>
-
-<file path=ppt/slides/slide8.xml><?xml version="1.0" encoding="utf-8"?>
-<p:sld xmlns:a="http://schemas.openxmlformats.org/drawingml/2006/main" xmlns:r="http://schemas.openxmlformats.org/officeDocument/2006/relationships" xmlns:p="http://schemas.openxmlformats.org/presentationml/2006/main">
-  <p:cSld>
-    <p:spTree>
-      <p:nvGrpSpPr>
-        <p:cNvPr id="1" name=""/>
-        <p:cNvGrpSpPr/>
-        <p:nvPr/>
-      </p:nvGrpSpPr>
-      <p:grpSpPr>
-        <a:xfrm>
-          <a:off x="0" y="0"/>
-          <a:ext cx="0" cy="0"/>
-          <a:chOff x="0" y="0"/>
-          <a:chExt cx="0" cy="0"/>
-        </a:xfrm>
-      </p:grpSpPr>
-      <p:sp>
-        <p:nvSpPr>
-          <p:cNvPr id="2" name="Title 1">
-            <a:extLst>
-              <a:ext uri="{FF2B5EF4-FFF2-40B4-BE49-F238E27FC236}">
-                <a16:creationId xmlns:a16="http://schemas.microsoft.com/office/drawing/2014/main" id="{3B0FEEC1-9079-9971-522A-A85275309FCA}"/>
-              </a:ext>
-            </a:extLst>
-          </p:cNvPr>
-          <p:cNvSpPr>
-            <a:spLocks noGrp="1"/>
-          </p:cNvSpPr>
-          <p:nvPr>
-            <p:ph type="title"/>
-          </p:nvPr>
-        </p:nvSpPr>
-        <p:spPr>
-          <a:xfrm>
-            <a:off x="581191" y="798174"/>
-            <a:ext cx="11029616" cy="651156"/>
-          </a:xfrm>
-        </p:spPr>
-        <p:txBody>
-          <a:bodyPr/>
-          <a:lstStyle/>
-          <a:p>
-            <a:r>
-              <a:rPr lang="en-US" dirty="0"/>
-              <a:t>Create schema</a:t>
-            </a:r>
-          </a:p>
-        </p:txBody>
-      </p:sp>
-      <p:sp>
-        <p:nvSpPr>
-          <p:cNvPr id="5" name="TextBox 4">
-            <a:extLst>
-              <a:ext uri="{FF2B5EF4-FFF2-40B4-BE49-F238E27FC236}">
-                <a16:creationId xmlns:a16="http://schemas.microsoft.com/office/drawing/2014/main" id="{D9C46CEC-5355-A908-61FF-0CD3806B2E9A}"/>
-              </a:ext>
-            </a:extLst>
-          </p:cNvPr>
-          <p:cNvSpPr txBox="1"/>
-          <p:nvPr/>
-        </p:nvSpPr>
-        <p:spPr>
-          <a:xfrm>
-            <a:off x="581191" y="1895097"/>
-            <a:ext cx="3813048" cy="369332"/>
-          </a:xfrm>
-          <a:prstGeom prst="rect">
-            <a:avLst/>
-          </a:prstGeom>
-          <a:noFill/>
-        </p:spPr>
-        <p:txBody>
-          <a:bodyPr wrap="square" rtlCol="0">
-            <a:spAutoFit/>
-          </a:bodyPr>
-          <a:lstStyle/>
-          <a:p>
-            <a:r>
-              <a:rPr lang="en-US" sz="1800" b="0" i="0" u="none" strike="noStrike" baseline="0" dirty="0">
-                <a:solidFill>
-                  <a:srgbClr val="0070C0"/>
-                </a:solidFill>
-                <a:latin typeface="Courier"/>
-              </a:rPr>
-              <a:t>CREATE SCHEMA ch02;</a:t>
-            </a:r>
-          </a:p>
-        </p:txBody>
-      </p:sp>
-      <p:sp>
-        <p:nvSpPr>
-          <p:cNvPr id="9" name="Content Placeholder 8">
-            <a:extLst>
-              <a:ext uri="{FF2B5EF4-FFF2-40B4-BE49-F238E27FC236}">
-                <a16:creationId xmlns:a16="http://schemas.microsoft.com/office/drawing/2014/main" id="{B4A02FDD-F72D-25BE-892F-63FC5E002791}"/>
-              </a:ext>
-            </a:extLst>
-          </p:cNvPr>
-          <p:cNvSpPr>
-            <a:spLocks noGrp="1"/>
-          </p:cNvSpPr>
-          <p:nvPr>
-            <p:ph idx="1"/>
-          </p:nvPr>
-        </p:nvSpPr>
-        <p:spPr>
-          <a:xfrm>
-            <a:off x="581192" y="2710196"/>
-            <a:ext cx="11029615" cy="2295144"/>
-          </a:xfrm>
-        </p:spPr>
-        <p:txBody>
-          <a:bodyPr/>
-          <a:lstStyle/>
-          <a:p>
-            <a:r>
-              <a:rPr lang="en-US" dirty="0"/>
-              <a:t>A </a:t>
-            </a:r>
-            <a:r>
-              <a:rPr lang="en-US" b="1" dirty="0"/>
-              <a:t>schema</a:t>
-            </a:r>
-            <a:r>
-              <a:rPr lang="en-US" dirty="0"/>
-              <a:t> in </a:t>
-            </a:r>
-            <a:r>
-              <a:rPr lang="en-US" dirty="0" err="1"/>
-              <a:t>PostGIS</a:t>
-            </a:r>
-            <a:r>
-              <a:rPr lang="en-US" dirty="0"/>
-              <a:t> (and PostgreSQL) is a </a:t>
-            </a:r>
-            <a:r>
-              <a:rPr lang="en-US" b="1" dirty="0"/>
-              <a:t>logical container</a:t>
-            </a:r>
-            <a:r>
-              <a:rPr lang="en-US" dirty="0"/>
-              <a:t> used to organize and manage </a:t>
-            </a:r>
-            <a:r>
-              <a:rPr lang="en-US" b="1" dirty="0"/>
-              <a:t>database objects</a:t>
-            </a:r>
-            <a:r>
-              <a:rPr lang="en-US" dirty="0"/>
-              <a:t>, such as </a:t>
-            </a:r>
-            <a:r>
-              <a:rPr lang="en-US" b="1" dirty="0"/>
-              <a:t>tables, views, functions, and spatial data</a:t>
-            </a:r>
-            <a:r>
-              <a:rPr lang="en-US" dirty="0"/>
-              <a:t>. </a:t>
-            </a:r>
-          </a:p>
-          <a:p>
-            <a:r>
-              <a:rPr lang="en-US" dirty="0"/>
-              <a:t>Schema provides a </a:t>
-            </a:r>
-            <a:r>
-              <a:rPr lang="en-US" b="1" dirty="0"/>
-              <a:t>namespace</a:t>
-            </a:r>
-            <a:r>
-              <a:rPr lang="en-US" dirty="0"/>
-              <a:t> to avoid naming conflicts between objects and helps manage </a:t>
-            </a:r>
-            <a:r>
-              <a:rPr lang="en-US" b="1" dirty="0"/>
-              <a:t>database permissions</a:t>
-            </a:r>
-            <a:r>
-              <a:rPr lang="en-US" dirty="0"/>
-              <a:t> more effectively.</a:t>
-            </a:r>
-          </a:p>
-          <a:p>
-            <a:r>
-              <a:rPr lang="en-US" dirty="0"/>
-              <a:t>Think of a schema as a </a:t>
-            </a:r>
-            <a:r>
-              <a:rPr lang="en-US" b="1" dirty="0"/>
-              <a:t>folder</a:t>
-            </a:r>
-            <a:r>
-              <a:rPr lang="en-US" dirty="0"/>
-              <a:t> inside a database, where you can group related objects together to keep things organized.</a:t>
-            </a:r>
-          </a:p>
-        </p:txBody>
-      </p:sp>
-    </p:spTree>
-    <p:extLst>
-      <p:ext uri="{BB962C8B-B14F-4D97-AF65-F5344CB8AC3E}">
-        <p14:creationId xmlns:p14="http://schemas.microsoft.com/office/powerpoint/2010/main" val="2014584106"/>
-      </p:ext>
-    </p:extLst>
-  </p:cSld>
-  <p:clrMapOvr>
-    <a:masterClrMapping/>
-  </p:clrMapOvr>
-</p:sld>
-</file>
-
-<file path=ppt/slides/slide9.xml><?xml version="1.0" encoding="utf-8"?>
-<p:sld xmlns:a="http://schemas.openxmlformats.org/drawingml/2006/main" xmlns:r="http://schemas.openxmlformats.org/officeDocument/2006/relationships" xmlns:p="http://schemas.openxmlformats.org/presentationml/2006/main">
-  <p:cSld>
-    <p:spTree>
-      <p:nvGrpSpPr>
-        <p:cNvPr id="1" name=""/>
-        <p:cNvGrpSpPr/>
-        <p:nvPr/>
-      </p:nvGrpSpPr>
-      <p:grpSpPr>
-        <a:xfrm>
-          <a:off x="0" y="0"/>
-          <a:ext cx="0" cy="0"/>
-          <a:chOff x="0" y="0"/>
-          <a:chExt cx="0" cy="0"/>
-        </a:xfrm>
-      </p:grpSpPr>
-      <p:sp>
-        <p:nvSpPr>
-          <p:cNvPr id="4" name="Content Placeholder 2">
-            <a:extLst>
-              <a:ext uri="{FF2B5EF4-FFF2-40B4-BE49-F238E27FC236}">
-                <a16:creationId xmlns:a16="http://schemas.microsoft.com/office/drawing/2014/main" id="{20036F97-C5AC-5158-CBD7-B78873CC029D}"/>
-              </a:ext>
-            </a:extLst>
-          </p:cNvPr>
-          <p:cNvSpPr txBox="1">
-            <a:spLocks/>
-          </p:cNvSpPr>
-          <p:nvPr/>
-        </p:nvSpPr>
-        <p:spPr>
-          <a:xfrm>
-            <a:off x="370879" y="1316760"/>
-            <a:ext cx="5088087" cy="3287014"/>
-          </a:xfrm>
-          <a:prstGeom prst="rect">
-            <a:avLst/>
-          </a:prstGeom>
-        </p:spPr>
-        <p:txBody>
-          <a:bodyPr vert="horz" lIns="91440" tIns="45720" rIns="91440" bIns="45720" rtlCol="0" anchor="ctr">
-            <a:normAutofit/>
-          </a:bodyPr>
-          <a:lstStyle>
-            <a:lvl1pPr marL="306000" indent="-306000" algn="l" defTabSz="457200" rtl="0" eaLnBrk="1" latinLnBrk="0" hangingPunct="1">
-              <a:lnSpc>
-                <a:spcPct val="100000"/>
-              </a:lnSpc>
-              <a:spcBef>
-                <a:spcPct val="20000"/>
-              </a:spcBef>
-              <a:spcAft>
-                <a:spcPts val="600"/>
-              </a:spcAft>
-              <a:buClr>
-                <a:schemeClr val="accent1"/>
-              </a:buClr>
-              <a:buSzPct val="92000"/>
-              <a:buFont typeface="Wingdings 2" panose="05020102010507070707" pitchFamily="18" charset="2"/>
-              <a:buChar char=""/>
-              <a:defRPr sz="1800" kern="1200">
-                <a:solidFill>
-                  <a:schemeClr val="tx1">
-                    <a:lumMod val="75000"/>
-                    <a:lumOff val="25000"/>
-                  </a:schemeClr>
-                </a:solidFill>
-                <a:latin typeface="+mn-lt"/>
-                <a:ea typeface="+mn-ea"/>
-                <a:cs typeface="+mn-cs"/>
-              </a:defRPr>
-            </a:lvl1pPr>
-            <a:lvl2pPr marL="630000" indent="-306000" algn="l" defTabSz="457200" rtl="0" eaLnBrk="1" latinLnBrk="0" hangingPunct="1">
-              <a:lnSpc>
-                <a:spcPct val="100000"/>
-              </a:lnSpc>
-              <a:spcBef>
-                <a:spcPct val="20000"/>
-              </a:spcBef>
-              <a:spcAft>
-                <a:spcPts val="600"/>
-              </a:spcAft>
-              <a:buClr>
-                <a:schemeClr val="accent1"/>
-              </a:buClr>
-              <a:buSzPct val="92000"/>
-              <a:buFont typeface="Wingdings 2" panose="05020102010507070707" pitchFamily="18" charset="2"/>
-              <a:buChar char=""/>
-              <a:defRPr sz="1600" kern="1200">
-                <a:solidFill>
-                  <a:schemeClr val="tx1">
-                    <a:lumMod val="75000"/>
-                    <a:lumOff val="25000"/>
-                  </a:schemeClr>
-                </a:solidFill>
-                <a:latin typeface="+mn-lt"/>
-                <a:ea typeface="+mn-ea"/>
-                <a:cs typeface="+mn-cs"/>
-              </a:defRPr>
-            </a:lvl2pPr>
-            <a:lvl3pPr marL="900000" indent="-270000" algn="l" defTabSz="457200" rtl="0" eaLnBrk="1" latinLnBrk="0" hangingPunct="1">
-              <a:lnSpc>
-                <a:spcPct val="100000"/>
-              </a:lnSpc>
-              <a:spcBef>
-                <a:spcPct val="20000"/>
-              </a:spcBef>
-              <a:spcAft>
-                <a:spcPts val="600"/>
-              </a:spcAft>
-              <a:buClr>
-                <a:schemeClr val="accent1"/>
-              </a:buClr>
-              <a:buSzPct val="92000"/>
-              <a:buFont typeface="Wingdings 2" panose="05020102010507070707" pitchFamily="18" charset="2"/>
-              <a:buChar char=""/>
-              <a:defRPr sz="1400" kern="1200">
-                <a:solidFill>
-                  <a:schemeClr val="tx1">
-                    <a:lumMod val="75000"/>
-                    <a:lumOff val="25000"/>
-                  </a:schemeClr>
-                </a:solidFill>
-                <a:latin typeface="+mn-lt"/>
-                <a:ea typeface="+mn-ea"/>
-                <a:cs typeface="+mn-cs"/>
-              </a:defRPr>
-            </a:lvl3pPr>
-            <a:lvl4pPr marL="1242000" indent="-234000" algn="l" defTabSz="457200" rtl="0" eaLnBrk="1" latinLnBrk="0" hangingPunct="1">
-              <a:lnSpc>
-                <a:spcPct val="100000"/>
-              </a:lnSpc>
-              <a:spcBef>
-                <a:spcPct val="20000"/>
-              </a:spcBef>
-              <a:spcAft>
-                <a:spcPts val="600"/>
-              </a:spcAft>
-              <a:buClr>
-                <a:schemeClr val="accent1"/>
-              </a:buClr>
-              <a:buSzPct val="92000"/>
-              <a:buFont typeface="Wingdings 2" panose="05020102010507070707" pitchFamily="18" charset="2"/>
-              <a:buChar char=""/>
-              <a:defRPr sz="1200" kern="1200">
-                <a:solidFill>
-                  <a:schemeClr val="tx1">
-                    <a:lumMod val="75000"/>
-                    <a:lumOff val="25000"/>
-                  </a:schemeClr>
-                </a:solidFill>
-                <a:latin typeface="+mn-lt"/>
-                <a:ea typeface="+mn-ea"/>
-                <a:cs typeface="+mn-cs"/>
-              </a:defRPr>
-            </a:lvl4pPr>
-            <a:lvl5pPr marL="1602000" indent="-234000" algn="l" defTabSz="457200" rtl="0" eaLnBrk="1" latinLnBrk="0" hangingPunct="1">
-              <a:lnSpc>
-                <a:spcPct val="100000"/>
-              </a:lnSpc>
-              <a:spcBef>
-                <a:spcPct val="20000"/>
-              </a:spcBef>
-              <a:spcAft>
-                <a:spcPts val="600"/>
-              </a:spcAft>
-              <a:buClr>
-                <a:schemeClr val="accent1"/>
-              </a:buClr>
-              <a:buSzPct val="92000"/>
-              <a:buFont typeface="Wingdings 2" panose="05020102010507070707" pitchFamily="18" charset="2"/>
-              <a:buChar char=""/>
-              <a:defRPr sz="1200" kern="1200">
-                <a:solidFill>
-                  <a:schemeClr val="tx1">
-                    <a:lumMod val="75000"/>
-                    <a:lumOff val="25000"/>
-                  </a:schemeClr>
-                </a:solidFill>
-                <a:latin typeface="+mn-lt"/>
-                <a:ea typeface="+mn-ea"/>
-                <a:cs typeface="+mn-cs"/>
-              </a:defRPr>
-            </a:lvl5pPr>
-            <a:lvl6pPr marL="1900000" indent="-228600" algn="l" defTabSz="457200" rtl="0" eaLnBrk="1" latinLnBrk="0" hangingPunct="1">
-              <a:spcBef>
-                <a:spcPct val="20000"/>
-              </a:spcBef>
-              <a:spcAft>
-                <a:spcPts val="600"/>
-              </a:spcAft>
-              <a:buClr>
-                <a:schemeClr val="accent2"/>
-              </a:buClr>
-              <a:buSzPct val="92000"/>
-              <a:buFont typeface="Wingdings 2" panose="05020102010507070707" pitchFamily="18" charset="2"/>
-              <a:buChar char=""/>
-              <a:defRPr sz="1200" kern="1200">
-                <a:solidFill>
-                  <a:schemeClr val="tx2"/>
-                </a:solidFill>
-                <a:latin typeface="+mn-lt"/>
-                <a:ea typeface="+mn-ea"/>
-                <a:cs typeface="+mn-cs"/>
-              </a:defRPr>
-            </a:lvl6pPr>
-            <a:lvl7pPr marL="2200000" indent="-228600" algn="l" defTabSz="457200" rtl="0" eaLnBrk="1" latinLnBrk="0" hangingPunct="1">
-              <a:spcBef>
-                <a:spcPct val="20000"/>
-              </a:spcBef>
-              <a:spcAft>
-                <a:spcPts val="600"/>
-              </a:spcAft>
-              <a:buClr>
-                <a:schemeClr val="accent2"/>
-              </a:buClr>
-              <a:buSzPct val="92000"/>
-              <a:buFont typeface="Wingdings 2" panose="05020102010507070707" pitchFamily="18" charset="2"/>
-              <a:buChar char=""/>
-              <a:defRPr sz="1200" kern="1200">
-                <a:solidFill>
-                  <a:schemeClr val="tx2"/>
-                </a:solidFill>
-                <a:latin typeface="+mn-lt"/>
-                <a:ea typeface="+mn-ea"/>
-                <a:cs typeface="+mn-cs"/>
-              </a:defRPr>
-            </a:lvl7pPr>
-            <a:lvl8pPr marL="2500000" indent="-228600" algn="l" defTabSz="457200" rtl="0" eaLnBrk="1" latinLnBrk="0" hangingPunct="1">
-              <a:spcBef>
-                <a:spcPct val="20000"/>
-              </a:spcBef>
-              <a:spcAft>
-                <a:spcPts val="600"/>
-              </a:spcAft>
-              <a:buClr>
-                <a:schemeClr val="accent2"/>
-              </a:buClr>
-              <a:buSzPct val="92000"/>
-              <a:buFont typeface="Wingdings 2" panose="05020102010507070707" pitchFamily="18" charset="2"/>
-              <a:buChar char=""/>
-              <a:defRPr sz="1200" kern="1200">
-                <a:solidFill>
-                  <a:schemeClr val="tx2"/>
-                </a:solidFill>
-                <a:latin typeface="+mn-lt"/>
-                <a:ea typeface="+mn-ea"/>
-                <a:cs typeface="+mn-cs"/>
-              </a:defRPr>
-            </a:lvl8pPr>
-            <a:lvl9pPr marL="2800000" indent="-228600" algn="l" defTabSz="457200" rtl="0" eaLnBrk="1" latinLnBrk="0" hangingPunct="1">
-              <a:spcBef>
-                <a:spcPct val="20000"/>
-              </a:spcBef>
-              <a:spcAft>
-                <a:spcPts val="600"/>
-              </a:spcAft>
-              <a:buClr>
-                <a:schemeClr val="accent2"/>
-              </a:buClr>
-              <a:buSzPct val="92000"/>
-              <a:buFont typeface="Wingdings 2" panose="05020102010507070707" pitchFamily="18" charset="2"/>
-              <a:buChar char=""/>
-              <a:defRPr sz="1200" kern="1200">
-                <a:solidFill>
-                  <a:schemeClr val="tx2"/>
-                </a:solidFill>
-                <a:latin typeface="+mn-lt"/>
-                <a:ea typeface="+mn-ea"/>
-                <a:cs typeface="+mn-cs"/>
-              </a:defRPr>
-            </a:lvl9pPr>
-          </a:lstStyle>
-          <a:p>
-            <a:pPr marL="0" indent="0">
-              <a:buFont typeface="Wingdings 2" panose="05020102010507070707" pitchFamily="18" charset="2"/>
-              <a:buNone/>
-            </a:pPr>
-            <a:r>
-              <a:rPr lang="en-US" dirty="0">
-                <a:solidFill>
-                  <a:srgbClr val="0070C0"/>
-                </a:solidFill>
-                <a:latin typeface="Courier"/>
-              </a:rPr>
-              <a:t>CREATE TABLE ch02.clarku (</a:t>
-            </a:r>
-          </a:p>
-          <a:p>
-            <a:pPr marL="0" indent="0">
-              <a:buFont typeface="Wingdings 2" panose="05020102010507070707" pitchFamily="18" charset="2"/>
-              <a:buNone/>
-            </a:pPr>
-            <a:r>
-              <a:rPr lang="en-US" dirty="0">
-                <a:solidFill>
-                  <a:srgbClr val="0070C0"/>
-                </a:solidFill>
-                <a:latin typeface="Courier"/>
-              </a:rPr>
-              <a:t>id serial PRIMARY KEY,</a:t>
-            </a:r>
-          </a:p>
-          <a:p>
-            <a:pPr marL="0" indent="0">
-              <a:buFont typeface="Wingdings 2" panose="05020102010507070707" pitchFamily="18" charset="2"/>
-              <a:buNone/>
-            </a:pPr>
-            <a:r>
-              <a:rPr lang="en-US" dirty="0">
-                <a:solidFill>
-                  <a:srgbClr val="0070C0"/>
-                </a:solidFill>
-                <a:latin typeface="Courier"/>
-              </a:rPr>
-              <a:t>p geometry(POINT),</a:t>
-            </a:r>
-          </a:p>
-          <a:p>
-            <a:pPr marL="0" indent="0">
-              <a:buFont typeface="Wingdings 2" panose="05020102010507070707" pitchFamily="18" charset="2"/>
-              <a:buNone/>
-            </a:pPr>
-            <a:r>
-              <a:rPr lang="en-US" dirty="0" err="1">
-                <a:solidFill>
-                  <a:srgbClr val="0070C0"/>
-                </a:solidFill>
-                <a:latin typeface="Courier"/>
-              </a:rPr>
-              <a:t>pz</a:t>
-            </a:r>
-            <a:r>
-              <a:rPr lang="en-US" dirty="0">
-                <a:solidFill>
-                  <a:srgbClr val="0070C0"/>
-                </a:solidFill>
-                <a:latin typeface="Courier"/>
-              </a:rPr>
-              <a:t> geometry(POINTZ),</a:t>
-            </a:r>
-          </a:p>
-          <a:p>
-            <a:pPr marL="0" indent="0">
-              <a:buFont typeface="Wingdings 2" panose="05020102010507070707" pitchFamily="18" charset="2"/>
-              <a:buNone/>
-            </a:pPr>
-            <a:r>
-              <a:rPr lang="en-US" dirty="0">
-                <a:solidFill>
-                  <a:srgbClr val="0070C0"/>
-                </a:solidFill>
-                <a:latin typeface="Courier"/>
-              </a:rPr>
-              <a:t>pm geometry(POINTM),</a:t>
-            </a:r>
-          </a:p>
-          <a:p>
-            <a:pPr marL="0" indent="0">
-              <a:buFont typeface="Wingdings 2" panose="05020102010507070707" pitchFamily="18" charset="2"/>
-              <a:buNone/>
-            </a:pPr>
-            <a:r>
-              <a:rPr lang="en-US" dirty="0" err="1">
-                <a:solidFill>
-                  <a:srgbClr val="0070C0"/>
-                </a:solidFill>
-                <a:latin typeface="Courier"/>
-              </a:rPr>
-              <a:t>pzm</a:t>
-            </a:r>
-            <a:r>
-              <a:rPr lang="en-US" dirty="0">
-                <a:solidFill>
-                  <a:srgbClr val="0070C0"/>
-                </a:solidFill>
-                <a:latin typeface="Courier"/>
-              </a:rPr>
-              <a:t> geometry(POINTZM),</a:t>
-            </a:r>
-          </a:p>
-          <a:p>
-            <a:pPr marL="0" indent="0">
-              <a:buFont typeface="Wingdings 2" panose="05020102010507070707" pitchFamily="18" charset="2"/>
-              <a:buNone/>
-            </a:pPr>
-            <a:r>
-              <a:rPr lang="en-US" dirty="0" err="1">
-                <a:solidFill>
-                  <a:srgbClr val="0070C0"/>
-                </a:solidFill>
-                <a:latin typeface="Courier"/>
-              </a:rPr>
-              <a:t>p_srid</a:t>
-            </a:r>
-            <a:r>
-              <a:rPr lang="en-US" dirty="0">
-                <a:solidFill>
-                  <a:srgbClr val="0070C0"/>
-                </a:solidFill>
-                <a:latin typeface="Courier"/>
-              </a:rPr>
-              <a:t> geometry(POINT,4326));</a:t>
-            </a:r>
-          </a:p>
-        </p:txBody>
-      </p:sp>
-      <p:sp>
-        <p:nvSpPr>
-          <p:cNvPr id="5" name="Title 1">
-            <a:extLst>
-              <a:ext uri="{FF2B5EF4-FFF2-40B4-BE49-F238E27FC236}">
-                <a16:creationId xmlns:a16="http://schemas.microsoft.com/office/drawing/2014/main" id="{34002D05-0071-3FB0-C1E5-B24561E032BB}"/>
-              </a:ext>
-            </a:extLst>
-          </p:cNvPr>
-          <p:cNvSpPr txBox="1">
-            <a:spLocks/>
-          </p:cNvSpPr>
-          <p:nvPr/>
-        </p:nvSpPr>
-        <p:spPr>
-          <a:xfrm>
-            <a:off x="370879" y="601584"/>
-            <a:ext cx="11029616" cy="651156"/>
-          </a:xfrm>
-          <a:prstGeom prst="rect">
-            <a:avLst/>
-          </a:prstGeom>
-        </p:spPr>
-        <p:txBody>
-          <a:bodyPr vert="horz" lIns="91440" tIns="45720" rIns="91440" bIns="45720" rtlCol="0" anchor="b">
-            <a:normAutofit/>
-          </a:bodyPr>
-          <a:lstStyle>
-            <a:lvl1pPr algn="l" defTabSz="457200" rtl="0" eaLnBrk="1" latinLnBrk="0" hangingPunct="1">
-              <a:lnSpc>
-                <a:spcPct val="100000"/>
-              </a:lnSpc>
-              <a:spcBef>
-                <a:spcPct val="0"/>
-              </a:spcBef>
-              <a:buNone/>
-              <a:defRPr sz="2800" b="0" kern="1200" cap="all">
-                <a:solidFill>
-                  <a:schemeClr val="tx1">
-                    <a:lumMod val="75000"/>
-                    <a:lumOff val="25000"/>
-                  </a:schemeClr>
-                </a:solidFill>
-                <a:latin typeface="+mj-lt"/>
-                <a:ea typeface="+mj-ea"/>
-                <a:cs typeface="+mj-cs"/>
-              </a:defRPr>
-            </a:lvl1pPr>
-            <a:lvl2pPr eaLnBrk="1" hangingPunct="1">
-              <a:defRPr>
-                <a:solidFill>
-                  <a:schemeClr val="tx2"/>
-                </a:solidFill>
-              </a:defRPr>
-            </a:lvl2pPr>
-            <a:lvl3pPr eaLnBrk="1" hangingPunct="1">
-              <a:defRPr>
-                <a:solidFill>
-                  <a:schemeClr val="tx2"/>
-                </a:solidFill>
-              </a:defRPr>
-            </a:lvl3pPr>
-            <a:lvl4pPr eaLnBrk="1" hangingPunct="1">
-              <a:defRPr>
-                <a:solidFill>
-                  <a:schemeClr val="tx2"/>
-                </a:solidFill>
-              </a:defRPr>
-            </a:lvl4pPr>
-            <a:lvl5pPr eaLnBrk="1" hangingPunct="1">
-              <a:defRPr>
-                <a:solidFill>
-                  <a:schemeClr val="tx2"/>
-                </a:solidFill>
-              </a:defRPr>
-            </a:lvl5pPr>
-            <a:lvl6pPr eaLnBrk="1" hangingPunct="1">
-              <a:defRPr>
-                <a:solidFill>
-                  <a:schemeClr val="tx2"/>
-                </a:solidFill>
-              </a:defRPr>
-            </a:lvl6pPr>
-            <a:lvl7pPr eaLnBrk="1" hangingPunct="1">
-              <a:defRPr>
-                <a:solidFill>
-                  <a:schemeClr val="tx2"/>
-                </a:solidFill>
-              </a:defRPr>
-            </a:lvl7pPr>
-            <a:lvl8pPr eaLnBrk="1" hangingPunct="1">
-              <a:defRPr>
-                <a:solidFill>
-                  <a:schemeClr val="tx2"/>
-                </a:solidFill>
-              </a:defRPr>
-            </a:lvl8pPr>
-            <a:lvl9pPr eaLnBrk="1" hangingPunct="1">
-              <a:defRPr>
-                <a:solidFill>
-                  <a:schemeClr val="tx2"/>
-                </a:solidFill>
-              </a:defRPr>
-            </a:lvl9pPr>
-          </a:lstStyle>
-          <a:p>
-            <a:r>
-              <a:rPr lang="en-US" dirty="0"/>
-              <a:t>Create table with geometry</a:t>
-            </a:r>
-          </a:p>
-        </p:txBody>
-      </p:sp>
-      <p:sp>
-        <p:nvSpPr>
-          <p:cNvPr id="8" name="Content Placeholder 8">
-            <a:extLst>
-              <a:ext uri="{FF2B5EF4-FFF2-40B4-BE49-F238E27FC236}">
-                <a16:creationId xmlns:a16="http://schemas.microsoft.com/office/drawing/2014/main" id="{75F6B82B-5490-320E-F371-06615AE5E182}"/>
-              </a:ext>
-            </a:extLst>
-          </p:cNvPr>
-          <p:cNvSpPr>
-            <a:spLocks noGrp="1"/>
-          </p:cNvSpPr>
-          <p:nvPr>
-            <p:ph idx="1"/>
-          </p:nvPr>
-        </p:nvSpPr>
-        <p:spPr>
-          <a:xfrm>
-            <a:off x="5302893" y="927162"/>
-            <a:ext cx="6518228" cy="2295144"/>
-          </a:xfrm>
-        </p:spPr>
-        <p:txBody>
-          <a:bodyPr/>
-          <a:lstStyle/>
-          <a:p>
-            <a:r>
-              <a:rPr lang="en-US" dirty="0"/>
-              <a:t>id: This is a unique identifier for each row in the table.</a:t>
-            </a:r>
-          </a:p>
-          <a:p>
-            <a:r>
-              <a:rPr lang="en-US" dirty="0"/>
-              <a:t>serial: This is an auto-incrementing integer column.</a:t>
-            </a:r>
-          </a:p>
-          <a:p>
-            <a:r>
-              <a:rPr lang="en-US" dirty="0"/>
-              <a:t>PRIMARY KEY: This ensures the id is unique and cannot be NULL.</a:t>
-            </a:r>
-          </a:p>
-        </p:txBody>
-      </p:sp>
-      <p:sp>
-        <p:nvSpPr>
-          <p:cNvPr id="11" name="TextBox 10">
-            <a:extLst>
-              <a:ext uri="{FF2B5EF4-FFF2-40B4-BE49-F238E27FC236}">
-                <a16:creationId xmlns:a16="http://schemas.microsoft.com/office/drawing/2014/main" id="{8DC412F4-1BB7-2A36-7458-E0C7B2AC4440}"/>
-              </a:ext>
-            </a:extLst>
-          </p:cNvPr>
-          <p:cNvSpPr txBox="1"/>
-          <p:nvPr/>
-        </p:nvSpPr>
-        <p:spPr>
-          <a:xfrm>
-            <a:off x="5302893" y="3286326"/>
-            <a:ext cx="5574730" cy="1742015"/>
-          </a:xfrm>
-          <a:prstGeom prst="rect">
-            <a:avLst/>
-          </a:prstGeom>
-          <a:noFill/>
-        </p:spPr>
-        <p:txBody>
-          <a:bodyPr wrap="square" rtlCol="0">
-            <a:spAutoFit/>
-          </a:bodyPr>
-          <a:lstStyle/>
-          <a:p>
-            <a:pPr marL="306000" indent="-306000">
-              <a:spcBef>
-                <a:spcPct val="20000"/>
-              </a:spcBef>
-              <a:spcAft>
-                <a:spcPts val="600"/>
-              </a:spcAft>
-              <a:buClr>
-                <a:schemeClr val="accent1"/>
-              </a:buClr>
-              <a:buSzPct val="92000"/>
-              <a:buFont typeface="Wingdings 2" panose="05020102010507070707" pitchFamily="18" charset="2"/>
-              <a:buChar char=""/>
-            </a:pPr>
-            <a:r>
-              <a:rPr lang="en-US" dirty="0">
-                <a:solidFill>
-                  <a:schemeClr val="tx1">
-                    <a:lumMod val="75000"/>
-                    <a:lumOff val="25000"/>
-                  </a:schemeClr>
-                </a:solidFill>
-              </a:rPr>
-              <a:t>p: The column name.</a:t>
-            </a:r>
-          </a:p>
-          <a:p>
-            <a:pPr marL="306000" indent="-306000">
-              <a:spcBef>
-                <a:spcPct val="20000"/>
-              </a:spcBef>
-              <a:spcAft>
-                <a:spcPts val="600"/>
-              </a:spcAft>
-              <a:buClr>
-                <a:schemeClr val="accent1"/>
-              </a:buClr>
-              <a:buSzPct val="92000"/>
-              <a:buFont typeface="Wingdings 2" panose="05020102010507070707" pitchFamily="18" charset="2"/>
-              <a:buChar char=""/>
-            </a:pPr>
-            <a:r>
-              <a:rPr lang="en-US" dirty="0">
-                <a:solidFill>
-                  <a:schemeClr val="tx1">
-                    <a:lumMod val="75000"/>
-                    <a:lumOff val="25000"/>
-                  </a:schemeClr>
-                </a:solidFill>
-              </a:rPr>
-              <a:t>geometry(POINT): This defines a 2D point geometry with X and Y coordinates.</a:t>
-            </a:r>
-          </a:p>
-          <a:p>
-            <a:pPr>
-              <a:spcBef>
-                <a:spcPct val="20000"/>
-              </a:spcBef>
-              <a:spcAft>
-                <a:spcPts val="600"/>
-              </a:spcAft>
-              <a:buClr>
-                <a:schemeClr val="accent1"/>
-              </a:buClr>
-              <a:buSzPct val="92000"/>
-            </a:pPr>
-            <a:r>
-              <a:rPr lang="en-US" dirty="0">
-                <a:solidFill>
-                  <a:schemeClr val="tx1">
-                    <a:lumMod val="75000"/>
-                    <a:lumOff val="25000"/>
-                  </a:schemeClr>
-                </a:solidFill>
-              </a:rPr>
-              <a:t>Example: A point representing a latitude/longitude location or X/Y coordinates in a planar system </a:t>
-            </a:r>
-          </a:p>
-        </p:txBody>
-      </p:sp>
-    </p:spTree>
-    <p:extLst>
-      <p:ext uri="{BB962C8B-B14F-4D97-AF65-F5344CB8AC3E}">
-        <p14:creationId xmlns:p14="http://schemas.microsoft.com/office/powerpoint/2010/main" val="3618579396"/>
       </p:ext>
     </p:extLst>
   </p:cSld>

--- a/docs/Lectures/Week03/Week03_SpatialData.pptx
+++ b/docs/Lectures/Week03/Week03_SpatialData.pptx
@@ -5075,7 +5075,7 @@
           <a:p>
             <a:fld id="{3AF106B3-F2DA-48D3-8BC9-D8AF4A5AEC52}" type="datetimeFigureOut">
               <a:rPr lang="en-US" smtClean="0"/>
-              <a:t>1/19/2025</a:t>
+              <a:t>1/21/2025</a:t>
             </a:fld>
             <a:endParaRPr lang="en-US"/>
           </a:p>
@@ -5253,7 +5253,7 @@
           <a:p>
             <a:fld id="{F12EB5DA-1790-4C4A-B092-095C6475A200}" type="datetimeFigureOut">
               <a:rPr lang="en-US" smtClean="0"/>
-              <a:t>1/19/2025</a:t>
+              <a:t>1/21/2025</a:t>
             </a:fld>
             <a:endParaRPr lang="en-US"/>
           </a:p>
@@ -5758,7 +5758,7 @@
           <a:p>
             <a:fld id="{ED291B17-9318-49DB-B28B-6E5994AE9581}" type="datetime1">
               <a:rPr lang="en-US" smtClean="0"/>
-              <a:t>1/19/2025</a:t>
+              <a:t>1/21/2025</a:t>
             </a:fld>
             <a:endParaRPr lang="en-US" dirty="0"/>
           </a:p>
@@ -5961,7 +5961,7 @@
           <a:p>
             <a:fld id="{2CED4963-E985-44C4-B8C4-FDD613B7C2F8}" type="datetime1">
               <a:rPr lang="en-US" smtClean="0"/>
-              <a:t>1/19/2025</a:t>
+              <a:t>1/21/2025</a:t>
             </a:fld>
             <a:endParaRPr lang="en-US" dirty="0"/>
           </a:p>
@@ -6322,7 +6322,7 @@
           <a:p>
             <a:fld id="{ED291B17-9318-49DB-B28B-6E5994AE9581}" type="datetime1">
               <a:rPr lang="en-US" smtClean="0"/>
-              <a:t>1/19/2025</a:t>
+              <a:t>1/21/2025</a:t>
             </a:fld>
             <a:endParaRPr lang="en-US" dirty="0"/>
           </a:p>
@@ -6518,7 +6518,7 @@
           <a:p>
             <a:fld id="{78DD82B9-B8EE-4375-B6FF-88FA6ABB15D9}" type="datetime1">
               <a:rPr lang="en-US" smtClean="0"/>
-              <a:t>1/19/2025</a:t>
+              <a:t>1/21/2025</a:t>
             </a:fld>
             <a:endParaRPr lang="en-US" dirty="0"/>
           </a:p>
@@ -6829,7 +6829,7 @@
           <a:p>
             <a:fld id="{B2497495-0637-405E-AE64-5CC7506D51F5}" type="datetime1">
               <a:rPr lang="en-US" smtClean="0"/>
-              <a:t>1/19/2025</a:t>
+              <a:t>1/21/2025</a:t>
             </a:fld>
             <a:endParaRPr lang="en-US" dirty="0"/>
           </a:p>
@@ -7079,7 +7079,7 @@
           <a:p>
             <a:fld id="{7BFFD690-9426-415D-8B65-26881E07B2D4}" type="datetime1">
               <a:rPr lang="en-US" smtClean="0"/>
-              <a:t>1/19/2025</a:t>
+              <a:t>1/21/2025</a:t>
             </a:fld>
             <a:endParaRPr lang="en-US" dirty="0"/>
           </a:p>
@@ -7498,7 +7498,7 @@
           <a:p>
             <a:fld id="{04C4989A-474C-40DE-95B9-011C28B71673}" type="datetime1">
               <a:rPr lang="en-US" smtClean="0"/>
-              <a:t>1/19/2025</a:t>
+              <a:t>1/21/2025</a:t>
             </a:fld>
             <a:endParaRPr lang="en-US" dirty="0"/>
           </a:p>
@@ -7620,7 +7620,7 @@
           <a:p>
             <a:fld id="{5DB4ED54-5B5E-4A04-93D3-5772E3CE3818}" type="datetime1">
               <a:rPr lang="en-US" smtClean="0"/>
-              <a:t>1/19/2025</a:t>
+              <a:t>1/21/2025</a:t>
             </a:fld>
             <a:endParaRPr lang="en-US" dirty="0"/>
           </a:p>
@@ -7715,7 +7715,7 @@
           <a:p>
             <a:fld id="{4EDE50D6-574B-40AF-946F-D52A04ADE379}" type="datetime1">
               <a:rPr lang="en-US" smtClean="0"/>
-              <a:t>1/19/2025</a:t>
+              <a:t>1/21/2025</a:t>
             </a:fld>
             <a:endParaRPr lang="en-US" dirty="0"/>
           </a:p>
@@ -8090,7 +8090,7 @@
           <a:p>
             <a:fld id="{D82884F1-FFEA-405F-9602-3DCA865EDA4E}" type="datetime1">
               <a:rPr lang="en-US" smtClean="0"/>
-              <a:t>1/19/2025</a:t>
+              <a:t>1/21/2025</a:t>
             </a:fld>
             <a:endParaRPr lang="en-US" dirty="0"/>
           </a:p>
@@ -8381,7 +8381,7 @@
           <a:p>
             <a:fld id="{7E18DB4A-8810-4A10-AD5C-D5E2C667F5B3}" type="datetime1">
               <a:rPr lang="en-US" smtClean="0"/>
-              <a:t>1/19/2025</a:t>
+              <a:t>1/21/2025</a:t>
             </a:fld>
             <a:endParaRPr lang="en-US" dirty="0"/>
           </a:p>
@@ -8594,7 +8594,7 @@
           <a:p>
             <a:fld id="{ED291B17-9318-49DB-B28B-6E5994AE9581}" type="datetime1">
               <a:rPr lang="en-US" smtClean="0"/>
-              <a:t>1/19/2025</a:t>
+              <a:t>1/21/2025</a:t>
             </a:fld>
             <a:endParaRPr lang="en-US" dirty="0"/>
           </a:p>
@@ -23888,7 +23888,7 @@
         <p:spPr>
           <a:xfrm>
             <a:off x="581190" y="1425321"/>
-            <a:ext cx="11029615" cy="5080254"/>
+            <a:ext cx="11029615" cy="4086479"/>
           </a:xfrm>
         </p:spPr>
         <p:txBody>

--- a/docs/Lectures/Week03/Week03_SpatialData.pptx
+++ b/docs/Lectures/Week03/Week03_SpatialData.pptx
@@ -5074,7 +5074,7 @@
           <a:p>
             <a:fld id="{3AF106B3-F2DA-48D3-8BC9-D8AF4A5AEC52}" type="datetimeFigureOut">
               <a:rPr lang="en-US" smtClean="0"/>
-              <a:t>1/26/2025</a:t>
+              <a:t>1/28/2025</a:t>
             </a:fld>
             <a:endParaRPr lang="en-US"/>
           </a:p>
@@ -5252,7 +5252,7 @@
           <a:p>
             <a:fld id="{F12EB5DA-1790-4C4A-B092-095C6475A200}" type="datetimeFigureOut">
               <a:rPr lang="en-US" smtClean="0"/>
-              <a:t>1/26/2025</a:t>
+              <a:t>1/28/2025</a:t>
             </a:fld>
             <a:endParaRPr lang="en-US"/>
           </a:p>
@@ -5757,7 +5757,7 @@
           <a:p>
             <a:fld id="{ED291B17-9318-49DB-B28B-6E5994AE9581}" type="datetime1">
               <a:rPr lang="en-US" smtClean="0"/>
-              <a:t>1/26/2025</a:t>
+              <a:t>1/28/2025</a:t>
             </a:fld>
             <a:endParaRPr lang="en-US" dirty="0"/>
           </a:p>
@@ -5960,7 +5960,7 @@
           <a:p>
             <a:fld id="{2CED4963-E985-44C4-B8C4-FDD613B7C2F8}" type="datetime1">
               <a:rPr lang="en-US" smtClean="0"/>
-              <a:t>1/26/2025</a:t>
+              <a:t>1/28/2025</a:t>
             </a:fld>
             <a:endParaRPr lang="en-US" dirty="0"/>
           </a:p>
@@ -6321,7 +6321,7 @@
           <a:p>
             <a:fld id="{ED291B17-9318-49DB-B28B-6E5994AE9581}" type="datetime1">
               <a:rPr lang="en-US" smtClean="0"/>
-              <a:t>1/26/2025</a:t>
+              <a:t>1/28/2025</a:t>
             </a:fld>
             <a:endParaRPr lang="en-US" dirty="0"/>
           </a:p>
@@ -6517,7 +6517,7 @@
           <a:p>
             <a:fld id="{78DD82B9-B8EE-4375-B6FF-88FA6ABB15D9}" type="datetime1">
               <a:rPr lang="en-US" smtClean="0"/>
-              <a:t>1/26/2025</a:t>
+              <a:t>1/28/2025</a:t>
             </a:fld>
             <a:endParaRPr lang="en-US" dirty="0"/>
           </a:p>
@@ -6828,7 +6828,7 @@
           <a:p>
             <a:fld id="{B2497495-0637-405E-AE64-5CC7506D51F5}" type="datetime1">
               <a:rPr lang="en-US" smtClean="0"/>
-              <a:t>1/26/2025</a:t>
+              <a:t>1/28/2025</a:t>
             </a:fld>
             <a:endParaRPr lang="en-US" dirty="0"/>
           </a:p>
@@ -7078,7 +7078,7 @@
           <a:p>
             <a:fld id="{7BFFD690-9426-415D-8B65-26881E07B2D4}" type="datetime1">
               <a:rPr lang="en-US" smtClean="0"/>
-              <a:t>1/26/2025</a:t>
+              <a:t>1/28/2025</a:t>
             </a:fld>
             <a:endParaRPr lang="en-US" dirty="0"/>
           </a:p>
@@ -7497,7 +7497,7 @@
           <a:p>
             <a:fld id="{04C4989A-474C-40DE-95B9-011C28B71673}" type="datetime1">
               <a:rPr lang="en-US" smtClean="0"/>
-              <a:t>1/26/2025</a:t>
+              <a:t>1/28/2025</a:t>
             </a:fld>
             <a:endParaRPr lang="en-US" dirty="0"/>
           </a:p>
@@ -7619,7 +7619,7 @@
           <a:p>
             <a:fld id="{5DB4ED54-5B5E-4A04-93D3-5772E3CE3818}" type="datetime1">
               <a:rPr lang="en-US" smtClean="0"/>
-              <a:t>1/26/2025</a:t>
+              <a:t>1/28/2025</a:t>
             </a:fld>
             <a:endParaRPr lang="en-US" dirty="0"/>
           </a:p>
@@ -7714,7 +7714,7 @@
           <a:p>
             <a:fld id="{4EDE50D6-574B-40AF-946F-D52A04ADE379}" type="datetime1">
               <a:rPr lang="en-US" smtClean="0"/>
-              <a:t>1/26/2025</a:t>
+              <a:t>1/28/2025</a:t>
             </a:fld>
             <a:endParaRPr lang="en-US" dirty="0"/>
           </a:p>
@@ -8089,7 +8089,7 @@
           <a:p>
             <a:fld id="{D82884F1-FFEA-405F-9602-3DCA865EDA4E}" type="datetime1">
               <a:rPr lang="en-US" smtClean="0"/>
-              <a:t>1/26/2025</a:t>
+              <a:t>1/28/2025</a:t>
             </a:fld>
             <a:endParaRPr lang="en-US" dirty="0"/>
           </a:p>
@@ -8380,7 +8380,7 @@
           <a:p>
             <a:fld id="{7E18DB4A-8810-4A10-AD5C-D5E2C667F5B3}" type="datetime1">
               <a:rPr lang="en-US" smtClean="0"/>
-              <a:t>1/26/2025</a:t>
+              <a:t>1/28/2025</a:t>
             </a:fld>
             <a:endParaRPr lang="en-US" dirty="0"/>
           </a:p>
@@ -8593,7 +8593,7 @@
           <a:p>
             <a:fld id="{ED291B17-9318-49DB-B28B-6E5994AE9581}" type="datetime1">
               <a:rPr lang="en-US" smtClean="0"/>
-              <a:t>1/26/2025</a:t>
+              <a:t>1/28/2025</a:t>
             </a:fld>
             <a:endParaRPr lang="en-US" dirty="0"/>
           </a:p>

--- a/docs/Lectures/Week03/Week03_SpatialData.pptx
+++ b/docs/Lectures/Week03/Week03_SpatialData.pptx
@@ -5,10 +5,10 @@
     <p:sldMasterId id="2147483685" r:id="rId1"/>
   </p:sldMasterIdLst>
   <p:notesMasterIdLst>
-    <p:notesMasterId r:id="rId51"/>
+    <p:notesMasterId r:id="rId52"/>
   </p:notesMasterIdLst>
   <p:handoutMasterIdLst>
-    <p:handoutMasterId r:id="rId52"/>
+    <p:handoutMasterId r:id="rId53"/>
   </p:handoutMasterIdLst>
   <p:sldIdLst>
     <p:sldId id="256" r:id="rId2"/>
@@ -55,11 +55,12 @@
     <p:sldId id="400" r:id="rId43"/>
     <p:sldId id="396" r:id="rId44"/>
     <p:sldId id="403" r:id="rId45"/>
-    <p:sldId id="407" r:id="rId46"/>
-    <p:sldId id="408" r:id="rId47"/>
-    <p:sldId id="398" r:id="rId48"/>
-    <p:sldId id="357" r:id="rId49"/>
-    <p:sldId id="358" r:id="rId50"/>
+    <p:sldId id="426" r:id="rId46"/>
+    <p:sldId id="407" r:id="rId47"/>
+    <p:sldId id="408" r:id="rId48"/>
+    <p:sldId id="398" r:id="rId49"/>
+    <p:sldId id="357" r:id="rId50"/>
+    <p:sldId id="358" r:id="rId51"/>
   </p:sldIdLst>
   <p:sldSz cx="12192000" cy="6858000"/>
   <p:notesSz cx="6858000" cy="9144000"/>
@@ -5074,7 +5075,7 @@
           <a:p>
             <a:fld id="{3AF106B3-F2DA-48D3-8BC9-D8AF4A5AEC52}" type="datetimeFigureOut">
               <a:rPr lang="en-US" smtClean="0"/>
-              <a:t>1/26/2025</a:t>
+              <a:t>1/28/2025</a:t>
             </a:fld>
             <a:endParaRPr lang="en-US"/>
           </a:p>
@@ -5252,7 +5253,7 @@
           <a:p>
             <a:fld id="{F12EB5DA-1790-4C4A-B092-095C6475A200}" type="datetimeFigureOut">
               <a:rPr lang="en-US" smtClean="0"/>
-              <a:t>1/26/2025</a:t>
+              <a:t>1/28/2025</a:t>
             </a:fld>
             <a:endParaRPr lang="en-US"/>
           </a:p>
@@ -5757,7 +5758,7 @@
           <a:p>
             <a:fld id="{ED291B17-9318-49DB-B28B-6E5994AE9581}" type="datetime1">
               <a:rPr lang="en-US" smtClean="0"/>
-              <a:t>1/26/2025</a:t>
+              <a:t>1/28/2025</a:t>
             </a:fld>
             <a:endParaRPr lang="en-US" dirty="0"/>
           </a:p>
@@ -5960,7 +5961,7 @@
           <a:p>
             <a:fld id="{2CED4963-E985-44C4-B8C4-FDD613B7C2F8}" type="datetime1">
               <a:rPr lang="en-US" smtClean="0"/>
-              <a:t>1/26/2025</a:t>
+              <a:t>1/28/2025</a:t>
             </a:fld>
             <a:endParaRPr lang="en-US" dirty="0"/>
           </a:p>
@@ -6321,7 +6322,7 @@
           <a:p>
             <a:fld id="{ED291B17-9318-49DB-B28B-6E5994AE9581}" type="datetime1">
               <a:rPr lang="en-US" smtClean="0"/>
-              <a:t>1/26/2025</a:t>
+              <a:t>1/28/2025</a:t>
             </a:fld>
             <a:endParaRPr lang="en-US" dirty="0"/>
           </a:p>
@@ -6517,7 +6518,7 @@
           <a:p>
             <a:fld id="{78DD82B9-B8EE-4375-B6FF-88FA6ABB15D9}" type="datetime1">
               <a:rPr lang="en-US" smtClean="0"/>
-              <a:t>1/26/2025</a:t>
+              <a:t>1/28/2025</a:t>
             </a:fld>
             <a:endParaRPr lang="en-US" dirty="0"/>
           </a:p>
@@ -6828,7 +6829,7 @@
           <a:p>
             <a:fld id="{B2497495-0637-405E-AE64-5CC7506D51F5}" type="datetime1">
               <a:rPr lang="en-US" smtClean="0"/>
-              <a:t>1/26/2025</a:t>
+              <a:t>1/28/2025</a:t>
             </a:fld>
             <a:endParaRPr lang="en-US" dirty="0"/>
           </a:p>
@@ -7078,7 +7079,7 @@
           <a:p>
             <a:fld id="{7BFFD690-9426-415D-8B65-26881E07B2D4}" type="datetime1">
               <a:rPr lang="en-US" smtClean="0"/>
-              <a:t>1/26/2025</a:t>
+              <a:t>1/28/2025</a:t>
             </a:fld>
             <a:endParaRPr lang="en-US" dirty="0"/>
           </a:p>
@@ -7497,7 +7498,7 @@
           <a:p>
             <a:fld id="{04C4989A-474C-40DE-95B9-011C28B71673}" type="datetime1">
               <a:rPr lang="en-US" smtClean="0"/>
-              <a:t>1/26/2025</a:t>
+              <a:t>1/28/2025</a:t>
             </a:fld>
             <a:endParaRPr lang="en-US" dirty="0"/>
           </a:p>
@@ -7619,7 +7620,7 @@
           <a:p>
             <a:fld id="{5DB4ED54-5B5E-4A04-93D3-5772E3CE3818}" type="datetime1">
               <a:rPr lang="en-US" smtClean="0"/>
-              <a:t>1/26/2025</a:t>
+              <a:t>1/28/2025</a:t>
             </a:fld>
             <a:endParaRPr lang="en-US" dirty="0"/>
           </a:p>
@@ -7714,7 +7715,7 @@
           <a:p>
             <a:fld id="{4EDE50D6-574B-40AF-946F-D52A04ADE379}" type="datetime1">
               <a:rPr lang="en-US" smtClean="0"/>
-              <a:t>1/26/2025</a:t>
+              <a:t>1/28/2025</a:t>
             </a:fld>
             <a:endParaRPr lang="en-US" dirty="0"/>
           </a:p>
@@ -8089,7 +8090,7 @@
           <a:p>
             <a:fld id="{D82884F1-FFEA-405F-9602-3DCA865EDA4E}" type="datetime1">
               <a:rPr lang="en-US" smtClean="0"/>
-              <a:t>1/26/2025</a:t>
+              <a:t>1/28/2025</a:t>
             </a:fld>
             <a:endParaRPr lang="en-US" dirty="0"/>
           </a:p>
@@ -8380,7 +8381,7 @@
           <a:p>
             <a:fld id="{7E18DB4A-8810-4A10-AD5C-D5E2C667F5B3}" type="datetime1">
               <a:rPr lang="en-US" smtClean="0"/>
-              <a:t>1/26/2025</a:t>
+              <a:t>1/28/2025</a:t>
             </a:fld>
             <a:endParaRPr lang="en-US" dirty="0"/>
           </a:p>
@@ -8593,7 +8594,7 @@
           <a:p>
             <a:fld id="{ED291B17-9318-49DB-B28B-6E5994AE9581}" type="datetime1">
               <a:rPr lang="en-US" smtClean="0"/>
-              <a:t>1/26/2025</a:t>
+              <a:t>1/28/2025</a:t>
             </a:fld>
             <a:endParaRPr lang="en-US" dirty="0"/>
           </a:p>
@@ -28201,21 +28202,7 @@
                 </a:solidFill>
                 <a:latin typeface="Courier"/>
               </a:rPr>
-              <a:t>DROP TABLE IF EXISTS ch04.rasters02;</a:t>
-            </a:r>
-          </a:p>
-          <a:p>
-            <a:pPr marL="0" indent="0">
-              <a:buNone/>
-            </a:pPr>
-            <a:r>
-              <a:rPr lang="en-US" sz="1100" dirty="0">
-                <a:solidFill>
-                  <a:srgbClr val="0070C0"/>
-                </a:solidFill>
-                <a:latin typeface="Courier"/>
-              </a:rPr>
-              <a:t>CREATE TABLE ch04.rasters02 </a:t>
+              <a:t>CREATE TABLE ch03.rasters</a:t>
             </a:r>
           </a:p>
           <a:p>
@@ -28300,7 +28287,25 @@
                 </a:solidFill>
                 <a:latin typeface="Courier"/>
               </a:rPr>
-              <a:t>INSERT INTO ch04.rasters02 (name, </a:t>
+              <a:t>INSERT INTO </a:t>
+            </a:r>
+            <a:r>
+              <a:rPr lang="en-US" sz="1100" dirty="0" err="1">
+                <a:solidFill>
+                  <a:srgbClr val="0070C0"/>
+                </a:solidFill>
+                <a:latin typeface="Courier"/>
+              </a:rPr>
+              <a:t>ch.rasters</a:t>
+            </a:r>
+            <a:r>
+              <a:rPr lang="en-US" sz="1100" dirty="0">
+                <a:solidFill>
+                  <a:srgbClr val="0070C0"/>
+                </a:solidFill>
+                <a:latin typeface="Courier"/>
+              </a:rPr>
+              <a:t> (name, </a:t>
             </a:r>
             <a:r>
               <a:rPr lang="en-US" sz="1100" dirty="0" err="1">
@@ -28526,6 +28531,86 @@
 </file>
 
 <file path=ppt/slides/slide45.xml><?xml version="1.0" encoding="utf-8"?>
+<p:sld xmlns:a="http://schemas.openxmlformats.org/drawingml/2006/main" xmlns:r="http://schemas.openxmlformats.org/officeDocument/2006/relationships" xmlns:p="http://schemas.openxmlformats.org/presentationml/2006/main">
+  <p:cSld>
+    <p:spTree>
+      <p:nvGrpSpPr>
+        <p:cNvPr id="1" name=""/>
+        <p:cNvGrpSpPr/>
+        <p:nvPr/>
+      </p:nvGrpSpPr>
+      <p:grpSpPr>
+        <a:xfrm>
+          <a:off x="0" y="0"/>
+          <a:ext cx="0" cy="0"/>
+          <a:chOff x="0" y="0"/>
+          <a:chExt cx="0" cy="0"/>
+        </a:xfrm>
+      </p:grpSpPr>
+      <p:sp>
+        <p:nvSpPr>
+          <p:cNvPr id="2" name="Title 1">
+            <a:extLst>
+              <a:ext uri="{FF2B5EF4-FFF2-40B4-BE49-F238E27FC236}">
+                <a16:creationId xmlns:a16="http://schemas.microsoft.com/office/drawing/2014/main" id="{8D17D9B1-028E-67BF-2324-EB7FA9D1E0C5}"/>
+              </a:ext>
+            </a:extLst>
+          </p:cNvPr>
+          <p:cNvSpPr>
+            <a:spLocks noGrp="1"/>
+          </p:cNvSpPr>
+          <p:nvPr>
+            <p:ph type="title"/>
+          </p:nvPr>
+        </p:nvSpPr>
+        <p:spPr/>
+        <p:txBody>
+          <a:bodyPr/>
+          <a:lstStyle/>
+          <a:p>
+            <a:endParaRPr lang="en-US"/>
+          </a:p>
+        </p:txBody>
+      </p:sp>
+      <p:sp>
+        <p:nvSpPr>
+          <p:cNvPr id="3" name="Content Placeholder 2">
+            <a:extLst>
+              <a:ext uri="{FF2B5EF4-FFF2-40B4-BE49-F238E27FC236}">
+                <a16:creationId xmlns:a16="http://schemas.microsoft.com/office/drawing/2014/main" id="{5A7F1D36-31E4-44E5-4AAF-3F60FC1631D3}"/>
+              </a:ext>
+            </a:extLst>
+          </p:cNvPr>
+          <p:cNvSpPr>
+            <a:spLocks noGrp="1"/>
+          </p:cNvSpPr>
+          <p:nvPr>
+            <p:ph idx="1"/>
+          </p:nvPr>
+        </p:nvSpPr>
+        <p:spPr/>
+        <p:txBody>
+          <a:bodyPr/>
+          <a:lstStyle/>
+          <a:p>
+            <a:endParaRPr lang="en-US" dirty="0"/>
+          </a:p>
+        </p:txBody>
+      </p:sp>
+    </p:spTree>
+    <p:extLst>
+      <p:ext uri="{BB962C8B-B14F-4D97-AF65-F5344CB8AC3E}">
+        <p14:creationId xmlns:p14="http://schemas.microsoft.com/office/powerpoint/2010/main" val="3467533604"/>
+      </p:ext>
+    </p:extLst>
+  </p:cSld>
+  <p:clrMapOvr>
+    <a:masterClrMapping/>
+  </p:clrMapOvr>
+</p:sld>
+</file>
+
+<file path=ppt/slides/slide46.xml><?xml version="1.0" encoding="utf-8"?>
 <p:sld xmlns:a="http://schemas.openxmlformats.org/drawingml/2006/main" xmlns:r="http://schemas.openxmlformats.org/officeDocument/2006/relationships" xmlns:p="http://schemas.openxmlformats.org/presentationml/2006/main">
   <p:cSld>
     <p:bg>
@@ -29379,7 +29464,7 @@
 </p:sld>
 </file>
 
-<file path=ppt/slides/slide46.xml><?xml version="1.0" encoding="utf-8"?>
+<file path=ppt/slides/slide47.xml><?xml version="1.0" encoding="utf-8"?>
 <p:sld xmlns:a="http://schemas.openxmlformats.org/drawingml/2006/main" xmlns:r="http://schemas.openxmlformats.org/officeDocument/2006/relationships" xmlns:p="http://schemas.openxmlformats.org/presentationml/2006/main">
   <p:cSld>
     <p:spTree>
@@ -29499,7 +29584,7 @@
 </p:sld>
 </file>
 
-<file path=ppt/slides/slide47.xml><?xml version="1.0" encoding="utf-8"?>
+<file path=ppt/slides/slide48.xml><?xml version="1.0" encoding="utf-8"?>
 <p:sld xmlns:a="http://schemas.openxmlformats.org/drawingml/2006/main" xmlns:r="http://schemas.openxmlformats.org/officeDocument/2006/relationships" xmlns:p="http://schemas.openxmlformats.org/presentationml/2006/main">
   <p:cSld>
     <p:bg>
@@ -30314,7 +30399,7 @@
 </p:sld>
 </file>
 
-<file path=ppt/slides/slide48.xml><?xml version="1.0" encoding="utf-8"?>
+<file path=ppt/slides/slide49.xml><?xml version="1.0" encoding="utf-8"?>
 <p:sld xmlns:a="http://schemas.openxmlformats.org/drawingml/2006/main" xmlns:r="http://schemas.openxmlformats.org/officeDocument/2006/relationships" xmlns:p="http://schemas.openxmlformats.org/presentationml/2006/main">
   <p:cSld>
     <p:spTree>
@@ -30510,159 +30595,6 @@
     <p:extLst>
       <p:ext uri="{BB962C8B-B14F-4D97-AF65-F5344CB8AC3E}">
         <p14:creationId xmlns:p14="http://schemas.microsoft.com/office/powerpoint/2010/main" val="671468144"/>
-      </p:ext>
-    </p:extLst>
-  </p:cSld>
-  <p:clrMapOvr>
-    <a:masterClrMapping/>
-  </p:clrMapOvr>
-</p:sld>
-</file>
-
-<file path=ppt/slides/slide49.xml><?xml version="1.0" encoding="utf-8"?>
-<p:sld xmlns:a="http://schemas.openxmlformats.org/drawingml/2006/main" xmlns:r="http://schemas.openxmlformats.org/officeDocument/2006/relationships" xmlns:p="http://schemas.openxmlformats.org/presentationml/2006/main">
-  <p:cSld>
-    <p:spTree>
-      <p:nvGrpSpPr>
-        <p:cNvPr id="1" name=""/>
-        <p:cNvGrpSpPr/>
-        <p:nvPr/>
-      </p:nvGrpSpPr>
-      <p:grpSpPr>
-        <a:xfrm>
-          <a:off x="0" y="0"/>
-          <a:ext cx="0" cy="0"/>
-          <a:chOff x="0" y="0"/>
-          <a:chExt cx="0" cy="0"/>
-        </a:xfrm>
-      </p:grpSpPr>
-      <p:sp>
-        <p:nvSpPr>
-          <p:cNvPr id="2" name="Title 1">
-            <a:extLst>
-              <a:ext uri="{FF2B5EF4-FFF2-40B4-BE49-F238E27FC236}">
-                <a16:creationId xmlns:a16="http://schemas.microsoft.com/office/drawing/2014/main" id="{75A1A832-326B-32A7-E5FC-B835E25CD2DC}"/>
-              </a:ext>
-            </a:extLst>
-          </p:cNvPr>
-          <p:cNvSpPr>
-            <a:spLocks noGrp="1"/>
-          </p:cNvSpPr>
-          <p:nvPr>
-            <p:ph type="title"/>
-          </p:nvPr>
-        </p:nvSpPr>
-        <p:spPr>
-          <a:xfrm>
-            <a:off x="581192" y="702156"/>
-            <a:ext cx="11029616" cy="605436"/>
-          </a:xfrm>
-        </p:spPr>
-        <p:txBody>
-          <a:bodyPr/>
-          <a:lstStyle/>
-          <a:p>
-            <a:r>
-              <a:rPr lang="en-US" dirty="0" err="1"/>
-              <a:t>Geometry_columns</a:t>
-            </a:r>
-            <a:r>
-              <a:rPr lang="en-US" dirty="0"/>
-              <a:t> table in database</a:t>
-            </a:r>
-          </a:p>
-        </p:txBody>
-      </p:sp>
-      <p:sp>
-        <p:nvSpPr>
-          <p:cNvPr id="3" name="Content Placeholder 2">
-            <a:extLst>
-              <a:ext uri="{FF2B5EF4-FFF2-40B4-BE49-F238E27FC236}">
-                <a16:creationId xmlns:a16="http://schemas.microsoft.com/office/drawing/2014/main" id="{66E156ED-5EE0-BCD2-CB48-B08277D5DD79}"/>
-              </a:ext>
-            </a:extLst>
-          </p:cNvPr>
-          <p:cNvSpPr>
-            <a:spLocks noGrp="1"/>
-          </p:cNvSpPr>
-          <p:nvPr>
-            <p:ph idx="1"/>
-          </p:nvPr>
-        </p:nvSpPr>
-        <p:spPr>
-          <a:xfrm>
-            <a:off x="581193" y="2340864"/>
-            <a:ext cx="3652480" cy="2441448"/>
-          </a:xfrm>
-        </p:spPr>
-        <p:txBody>
-          <a:bodyPr/>
-          <a:lstStyle/>
-          <a:p>
-            <a:r>
-              <a:rPr lang="en-US" dirty="0">
-                <a:solidFill>
-                  <a:srgbClr val="0070C0"/>
-                </a:solidFill>
-                <a:latin typeface="Courier"/>
-              </a:rPr>
-              <a:t>SELECT * FROM </a:t>
-            </a:r>
-            <a:r>
-              <a:rPr lang="en-US" dirty="0" err="1">
-                <a:solidFill>
-                  <a:srgbClr val="0070C0"/>
-                </a:solidFill>
-                <a:latin typeface="Courier"/>
-              </a:rPr>
-              <a:t>geometry_columns</a:t>
-            </a:r>
-            <a:r>
-              <a:rPr lang="en-US" dirty="0">
-                <a:solidFill>
-                  <a:srgbClr val="0070C0"/>
-                </a:solidFill>
-                <a:latin typeface="Courier"/>
-              </a:rPr>
-              <a:t>;</a:t>
-            </a:r>
-          </a:p>
-        </p:txBody>
-      </p:sp>
-      <p:pic>
-        <p:nvPicPr>
-          <p:cNvPr id="5" name="Picture 4">
-            <a:extLst>
-              <a:ext uri="{FF2B5EF4-FFF2-40B4-BE49-F238E27FC236}">
-                <a16:creationId xmlns:a16="http://schemas.microsoft.com/office/drawing/2014/main" id="{A028382E-DB5F-A1C9-E628-7DEEC2C3D799}"/>
-              </a:ext>
-            </a:extLst>
-          </p:cNvPr>
-          <p:cNvPicPr>
-            <a:picLocks noChangeAspect="1"/>
-          </p:cNvPicPr>
-          <p:nvPr/>
-        </p:nvPicPr>
-        <p:blipFill>
-          <a:blip r:embed="rId2"/>
-          <a:stretch>
-            <a:fillRect/>
-          </a:stretch>
-        </p:blipFill>
-        <p:spPr>
-          <a:xfrm>
-            <a:off x="3799212" y="2159916"/>
-            <a:ext cx="8318234" cy="3995928"/>
-          </a:xfrm>
-          <a:prstGeom prst="rect">
-            <a:avLst/>
-          </a:prstGeom>
-        </p:spPr>
-      </p:pic>
-    </p:spTree>
-    <p:extLst>
-      <p:ext uri="{BB962C8B-B14F-4D97-AF65-F5344CB8AC3E}">
-        <p14:creationId xmlns:p14="http://schemas.microsoft.com/office/powerpoint/2010/main" val="3937626313"/>
       </p:ext>
     </p:extLst>
   </p:cSld>
@@ -30820,6 +30752,159 @@
     <p:extLst>
       <p:ext uri="{BB962C8B-B14F-4D97-AF65-F5344CB8AC3E}">
         <p14:creationId xmlns:p14="http://schemas.microsoft.com/office/powerpoint/2010/main" val="3947750758"/>
+      </p:ext>
+    </p:extLst>
+  </p:cSld>
+  <p:clrMapOvr>
+    <a:masterClrMapping/>
+  </p:clrMapOvr>
+</p:sld>
+</file>
+
+<file path=ppt/slides/slide50.xml><?xml version="1.0" encoding="utf-8"?>
+<p:sld xmlns:a="http://schemas.openxmlformats.org/drawingml/2006/main" xmlns:r="http://schemas.openxmlformats.org/officeDocument/2006/relationships" xmlns:p="http://schemas.openxmlformats.org/presentationml/2006/main">
+  <p:cSld>
+    <p:spTree>
+      <p:nvGrpSpPr>
+        <p:cNvPr id="1" name=""/>
+        <p:cNvGrpSpPr/>
+        <p:nvPr/>
+      </p:nvGrpSpPr>
+      <p:grpSpPr>
+        <a:xfrm>
+          <a:off x="0" y="0"/>
+          <a:ext cx="0" cy="0"/>
+          <a:chOff x="0" y="0"/>
+          <a:chExt cx="0" cy="0"/>
+        </a:xfrm>
+      </p:grpSpPr>
+      <p:sp>
+        <p:nvSpPr>
+          <p:cNvPr id="2" name="Title 1">
+            <a:extLst>
+              <a:ext uri="{FF2B5EF4-FFF2-40B4-BE49-F238E27FC236}">
+                <a16:creationId xmlns:a16="http://schemas.microsoft.com/office/drawing/2014/main" id="{75A1A832-326B-32A7-E5FC-B835E25CD2DC}"/>
+              </a:ext>
+            </a:extLst>
+          </p:cNvPr>
+          <p:cNvSpPr>
+            <a:spLocks noGrp="1"/>
+          </p:cNvSpPr>
+          <p:nvPr>
+            <p:ph type="title"/>
+          </p:nvPr>
+        </p:nvSpPr>
+        <p:spPr>
+          <a:xfrm>
+            <a:off x="581192" y="702156"/>
+            <a:ext cx="11029616" cy="605436"/>
+          </a:xfrm>
+        </p:spPr>
+        <p:txBody>
+          <a:bodyPr/>
+          <a:lstStyle/>
+          <a:p>
+            <a:r>
+              <a:rPr lang="en-US" dirty="0" err="1"/>
+              <a:t>Geometry_columns</a:t>
+            </a:r>
+            <a:r>
+              <a:rPr lang="en-US" dirty="0"/>
+              <a:t> table in database</a:t>
+            </a:r>
+          </a:p>
+        </p:txBody>
+      </p:sp>
+      <p:sp>
+        <p:nvSpPr>
+          <p:cNvPr id="3" name="Content Placeholder 2">
+            <a:extLst>
+              <a:ext uri="{FF2B5EF4-FFF2-40B4-BE49-F238E27FC236}">
+                <a16:creationId xmlns:a16="http://schemas.microsoft.com/office/drawing/2014/main" id="{66E156ED-5EE0-BCD2-CB48-B08277D5DD79}"/>
+              </a:ext>
+            </a:extLst>
+          </p:cNvPr>
+          <p:cNvSpPr>
+            <a:spLocks noGrp="1"/>
+          </p:cNvSpPr>
+          <p:nvPr>
+            <p:ph idx="1"/>
+          </p:nvPr>
+        </p:nvSpPr>
+        <p:spPr>
+          <a:xfrm>
+            <a:off x="581192" y="2159916"/>
+            <a:ext cx="3652480" cy="2441448"/>
+          </a:xfrm>
+        </p:spPr>
+        <p:txBody>
+          <a:bodyPr/>
+          <a:lstStyle/>
+          <a:p>
+            <a:r>
+              <a:rPr lang="en-US" dirty="0">
+                <a:solidFill>
+                  <a:srgbClr val="0070C0"/>
+                </a:solidFill>
+                <a:latin typeface="Courier"/>
+              </a:rPr>
+              <a:t>SELECT * FROM </a:t>
+            </a:r>
+            <a:r>
+              <a:rPr lang="en-US" dirty="0" err="1">
+                <a:solidFill>
+                  <a:srgbClr val="0070C0"/>
+                </a:solidFill>
+                <a:latin typeface="Courier"/>
+              </a:rPr>
+              <a:t>geometry_columns</a:t>
+            </a:r>
+            <a:r>
+              <a:rPr lang="en-US" dirty="0">
+                <a:solidFill>
+                  <a:srgbClr val="0070C0"/>
+                </a:solidFill>
+                <a:latin typeface="Courier"/>
+              </a:rPr>
+              <a:t>;</a:t>
+            </a:r>
+          </a:p>
+        </p:txBody>
+      </p:sp>
+      <p:pic>
+        <p:nvPicPr>
+          <p:cNvPr id="5" name="Picture 4">
+            <a:extLst>
+              <a:ext uri="{FF2B5EF4-FFF2-40B4-BE49-F238E27FC236}">
+                <a16:creationId xmlns:a16="http://schemas.microsoft.com/office/drawing/2014/main" id="{A028382E-DB5F-A1C9-E628-7DEEC2C3D799}"/>
+              </a:ext>
+            </a:extLst>
+          </p:cNvPr>
+          <p:cNvPicPr>
+            <a:picLocks noChangeAspect="1"/>
+          </p:cNvPicPr>
+          <p:nvPr/>
+        </p:nvPicPr>
+        <p:blipFill>
+          <a:blip r:embed="rId2"/>
+          <a:stretch>
+            <a:fillRect/>
+          </a:stretch>
+        </p:blipFill>
+        <p:spPr>
+          <a:xfrm>
+            <a:off x="3799212" y="2159916"/>
+            <a:ext cx="8318234" cy="3995928"/>
+          </a:xfrm>
+          <a:prstGeom prst="rect">
+            <a:avLst/>
+          </a:prstGeom>
+        </p:spPr>
+      </p:pic>
+    </p:spTree>
+    <p:extLst>
+      <p:ext uri="{BB962C8B-B14F-4D97-AF65-F5344CB8AC3E}">
+        <p14:creationId xmlns:p14="http://schemas.microsoft.com/office/powerpoint/2010/main" val="3937626313"/>
       </p:ext>
     </p:extLst>
   </p:cSld>
